--- a/present1.pptx
+++ b/present1.pptx
@@ -8,7 +8,8 @@
     <p:sldId id="256" r:id="rId2"/>
     <p:sldId id="257" r:id="rId3"/>
     <p:sldId id="258" r:id="rId4"/>
-    <p:sldId id="259" r:id="rId5"/>
+    <p:sldId id="260" r:id="rId5"/>
+    <p:sldId id="259" r:id="rId6"/>
   </p:sldIdLst>
   <p:sldSz cx="12192000" cy="6858000"/>
   <p:notesSz cx="6858000" cy="9144000"/>
@@ -107,6 +108,11 @@
       </a:defRPr>
     </a:lvl9pPr>
   </p:defaultTextStyle>
+  <p:extLst>
+    <p:ext uri="{EFAFB233-063F-42B5-8137-9DF3F51BA10A}">
+      <p15:sldGuideLst xmlns:p15="http://schemas.microsoft.com/office/powerpoint/2012/main"/>
+    </p:ext>
+  </p:extLst>
 </p:presentation>
 </file>
 
@@ -3542,10 +3548,136 @@
         </p:nvSpPr>
         <p:spPr/>
         <p:txBody>
-          <a:bodyPr/>
-          <a:lstStyle/>
-          <a:p>
-            <a:endParaRPr lang="en-GB"/>
+          <a:bodyPr>
+            <a:normAutofit lnSpcReduction="10000"/>
+          </a:bodyPr>
+          <a:lstStyle/>
+          <a:p>
+            <a:r>
+              <a:rPr lang="en-GB" sz="1600" dirty="0" err="1"/>
+              <a:t>SaRNet</a:t>
+            </a:r>
+            <a:r>
+              <a:rPr lang="en-GB" sz="1600" dirty="0"/>
+              <a:t>: A Dataset for Deep Learning Assisted Search and Rescue with Satellite Imagery - </a:t>
+            </a:r>
+            <a:r>
+              <a:rPr lang="en-GB" sz="1600" dirty="0">
+                <a:hlinkClick r:id="rId2"/>
+              </a:rPr>
+              <a:t>https://arxiv.org/abs/2107.12469</a:t>
+            </a:r>
+            <a:r>
+              <a:rPr lang="en-GB" sz="1600" dirty="0"/>
+              <a:t> </a:t>
+            </a:r>
+          </a:p>
+          <a:p>
+            <a:pPr lvl="1"/>
+            <a:r>
+              <a:rPr lang="en-GB" sz="1400" dirty="0"/>
+              <a:t>Exploring similar dataset and its usage</a:t>
+            </a:r>
+          </a:p>
+          <a:p>
+            <a:r>
+              <a:rPr lang="en-GB" sz="1600" dirty="0"/>
+              <a:t>Small Target Detection for Search and Rescue Operations using Distributed Deep Learning and Synthetic Data Generation - </a:t>
+            </a:r>
+            <a:r>
+              <a:rPr lang="en-GB" sz="1600" dirty="0">
+                <a:hlinkClick r:id="rId3"/>
+              </a:rPr>
+              <a:t>https://arxiv.org/pdf/1904.11619.pdf</a:t>
+            </a:r>
+            <a:r>
+              <a:rPr lang="en-GB" sz="1600" dirty="0"/>
+              <a:t> </a:t>
+            </a:r>
+          </a:p>
+          <a:p>
+            <a:pPr lvl="1"/>
+            <a:r>
+              <a:rPr lang="en-GB" sz="1400" dirty="0"/>
+              <a:t>“We combined image segmentation, enhancement, and convolution neural networks to reduce detection time to detect small targets. We compared the performance between the auto-detection system and the human eye. Our system detected the target within 8 seconds, but the human eye detected the target within 25 seconds. Our systems also used synthetic data generation and data augmentation techniques to improve target detection accuracy”</a:t>
+            </a:r>
+          </a:p>
+          <a:p>
+            <a:r>
+              <a:rPr lang="en-GB" sz="1600" dirty="0"/>
+              <a:t>Automatic Person Detection in Search and Rescue Operations Using Deep CNN Detectors - </a:t>
+            </a:r>
+            <a:r>
+              <a:rPr lang="en-GB" sz="1600" dirty="0">
+                <a:hlinkClick r:id="rId4"/>
+              </a:rPr>
+              <a:t>https://ieeexplore.ieee.org/document/9369386/algorithms</a:t>
+            </a:r>
+            <a:r>
+              <a:rPr lang="en-GB" sz="1600" dirty="0"/>
+              <a:t>  </a:t>
+            </a:r>
+          </a:p>
+          <a:p>
+            <a:pPr lvl="1"/>
+            <a:r>
+              <a:rPr lang="en-GB" sz="1400" dirty="0"/>
+              <a:t> In this paper, the reliability of existing state-of-the-art detectors such as Faster R-CNN, YOLOv4, </a:t>
+            </a:r>
+            <a:r>
+              <a:rPr lang="en-GB" sz="1400" dirty="0" err="1"/>
+              <a:t>RetinaNet</a:t>
+            </a:r>
+            <a:r>
+              <a:rPr lang="en-GB" sz="1400" dirty="0"/>
+              <a:t>, and Cascade R-CNN on a </a:t>
+            </a:r>
+            <a:r>
+              <a:rPr lang="en-GB" sz="1400" dirty="0" err="1"/>
+              <a:t>VisDrone</a:t>
+            </a:r>
+            <a:r>
+              <a:rPr lang="en-GB" sz="1400" dirty="0"/>
+              <a:t> benchmark and custom-made dataset SARD build to simulate rescue scenes was investigated. After training the models on selected datasets, detection results were compared. Because of the high speed and accuracy and the small number of false detections, the YOLOv4 detector was chosen for further examination. […] YOLOv4 has achieved the best detection performances </a:t>
+            </a:r>
+          </a:p>
+          <a:p>
+            <a:r>
+              <a:rPr lang="en-GB" sz="1700" b="1" dirty="0"/>
+              <a:t>Deep Reinforcement Learning for Autonomous Search and Rescue - </a:t>
+            </a:r>
+            <a:r>
+              <a:rPr lang="en-GB" sz="1700" b="1" dirty="0">
+                <a:hlinkClick r:id="rId5"/>
+              </a:rPr>
+              <a:t>https://ieeexplore.ieee.org/document/8556642</a:t>
+            </a:r>
+            <a:r>
+              <a:rPr lang="en-GB" sz="1700" b="1" dirty="0"/>
+              <a:t> </a:t>
+            </a:r>
+          </a:p>
+          <a:p>
+            <a:pPr lvl="1"/>
+            <a:r>
+              <a:rPr lang="en-GB" sz="1500" dirty="0"/>
+              <a:t>The prototype successfully demonstrated the feasibility of using an artificial intelligence to direct unmanned aerial vehicles to search. […] However, given the real-time, real-physics nature of a single simulated run, training time simply takes too long, inhibiting the success rate of the intelligent system</a:t>
+            </a:r>
+          </a:p>
+          <a:p>
+            <a:pPr lvl="1"/>
+            <a:endParaRPr lang="en-GB" b="1" dirty="0"/>
+          </a:p>
+          <a:p>
+            <a:endParaRPr lang="en-GB" sz="1800" dirty="0"/>
+          </a:p>
+          <a:p>
+            <a:pPr lvl="1"/>
+            <a:endParaRPr lang="en-GB" sz="1400" dirty="0"/>
+          </a:p>
+          <a:p>
+            <a:pPr lvl="1"/>
+            <a:endParaRPr lang="en-GB" sz="1400" dirty="0"/>
           </a:p>
         </p:txBody>
       </p:sp>
@@ -3584,6 +3716,130 @@
           <p:cNvPr id="2" name="Title 1">
             <a:extLst>
               <a:ext uri="{FF2B5EF4-FFF2-40B4-BE49-F238E27FC236}">
+                <a16:creationId xmlns:a16="http://schemas.microsoft.com/office/drawing/2014/main" id="{A0DD301A-450D-594E-96E3-EB9F39E7691F}"/>
+              </a:ext>
+            </a:extLst>
+          </p:cNvPr>
+          <p:cNvSpPr>
+            <a:spLocks noGrp="1"/>
+          </p:cNvSpPr>
+          <p:nvPr>
+            <p:ph type="title"/>
+          </p:nvPr>
+        </p:nvSpPr>
+        <p:spPr/>
+        <p:txBody>
+          <a:bodyPr/>
+          <a:lstStyle/>
+          <a:p>
+            <a:r>
+              <a:rPr lang="en-GB" dirty="0"/>
+              <a:t>Overview scientific papers</a:t>
+            </a:r>
+          </a:p>
+        </p:txBody>
+      </p:sp>
+      <p:sp>
+        <p:nvSpPr>
+          <p:cNvPr id="3" name="Content Placeholder 2">
+            <a:extLst>
+              <a:ext uri="{FF2B5EF4-FFF2-40B4-BE49-F238E27FC236}">
+                <a16:creationId xmlns:a16="http://schemas.microsoft.com/office/drawing/2014/main" id="{049DD2FC-FAFA-C94C-A960-34A207F06461}"/>
+              </a:ext>
+            </a:extLst>
+          </p:cNvPr>
+          <p:cNvSpPr>
+            <a:spLocks noGrp="1"/>
+          </p:cNvSpPr>
+          <p:nvPr>
+            <p:ph idx="1"/>
+          </p:nvPr>
+        </p:nvSpPr>
+        <p:spPr/>
+        <p:txBody>
+          <a:bodyPr>
+            <a:normAutofit/>
+          </a:bodyPr>
+          <a:lstStyle/>
+          <a:p>
+            <a:r>
+              <a:rPr lang="en-GB" sz="1600" dirty="0"/>
+              <a:t>Search and Rescue with Airborne Optical Sectioning - </a:t>
+            </a:r>
+            <a:r>
+              <a:rPr lang="en-GB" sz="1600" dirty="0">
+                <a:hlinkClick r:id="rId2"/>
+              </a:rPr>
+              <a:t>https://arxiv.org/abs/2009.08835</a:t>
+            </a:r>
+            <a:r>
+              <a:rPr lang="en-GB" sz="1600" dirty="0"/>
+              <a:t> </a:t>
+            </a:r>
+          </a:p>
+          <a:p>
+            <a:pPr lvl="1"/>
+            <a:r>
+              <a:rPr lang="en-GB" sz="1400" dirty="0"/>
+              <a:t>We show that automated person detection under occlusion conditions can be significantly improved by combining </a:t>
+            </a:r>
+            <a:r>
+              <a:rPr lang="en-GB" sz="1400" dirty="0" err="1"/>
+              <a:t>multiperspective</a:t>
+            </a:r>
+            <a:r>
+              <a:rPr lang="en-GB" sz="1400" dirty="0"/>
+              <a:t> images before classification. Here, we employed image integration by Airborne Optical Sectioning (AOS)—a synthetic aperture imaging technique that uses camera drones to capture unstructured thermal light fields—to achieve this with a precision/recall of 96/93%. Finding lost or injured people in dense forests is not generally feasible with thermal recordings, but becomes practical with use of AOS integral images.</a:t>
+            </a:r>
+          </a:p>
+          <a:p>
+            <a:endParaRPr lang="en-GB" sz="1800" dirty="0"/>
+          </a:p>
+          <a:p>
+            <a:pPr lvl="1"/>
+            <a:endParaRPr lang="en-GB" sz="1400" dirty="0"/>
+          </a:p>
+          <a:p>
+            <a:pPr lvl="1"/>
+            <a:endParaRPr lang="en-GB" sz="1400" dirty="0"/>
+          </a:p>
+        </p:txBody>
+      </p:sp>
+    </p:spTree>
+    <p:extLst>
+      <p:ext uri="{BB962C8B-B14F-4D97-AF65-F5344CB8AC3E}">
+        <p14:creationId xmlns:p14="http://schemas.microsoft.com/office/powerpoint/2010/main" val="2293688204"/>
+      </p:ext>
+    </p:extLst>
+  </p:cSld>
+  <p:clrMapOvr>
+    <a:masterClrMapping/>
+  </p:clrMapOvr>
+</p:sld>
+</file>
+
+<file path=ppt/slides/slide5.xml><?xml version="1.0" encoding="utf-8"?>
+<p:sld xmlns:a="http://schemas.openxmlformats.org/drawingml/2006/main" xmlns:r="http://schemas.openxmlformats.org/officeDocument/2006/relationships" xmlns:p="http://schemas.openxmlformats.org/presentationml/2006/main">
+  <p:cSld>
+    <p:spTree>
+      <p:nvGrpSpPr>
+        <p:cNvPr id="1" name=""/>
+        <p:cNvGrpSpPr/>
+        <p:nvPr/>
+      </p:nvGrpSpPr>
+      <p:grpSpPr>
+        <a:xfrm>
+          <a:off x="0" y="0"/>
+          <a:ext cx="0" cy="0"/>
+          <a:chOff x="0" y="0"/>
+          <a:chExt cx="0" cy="0"/>
+        </a:xfrm>
+      </p:grpSpPr>
+      <p:sp>
+        <p:nvSpPr>
+          <p:cNvPr id="2" name="Title 1">
+            <a:extLst>
+              <a:ext uri="{FF2B5EF4-FFF2-40B4-BE49-F238E27FC236}">
                 <a16:creationId xmlns:a16="http://schemas.microsoft.com/office/drawing/2014/main" id="{352E7183-CA7F-E647-B585-80382C600342}"/>
               </a:ext>
             </a:extLst>
@@ -3628,10 +3884,46 @@
           <a:bodyPr/>
           <a:lstStyle/>
           <a:p>
-            <a:endParaRPr lang="en-GB"/>
-          </a:p>
-        </p:txBody>
-      </p:sp>
+            <a:r>
+              <a:rPr lang="en-GB" dirty="0"/>
+              <a:t>Basic exploration</a:t>
+            </a:r>
+          </a:p>
+          <a:p>
+            <a:endParaRPr lang="en-GB" dirty="0"/>
+          </a:p>
+        </p:txBody>
+      </p:sp>
+      <p:pic>
+        <p:nvPicPr>
+          <p:cNvPr id="4" name="Picture 3">
+            <a:extLst>
+              <a:ext uri="{FF2B5EF4-FFF2-40B4-BE49-F238E27FC236}">
+                <a16:creationId xmlns:a16="http://schemas.microsoft.com/office/drawing/2014/main" id="{A3547670-8B23-4247-BC4A-9371B33B30DF}"/>
+              </a:ext>
+            </a:extLst>
+          </p:cNvPr>
+          <p:cNvPicPr>
+            <a:picLocks noChangeAspect="1"/>
+          </p:cNvPicPr>
+          <p:nvPr/>
+        </p:nvPicPr>
+        <p:blipFill>
+          <a:blip r:embed="rId2"/>
+          <a:stretch>
+            <a:fillRect/>
+          </a:stretch>
+        </p:blipFill>
+        <p:spPr>
+          <a:xfrm>
+            <a:off x="2540000" y="2468561"/>
+            <a:ext cx="6436078" cy="4201547"/>
+          </a:xfrm>
+          <a:prstGeom prst="rect">
+            <a:avLst/>
+          </a:prstGeom>
+        </p:spPr>
+      </p:pic>
     </p:spTree>
     <p:extLst>
       <p:ext uri="{BB962C8B-B14F-4D97-AF65-F5344CB8AC3E}">

--- a/present1.pptx
+++ b/present1.pptx
@@ -9,7 +9,8 @@
     <p:sldId id="257" r:id="rId3"/>
     <p:sldId id="258" r:id="rId4"/>
     <p:sldId id="260" r:id="rId5"/>
-    <p:sldId id="259" r:id="rId6"/>
+    <p:sldId id="261" r:id="rId6"/>
+    <p:sldId id="259" r:id="rId7"/>
   </p:sldIdLst>
   <p:sldSz cx="12192000" cy="6858000"/>
   <p:notesSz cx="6858000" cy="9144000"/>
@@ -263,7 +264,7 @@
           <a:p>
             <a:fld id="{E30499D9-1BFC-0241-B783-EF1B60557E44}" type="datetimeFigureOut">
               <a:rPr lang="en-GB" smtClean="0"/>
-              <a:t>17/11/2021</a:t>
+              <a:t>19/11/2021</a:t>
             </a:fld>
             <a:endParaRPr lang="en-GB"/>
           </a:p>
@@ -461,7 +462,7 @@
           <a:p>
             <a:fld id="{E30499D9-1BFC-0241-B783-EF1B60557E44}" type="datetimeFigureOut">
               <a:rPr lang="en-GB" smtClean="0"/>
-              <a:t>17/11/2021</a:t>
+              <a:t>19/11/2021</a:t>
             </a:fld>
             <a:endParaRPr lang="en-GB"/>
           </a:p>
@@ -669,7 +670,7 @@
           <a:p>
             <a:fld id="{E30499D9-1BFC-0241-B783-EF1B60557E44}" type="datetimeFigureOut">
               <a:rPr lang="en-GB" smtClean="0"/>
-              <a:t>17/11/2021</a:t>
+              <a:t>19/11/2021</a:t>
             </a:fld>
             <a:endParaRPr lang="en-GB"/>
           </a:p>
@@ -867,7 +868,7 @@
           <a:p>
             <a:fld id="{E30499D9-1BFC-0241-B783-EF1B60557E44}" type="datetimeFigureOut">
               <a:rPr lang="en-GB" smtClean="0"/>
-              <a:t>17/11/2021</a:t>
+              <a:t>19/11/2021</a:t>
             </a:fld>
             <a:endParaRPr lang="en-GB"/>
           </a:p>
@@ -1142,7 +1143,7 @@
           <a:p>
             <a:fld id="{E30499D9-1BFC-0241-B783-EF1B60557E44}" type="datetimeFigureOut">
               <a:rPr lang="en-GB" smtClean="0"/>
-              <a:t>17/11/2021</a:t>
+              <a:t>19/11/2021</a:t>
             </a:fld>
             <a:endParaRPr lang="en-GB"/>
           </a:p>
@@ -1407,7 +1408,7 @@
           <a:p>
             <a:fld id="{E30499D9-1BFC-0241-B783-EF1B60557E44}" type="datetimeFigureOut">
               <a:rPr lang="en-GB" smtClean="0"/>
-              <a:t>17/11/2021</a:t>
+              <a:t>19/11/2021</a:t>
             </a:fld>
             <a:endParaRPr lang="en-GB"/>
           </a:p>
@@ -1819,7 +1820,7 @@
           <a:p>
             <a:fld id="{E30499D9-1BFC-0241-B783-EF1B60557E44}" type="datetimeFigureOut">
               <a:rPr lang="en-GB" smtClean="0"/>
-              <a:t>17/11/2021</a:t>
+              <a:t>19/11/2021</a:t>
             </a:fld>
             <a:endParaRPr lang="en-GB"/>
           </a:p>
@@ -1960,7 +1961,7 @@
           <a:p>
             <a:fld id="{E30499D9-1BFC-0241-B783-EF1B60557E44}" type="datetimeFigureOut">
               <a:rPr lang="en-GB" smtClean="0"/>
-              <a:t>17/11/2021</a:t>
+              <a:t>19/11/2021</a:t>
             </a:fld>
             <a:endParaRPr lang="en-GB"/>
           </a:p>
@@ -2073,7 +2074,7 @@
           <a:p>
             <a:fld id="{E30499D9-1BFC-0241-B783-EF1B60557E44}" type="datetimeFigureOut">
               <a:rPr lang="en-GB" smtClean="0"/>
-              <a:t>17/11/2021</a:t>
+              <a:t>19/11/2021</a:t>
             </a:fld>
             <a:endParaRPr lang="en-GB"/>
           </a:p>
@@ -2384,7 +2385,7 @@
           <a:p>
             <a:fld id="{E30499D9-1BFC-0241-B783-EF1B60557E44}" type="datetimeFigureOut">
               <a:rPr lang="en-GB" smtClean="0"/>
-              <a:t>17/11/2021</a:t>
+              <a:t>19/11/2021</a:t>
             </a:fld>
             <a:endParaRPr lang="en-GB"/>
           </a:p>
@@ -2672,7 +2673,7 @@
           <a:p>
             <a:fld id="{E30499D9-1BFC-0241-B783-EF1B60557E44}" type="datetimeFigureOut">
               <a:rPr lang="en-GB" smtClean="0"/>
-              <a:t>17/11/2021</a:t>
+              <a:t>19/11/2021</a:t>
             </a:fld>
             <a:endParaRPr lang="en-GB"/>
           </a:p>
@@ -2913,7 +2914,7 @@
           <a:p>
             <a:fld id="{E30499D9-1BFC-0241-B783-EF1B60557E44}" type="datetimeFigureOut">
               <a:rPr lang="en-GB" smtClean="0"/>
-              <a:t>17/11/2021</a:t>
+              <a:t>19/11/2021</a:t>
             </a:fld>
             <a:endParaRPr lang="en-GB"/>
           </a:p>
@@ -3468,7 +3469,62 @@
           <a:bodyPr/>
           <a:lstStyle/>
           <a:p>
-            <a:endParaRPr lang="en-GB"/>
+            <a:r>
+              <a:rPr lang="en-GB" dirty="0"/>
+              <a:t>How to incorporate temporal images</a:t>
+            </a:r>
+          </a:p>
+          <a:p>
+            <a:pPr lvl="1"/>
+            <a:r>
+              <a:rPr lang="en-GB" dirty="0"/>
+              <a:t>Simply warping them again sufficient? </a:t>
+            </a:r>
+          </a:p>
+          <a:p>
+            <a:pPr marL="0" indent="0">
+              <a:buNone/>
+            </a:pPr>
+            <a:endParaRPr lang="en-GB" dirty="0"/>
+          </a:p>
+          <a:p>
+            <a:r>
+              <a:rPr lang="en-GB" dirty="0"/>
+              <a:t>What type of algorithm to use for anomaly detection</a:t>
+            </a:r>
+          </a:p>
+          <a:p>
+            <a:pPr lvl="1"/>
+            <a:r>
+              <a:rPr lang="en-GB" dirty="0" err="1"/>
+              <a:t>Pytorch</a:t>
+            </a:r>
+            <a:r>
+              <a:rPr lang="en-GB" dirty="0"/>
+              <a:t> from scratch or using pre-trained version from official JKU implementation (using other images)</a:t>
+            </a:r>
+          </a:p>
+          <a:p>
+            <a:pPr lvl="1"/>
+            <a:endParaRPr lang="en-GB" dirty="0"/>
+          </a:p>
+          <a:p>
+            <a:r>
+              <a:rPr lang="en-GB" dirty="0"/>
+              <a:t>Object detection what type of anomaly is it? </a:t>
+            </a:r>
+          </a:p>
+          <a:p>
+            <a:endParaRPr lang="en-GB" dirty="0"/>
+          </a:p>
+          <a:p>
+            <a:endParaRPr lang="en-GB" dirty="0"/>
+          </a:p>
+          <a:p>
+            <a:endParaRPr lang="en-GB" dirty="0"/>
+          </a:p>
+          <a:p>
+            <a:endParaRPr lang="en-GB" dirty="0"/>
           </a:p>
         </p:txBody>
       </p:sp>
@@ -3793,7 +3849,67 @@
             </a:r>
           </a:p>
           <a:p>
+            <a:pPr lvl="1"/>
+            <a:r>
+              <a:rPr lang="en-GB" sz="1400" dirty="0">
+                <a:hlinkClick r:id="rId3"/>
+              </a:rPr>
+              <a:t>https://github.com/JKU-ICG/AOS</a:t>
+            </a:r>
+            <a:r>
+              <a:rPr lang="en-GB" sz="1400" dirty="0"/>
+              <a:t> </a:t>
+            </a:r>
+          </a:p>
+          <a:p>
             <a:endParaRPr lang="en-GB" sz="1800" dirty="0"/>
+          </a:p>
+          <a:p>
+            <a:r>
+              <a:rPr lang="en-GB" dirty="0"/>
+              <a:t>Through-Foliage Tracking with Airborne Optical Sectioning </a:t>
+            </a:r>
+            <a:r>
+              <a:rPr lang="en-GB" sz="1800" dirty="0"/>
+              <a:t>- </a:t>
+            </a:r>
+            <a:r>
+              <a:rPr lang="en-GB" sz="1800" dirty="0">
+                <a:hlinkClick r:id="rId4"/>
+              </a:rPr>
+              <a:t>https://arxiv.org/abs/2111.06959</a:t>
+            </a:r>
+            <a:r>
+              <a:rPr lang="en-GB" sz="1800" dirty="0"/>
+              <a:t> </a:t>
+            </a:r>
+          </a:p>
+          <a:p>
+            <a:pPr lvl="1"/>
+            <a:r>
+              <a:rPr lang="en-GB" sz="1400" dirty="0"/>
+              <a:t>While detecting and tracking moving targets through foliage is difficult (and for many cases even impossible) in regular aerial images or videos, it becomes practically feasible with image integration – which is the core principle of Airborne Optical Sectioning. We have already shown that classification significantly benefits from image integration (</a:t>
+            </a:r>
+            <a:r>
+              <a:rPr lang="en-GB" sz="1400" dirty="0" err="1"/>
+              <a:t>Schedl</a:t>
+            </a:r>
+            <a:r>
+              <a:rPr lang="en-GB" sz="1400" dirty="0"/>
+              <a:t> et al. (2020b)). In this work we demonstrate that the same holds true for </a:t>
+            </a:r>
+            <a:r>
+              <a:rPr lang="en-GB" sz="1400" dirty="0" err="1"/>
+              <a:t>color</a:t>
+            </a:r>
+            <a:r>
+              <a:rPr lang="en-GB" sz="1400" dirty="0"/>
+              <a:t> anomaly detection. </a:t>
+            </a:r>
+          </a:p>
+          <a:p>
+            <a:pPr lvl="1"/>
+            <a:endParaRPr lang="en-GB" sz="1400" dirty="0"/>
           </a:p>
           <a:p>
             <a:pPr lvl="1"/>
@@ -3819,6 +3935,608 @@
 </file>
 
 <file path=ppt/slides/slide5.xml><?xml version="1.0" encoding="utf-8"?>
+<p:sld xmlns:a="http://schemas.openxmlformats.org/drawingml/2006/main" xmlns:r="http://schemas.openxmlformats.org/officeDocument/2006/relationships" xmlns:p="http://schemas.openxmlformats.org/presentationml/2006/main">
+  <p:cSld>
+    <p:spTree>
+      <p:nvGrpSpPr>
+        <p:cNvPr id="1" name=""/>
+        <p:cNvGrpSpPr/>
+        <p:nvPr/>
+      </p:nvGrpSpPr>
+      <p:grpSpPr>
+        <a:xfrm>
+          <a:off x="0" y="0"/>
+          <a:ext cx="0" cy="0"/>
+          <a:chOff x="0" y="0"/>
+          <a:chExt cx="0" cy="0"/>
+        </a:xfrm>
+      </p:grpSpPr>
+      <p:sp>
+        <p:nvSpPr>
+          <p:cNvPr id="2" name="Title 1">
+            <a:extLst>
+              <a:ext uri="{FF2B5EF4-FFF2-40B4-BE49-F238E27FC236}">
+                <a16:creationId xmlns:a16="http://schemas.microsoft.com/office/drawing/2014/main" id="{A0DD301A-450D-594E-96E3-EB9F39E7691F}"/>
+              </a:ext>
+            </a:extLst>
+          </p:cNvPr>
+          <p:cNvSpPr>
+            <a:spLocks noGrp="1"/>
+          </p:cNvSpPr>
+          <p:nvPr>
+            <p:ph type="title"/>
+          </p:nvPr>
+        </p:nvSpPr>
+        <p:spPr/>
+        <p:txBody>
+          <a:bodyPr/>
+          <a:lstStyle/>
+          <a:p>
+            <a:r>
+              <a:rPr lang="en-GB" dirty="0"/>
+              <a:t>Overview scientific papers</a:t>
+            </a:r>
+          </a:p>
+        </p:txBody>
+      </p:sp>
+      <p:sp>
+        <p:nvSpPr>
+          <p:cNvPr id="3" name="Content Placeholder 2">
+            <a:extLst>
+              <a:ext uri="{FF2B5EF4-FFF2-40B4-BE49-F238E27FC236}">
+                <a16:creationId xmlns:a16="http://schemas.microsoft.com/office/drawing/2014/main" id="{049DD2FC-FAFA-C94C-A960-34A207F06461}"/>
+              </a:ext>
+            </a:extLst>
+          </p:cNvPr>
+          <p:cNvSpPr>
+            <a:spLocks noGrp="1"/>
+          </p:cNvSpPr>
+          <p:nvPr>
+            <p:ph idx="1"/>
+          </p:nvPr>
+        </p:nvSpPr>
+        <p:spPr/>
+        <p:txBody>
+          <a:bodyPr>
+            <a:normAutofit/>
+          </a:bodyPr>
+          <a:lstStyle/>
+          <a:p>
+            <a:pPr marL="0" lvl="0" indent="0" eaLnBrk="0" fontAlgn="base" hangingPunct="0">
+              <a:lnSpc>
+                <a:spcPct val="100000"/>
+              </a:lnSpc>
+              <a:spcBef>
+                <a:spcPct val="0"/>
+              </a:spcBef>
+              <a:spcAft>
+                <a:spcPct val="0"/>
+              </a:spcAft>
+              <a:buFontTx/>
+              <a:buChar char="•"/>
+            </a:pPr>
+            <a:r>
+              <a:rPr lang="en-AT" altLang="en-AT" sz="1200" dirty="0">
+                <a:latin typeface="-apple-system"/>
+              </a:rPr>
+              <a:t>Rakesh John Amala Arokia Nathan, Indrajit Kurmi, David C. Schedl and Oliver Bimber, Through-Foliage Tracking with Airborne Optical Sectioning, Remote Sensing of Environment (under Review), (2021), </a:t>
+            </a:r>
+            <a:r>
+              <a:rPr lang="en-GB" sz="1200" dirty="0">
+                <a:hlinkClick r:id="rId2">
+                  <a:extLst>
+                    <a:ext uri="{A12FA001-AC4F-418D-AE19-62706E023703}">
+                      <ahyp:hlinkClr xmlns:ahyp="http://schemas.microsoft.com/office/drawing/2018/hyperlinkcolor" val="tx"/>
+                    </a:ext>
+                  </a:extLst>
+                </a:hlinkClick>
+              </a:rPr>
+              <a:t>https://arxiv.org/abs/2111.06959</a:t>
+            </a:r>
+            <a:r>
+              <a:rPr lang="en-GB" sz="1200" dirty="0"/>
+              <a:t> </a:t>
+            </a:r>
+          </a:p>
+          <a:p>
+            <a:pPr marL="0" lvl="0" indent="0" eaLnBrk="0" fontAlgn="base" hangingPunct="0">
+              <a:lnSpc>
+                <a:spcPct val="100000"/>
+              </a:lnSpc>
+              <a:spcBef>
+                <a:spcPct val="0"/>
+              </a:spcBef>
+              <a:spcAft>
+                <a:spcPct val="0"/>
+              </a:spcAft>
+              <a:buFontTx/>
+              <a:buChar char="•"/>
+            </a:pPr>
+            <a:r>
+              <a:rPr lang="en-GB" altLang="en-AT" sz="1200" dirty="0">
+                <a:latin typeface="-apple-system"/>
+              </a:rPr>
+              <a:t> </a:t>
+            </a:r>
+            <a:r>
+              <a:rPr lang="en-AT" altLang="en-AT" sz="1200" dirty="0">
+                <a:latin typeface="-apple-system"/>
+              </a:rPr>
+              <a:t>Indrajit Kurmi, David C. Schedl, and Oliver Bimber, Combined People Classification with Airborne Optical Sectioning, Nature Scientific Reports (under review), (2021),</a:t>
+            </a:r>
+            <a:r>
+              <a:rPr lang="en-GB" altLang="en-AT" sz="1200" dirty="0">
+                <a:latin typeface="-apple-system"/>
+              </a:rPr>
+              <a:t> </a:t>
+            </a:r>
+            <a:r>
+              <a:rPr lang="en-GB" altLang="en-AT" sz="1200" dirty="0">
+                <a:latin typeface="-apple-system"/>
+                <a:hlinkClick r:id="rId3">
+                  <a:extLst>
+                    <a:ext uri="{A12FA001-AC4F-418D-AE19-62706E023703}">
+                      <ahyp:hlinkClr xmlns:ahyp="http://schemas.microsoft.com/office/drawing/2018/hyperlinkcolor" val="tx"/>
+                    </a:ext>
+                  </a:extLst>
+                </a:hlinkClick>
+              </a:rPr>
+              <a:t>https://arxiv.org/abs/2106.10077</a:t>
+            </a:r>
+            <a:r>
+              <a:rPr lang="en-GB" altLang="en-AT" sz="1200" dirty="0">
+                <a:latin typeface="-apple-system"/>
+              </a:rPr>
+              <a:t> </a:t>
+            </a:r>
+            <a:endParaRPr lang="en-AT" altLang="en-AT" sz="1200" dirty="0">
+              <a:latin typeface="-apple-system"/>
+            </a:endParaRPr>
+          </a:p>
+          <a:p>
+            <a:pPr marL="0" lvl="0" indent="0" eaLnBrk="0" fontAlgn="base" hangingPunct="0">
+              <a:lnSpc>
+                <a:spcPct val="100000"/>
+              </a:lnSpc>
+              <a:spcBef>
+                <a:spcPct val="0"/>
+              </a:spcBef>
+              <a:spcAft>
+                <a:spcPct val="0"/>
+              </a:spcAft>
+              <a:buFontTx/>
+              <a:buChar char="•"/>
+            </a:pPr>
+            <a:r>
+              <a:rPr lang="en-AT" altLang="en-AT" sz="1200" dirty="0">
+                <a:latin typeface="-apple-system"/>
+              </a:rPr>
+              <a:t>David C. Schedl, Indrajit Kurmi, and Oliver Bimber, Autonomous Drones for Search and Rescue in Forests, Science Robotics 6(55), eabg1188, </a:t>
+            </a:r>
+            <a:r>
+              <a:rPr lang="en-AT" altLang="en-AT" sz="1200" dirty="0">
+                <a:latin typeface="-apple-system"/>
+                <a:hlinkClick r:id="rId4">
+                  <a:extLst>
+                    <a:ext uri="{A12FA001-AC4F-418D-AE19-62706E023703}">
+                      <ahyp:hlinkClr xmlns:ahyp="http://schemas.microsoft.com/office/drawing/2018/hyperlinkcolor" val="tx"/>
+                    </a:ext>
+                  </a:extLst>
+                </a:hlinkClick>
+              </a:rPr>
+              <a:t>https://doi.org/10.1126/scirobotics.abg1188</a:t>
+            </a:r>
+            <a:r>
+              <a:rPr lang="en-AT" altLang="en-AT" sz="1200" dirty="0">
+                <a:latin typeface="-apple-system"/>
+              </a:rPr>
+              <a:t>, (2021)</a:t>
+            </a:r>
+          </a:p>
+          <a:p>
+            <a:pPr marL="0" lvl="0" indent="0" eaLnBrk="0" fontAlgn="base" hangingPunct="0">
+              <a:lnSpc>
+                <a:spcPct val="100000"/>
+              </a:lnSpc>
+              <a:spcBef>
+                <a:spcPct val="0"/>
+              </a:spcBef>
+              <a:spcAft>
+                <a:spcPct val="0"/>
+              </a:spcAft>
+              <a:buFontTx/>
+              <a:buChar char="•"/>
+            </a:pPr>
+            <a:r>
+              <a:rPr lang="en-AT" altLang="en-AT" sz="1200" dirty="0">
+                <a:latin typeface="-apple-system"/>
+              </a:rPr>
+              <a:t>David C. Schedl, Indrajit Kurmi, and Oliver Bimber, Search and rescue with airborne optical sectioning, Nature Machine Intelligence 2, 783-790, </a:t>
+            </a:r>
+            <a:r>
+              <a:rPr lang="en-AT" altLang="en-AT" sz="1200" dirty="0">
+                <a:latin typeface="-apple-system"/>
+                <a:hlinkClick r:id="rId5">
+                  <a:extLst>
+                    <a:ext uri="{A12FA001-AC4F-418D-AE19-62706E023703}">
+                      <ahyp:hlinkClr xmlns:ahyp="http://schemas.microsoft.com/office/drawing/2018/hyperlinkcolor" val="tx"/>
+                    </a:ext>
+                  </a:extLst>
+                </a:hlinkClick>
+              </a:rPr>
+              <a:t>https://doi.org/10.1038/s42256-020-00261-3</a:t>
+            </a:r>
+            <a:r>
+              <a:rPr lang="en-AT" altLang="en-AT" sz="1200" dirty="0">
+                <a:latin typeface="-apple-system"/>
+              </a:rPr>
+              <a:t> (2020)</a:t>
+            </a:r>
+          </a:p>
+          <a:p>
+            <a:pPr marL="0" lvl="0" indent="0" eaLnBrk="0" fontAlgn="base" hangingPunct="0">
+              <a:lnSpc>
+                <a:spcPct val="100000"/>
+              </a:lnSpc>
+              <a:spcBef>
+                <a:spcPct val="0"/>
+              </a:spcBef>
+              <a:spcAft>
+                <a:spcPct val="0"/>
+              </a:spcAft>
+              <a:buFontTx/>
+              <a:buChar char="•"/>
+            </a:pPr>
+            <a:r>
+              <a:rPr lang="en-AT" altLang="en-AT" sz="1200" dirty="0">
+                <a:latin typeface="-apple-system"/>
+              </a:rPr>
+              <a:t>Indrajit Kurmi, David C. Schedl, and Oliver Bimber, Pose Error Reduction for Focus Enhancement in Thermal Synthetic Aperture Visualization, IEEE Geoscience and Remote Sensing Letters, DOI: </a:t>
+            </a:r>
+            <a:r>
+              <a:rPr lang="en-AT" altLang="en-AT" sz="1200" dirty="0">
+                <a:latin typeface="-apple-system"/>
+                <a:hlinkClick r:id="rId6">
+                  <a:extLst>
+                    <a:ext uri="{A12FA001-AC4F-418D-AE19-62706E023703}">
+                      <ahyp:hlinkClr xmlns:ahyp="http://schemas.microsoft.com/office/drawing/2018/hyperlinkcolor" val="tx"/>
+                    </a:ext>
+                  </a:extLst>
+                </a:hlinkClick>
+              </a:rPr>
+              <a:t>https://doi.org/10.1109/LGRS.2021.3051718</a:t>
+            </a:r>
+            <a:r>
+              <a:rPr lang="en-AT" altLang="en-AT" sz="1200" dirty="0">
+                <a:latin typeface="-apple-system"/>
+              </a:rPr>
+              <a:t> (2021).</a:t>
+            </a:r>
+          </a:p>
+          <a:p>
+            <a:pPr marL="0" lvl="0" indent="0" eaLnBrk="0" fontAlgn="base" hangingPunct="0">
+              <a:lnSpc>
+                <a:spcPct val="100000"/>
+              </a:lnSpc>
+              <a:spcBef>
+                <a:spcPct val="0"/>
+              </a:spcBef>
+              <a:spcAft>
+                <a:spcPct val="0"/>
+              </a:spcAft>
+              <a:buFontTx/>
+              <a:buChar char="•"/>
+            </a:pPr>
+            <a:r>
+              <a:rPr lang="en-AT" altLang="en-AT" sz="1200" dirty="0">
+                <a:latin typeface="-apple-system"/>
+              </a:rPr>
+              <a:t>Indrajit Kurmi, David C. Schedl, and Oliver Bimber, Fast automatic visibility optimization for thermal synthetic aperture visualization, IEEE Geosci. Remote Sens. Lett. </a:t>
+            </a:r>
+            <a:r>
+              <a:rPr lang="en-AT" altLang="en-AT" sz="1200" dirty="0">
+                <a:latin typeface="-apple-system"/>
+                <a:hlinkClick r:id="rId7">
+                  <a:extLst>
+                    <a:ext uri="{A12FA001-AC4F-418D-AE19-62706E023703}">
+                      <ahyp:hlinkClr xmlns:ahyp="http://schemas.microsoft.com/office/drawing/2018/hyperlinkcolor" val="tx"/>
+                    </a:ext>
+                  </a:extLst>
+                </a:hlinkClick>
+              </a:rPr>
+              <a:t>https://doi.org/10.1109/LGRS.2020.2987471</a:t>
+            </a:r>
+            <a:r>
+              <a:rPr lang="en-AT" altLang="en-AT" sz="1200" dirty="0">
+                <a:latin typeface="-apple-system"/>
+              </a:rPr>
+              <a:t> (2020).</a:t>
+            </a:r>
+          </a:p>
+          <a:p>
+            <a:pPr marL="0" lvl="0" indent="0" eaLnBrk="0" fontAlgn="base" hangingPunct="0">
+              <a:lnSpc>
+                <a:spcPct val="100000"/>
+              </a:lnSpc>
+              <a:spcBef>
+                <a:spcPct val="0"/>
+              </a:spcBef>
+              <a:spcAft>
+                <a:spcPct val="0"/>
+              </a:spcAft>
+              <a:buFontTx/>
+              <a:buChar char="•"/>
+            </a:pPr>
+            <a:r>
+              <a:rPr lang="en-AT" altLang="en-AT" sz="1200" dirty="0">
+                <a:latin typeface="-apple-system"/>
+              </a:rPr>
+              <a:t>David C. Schedl, Indrajit Kurmi, and Oliver Bimber, Airborne Optical Sectioning for Nesting Observation. Sci Rep 10, 7254, </a:t>
+            </a:r>
+            <a:r>
+              <a:rPr lang="en-AT" altLang="en-AT" sz="1200" dirty="0">
+                <a:latin typeface="-apple-system"/>
+                <a:hlinkClick r:id="rId8">
+                  <a:extLst>
+                    <a:ext uri="{A12FA001-AC4F-418D-AE19-62706E023703}">
+                      <ahyp:hlinkClr xmlns:ahyp="http://schemas.microsoft.com/office/drawing/2018/hyperlinkcolor" val="tx"/>
+                    </a:ext>
+                  </a:extLst>
+                </a:hlinkClick>
+              </a:rPr>
+              <a:t>https://doi.org/10.1038/s41598-020-63317-9</a:t>
+            </a:r>
+            <a:r>
+              <a:rPr lang="en-AT" altLang="en-AT" sz="1200" dirty="0">
+                <a:latin typeface="-apple-system"/>
+              </a:rPr>
+              <a:t> (2020).</a:t>
+            </a:r>
+          </a:p>
+          <a:p>
+            <a:pPr marL="0" lvl="0" indent="0" eaLnBrk="0" fontAlgn="base" hangingPunct="0">
+              <a:lnSpc>
+                <a:spcPct val="100000"/>
+              </a:lnSpc>
+              <a:spcBef>
+                <a:spcPct val="0"/>
+              </a:spcBef>
+              <a:spcAft>
+                <a:spcPct val="0"/>
+              </a:spcAft>
+              <a:buFontTx/>
+              <a:buChar char="•"/>
+            </a:pPr>
+            <a:r>
+              <a:rPr lang="en-AT" altLang="en-AT" sz="1200" dirty="0">
+                <a:latin typeface="-apple-system"/>
+              </a:rPr>
+              <a:t>Indrajit Kurmi, David C. Schedl, and Oliver Bimber, Thermal airborne optical sectioning. Remote Sensing. 11, 1668, </a:t>
+            </a:r>
+            <a:r>
+              <a:rPr lang="en-AT" altLang="en-AT" sz="1200" dirty="0">
+                <a:latin typeface="-apple-system"/>
+                <a:hlinkClick r:id="rId9">
+                  <a:extLst>
+                    <a:ext uri="{A12FA001-AC4F-418D-AE19-62706E023703}">
+                      <ahyp:hlinkClr xmlns:ahyp="http://schemas.microsoft.com/office/drawing/2018/hyperlinkcolor" val="tx"/>
+                    </a:ext>
+                  </a:extLst>
+                </a:hlinkClick>
+              </a:rPr>
+              <a:t>https://doi.org/10.3390/rs11141668</a:t>
+            </a:r>
+            <a:r>
+              <a:rPr lang="en-AT" altLang="en-AT" sz="1200" dirty="0">
+                <a:latin typeface="-apple-system"/>
+              </a:rPr>
+              <a:t>, (2019).</a:t>
+            </a:r>
+          </a:p>
+          <a:p>
+            <a:pPr lvl="1"/>
+            <a:endParaRPr lang="en-GB" sz="1400" dirty="0"/>
+          </a:p>
+        </p:txBody>
+      </p:sp>
+      <p:sp>
+        <p:nvSpPr>
+          <p:cNvPr id="10" name="AutoShape 7" descr="DOI">
+            <a:hlinkClick r:id="rId10"/>
+            <a:extLst>
+              <a:ext uri="{FF2B5EF4-FFF2-40B4-BE49-F238E27FC236}">
+                <a16:creationId xmlns:a16="http://schemas.microsoft.com/office/drawing/2014/main" id="{55E6C380-2A9A-0C40-B963-0E57BB24D1D0}"/>
+              </a:ext>
+            </a:extLst>
+          </p:cNvPr>
+          <p:cNvSpPr>
+            <a:spLocks noChangeAspect="1" noChangeArrowheads="1"/>
+          </p:cNvSpPr>
+          <p:nvPr/>
+        </p:nvSpPr>
+        <p:spPr bwMode="auto">
+          <a:xfrm>
+            <a:off x="969963" y="-2498725"/>
+            <a:ext cx="304800" cy="304800"/>
+          </a:xfrm>
+          <a:prstGeom prst="rect">
+            <a:avLst/>
+          </a:prstGeom>
+          <a:noFill/>
+          <a:extLst>
+            <a:ext uri="{909E8E84-426E-40DD-AFC4-6F175D3DCCD1}">
+              <a14:hiddenFill xmlns:a14="http://schemas.microsoft.com/office/drawing/2010/main">
+                <a:solidFill>
+                  <a:srgbClr val="FFFFFF"/>
+                </a:solidFill>
+              </a14:hiddenFill>
+            </a:ext>
+          </a:extLst>
+        </p:spPr>
+        <p:txBody>
+          <a:bodyPr vert="horz" wrap="square" lIns="91440" tIns="45720" rIns="91440" bIns="45720" numCol="1" anchor="t" anchorCtr="0" compatLnSpc="1">
+            <a:prstTxWarp prst="textNoShape">
+              <a:avLst/>
+            </a:prstTxWarp>
+          </a:bodyPr>
+          <a:lstStyle/>
+          <a:p>
+            <a:endParaRPr lang="en-GB"/>
+          </a:p>
+        </p:txBody>
+      </p:sp>
+      <p:sp>
+        <p:nvSpPr>
+          <p:cNvPr id="11" name="AutoShape 8" descr="DOI">
+            <a:hlinkClick r:id="rId11"/>
+            <a:extLst>
+              <a:ext uri="{FF2B5EF4-FFF2-40B4-BE49-F238E27FC236}">
+                <a16:creationId xmlns:a16="http://schemas.microsoft.com/office/drawing/2014/main" id="{FC3CA384-9A84-0643-8FF4-3A6BCE04A63B}"/>
+              </a:ext>
+            </a:extLst>
+          </p:cNvPr>
+          <p:cNvSpPr>
+            <a:spLocks noChangeAspect="1" noChangeArrowheads="1"/>
+          </p:cNvSpPr>
+          <p:nvPr/>
+        </p:nvSpPr>
+        <p:spPr bwMode="auto">
+          <a:xfrm>
+            <a:off x="969963" y="-1477963"/>
+            <a:ext cx="304800" cy="304800"/>
+          </a:xfrm>
+          <a:prstGeom prst="rect">
+            <a:avLst/>
+          </a:prstGeom>
+          <a:noFill/>
+          <a:extLst>
+            <a:ext uri="{909E8E84-426E-40DD-AFC4-6F175D3DCCD1}">
+              <a14:hiddenFill xmlns:a14="http://schemas.microsoft.com/office/drawing/2010/main">
+                <a:solidFill>
+                  <a:srgbClr val="FFFFFF"/>
+                </a:solidFill>
+              </a14:hiddenFill>
+            </a:ext>
+          </a:extLst>
+        </p:spPr>
+        <p:txBody>
+          <a:bodyPr vert="horz" wrap="square" lIns="91440" tIns="45720" rIns="91440" bIns="45720" numCol="1" anchor="t" anchorCtr="0" compatLnSpc="1">
+            <a:prstTxWarp prst="textNoShape">
+              <a:avLst/>
+            </a:prstTxWarp>
+          </a:bodyPr>
+          <a:lstStyle/>
+          <a:p>
+            <a:endParaRPr lang="en-GB"/>
+          </a:p>
+        </p:txBody>
+      </p:sp>
+      <p:sp>
+        <p:nvSpPr>
+          <p:cNvPr id="12" name="AutoShape 9" descr="DOI">
+            <a:hlinkClick r:id="rId12"/>
+            <a:extLst>
+              <a:ext uri="{FF2B5EF4-FFF2-40B4-BE49-F238E27FC236}">
+                <a16:creationId xmlns:a16="http://schemas.microsoft.com/office/drawing/2014/main" id="{C3B7690D-ED36-9C4B-961A-0FA1666B3A24}"/>
+              </a:ext>
+            </a:extLst>
+          </p:cNvPr>
+          <p:cNvSpPr>
+            <a:spLocks noChangeAspect="1" noChangeArrowheads="1"/>
+          </p:cNvSpPr>
+          <p:nvPr/>
+        </p:nvSpPr>
+        <p:spPr bwMode="auto">
+          <a:xfrm>
+            <a:off x="969963" y="-639763"/>
+            <a:ext cx="304800" cy="304800"/>
+          </a:xfrm>
+          <a:prstGeom prst="rect">
+            <a:avLst/>
+          </a:prstGeom>
+          <a:noFill/>
+          <a:extLst>
+            <a:ext uri="{909E8E84-426E-40DD-AFC4-6F175D3DCCD1}">
+              <a14:hiddenFill xmlns:a14="http://schemas.microsoft.com/office/drawing/2010/main">
+                <a:solidFill>
+                  <a:srgbClr val="FFFFFF"/>
+                </a:solidFill>
+              </a14:hiddenFill>
+            </a:ext>
+          </a:extLst>
+        </p:spPr>
+        <p:txBody>
+          <a:bodyPr vert="horz" wrap="square" lIns="91440" tIns="45720" rIns="91440" bIns="45720" numCol="1" anchor="t" anchorCtr="0" compatLnSpc="1">
+            <a:prstTxWarp prst="textNoShape">
+              <a:avLst/>
+            </a:prstTxWarp>
+          </a:bodyPr>
+          <a:lstStyle/>
+          <a:p>
+            <a:endParaRPr lang="en-GB"/>
+          </a:p>
+        </p:txBody>
+      </p:sp>
+      <p:sp>
+        <p:nvSpPr>
+          <p:cNvPr id="13" name="AutoShape 10" descr="DOI">
+            <a:hlinkClick r:id="rId13"/>
+            <a:extLst>
+              <a:ext uri="{FF2B5EF4-FFF2-40B4-BE49-F238E27FC236}">
+                <a16:creationId xmlns:a16="http://schemas.microsoft.com/office/drawing/2014/main" id="{5D190095-8636-484D-8D7F-127547216529}"/>
+              </a:ext>
+            </a:extLst>
+          </p:cNvPr>
+          <p:cNvSpPr>
+            <a:spLocks noChangeAspect="1" noChangeArrowheads="1"/>
+          </p:cNvSpPr>
+          <p:nvPr/>
+        </p:nvSpPr>
+        <p:spPr bwMode="auto">
+          <a:xfrm>
+            <a:off x="969963" y="381000"/>
+            <a:ext cx="304800" cy="304800"/>
+          </a:xfrm>
+          <a:prstGeom prst="rect">
+            <a:avLst/>
+          </a:prstGeom>
+          <a:noFill/>
+          <a:extLst>
+            <a:ext uri="{909E8E84-426E-40DD-AFC4-6F175D3DCCD1}">
+              <a14:hiddenFill xmlns:a14="http://schemas.microsoft.com/office/drawing/2010/main">
+                <a:solidFill>
+                  <a:srgbClr val="FFFFFF"/>
+                </a:solidFill>
+              </a14:hiddenFill>
+            </a:ext>
+          </a:extLst>
+        </p:spPr>
+        <p:txBody>
+          <a:bodyPr vert="horz" wrap="square" lIns="91440" tIns="45720" rIns="91440" bIns="45720" numCol="1" anchor="t" anchorCtr="0" compatLnSpc="1">
+            <a:prstTxWarp prst="textNoShape">
+              <a:avLst/>
+            </a:prstTxWarp>
+          </a:bodyPr>
+          <a:lstStyle/>
+          <a:p>
+            <a:endParaRPr lang="en-GB"/>
+          </a:p>
+        </p:txBody>
+      </p:sp>
+    </p:spTree>
+    <p:extLst>
+      <p:ext uri="{BB962C8B-B14F-4D97-AF65-F5344CB8AC3E}">
+        <p14:creationId xmlns:p14="http://schemas.microsoft.com/office/powerpoint/2010/main" val="541507533"/>
+      </p:ext>
+    </p:extLst>
+  </p:cSld>
+  <p:clrMapOvr>
+    <a:masterClrMapping/>
+  </p:clrMapOvr>
+</p:sld>
+</file>
+
+<file path=ppt/slides/slide6.xml><?xml version="1.0" encoding="utf-8"?>
 <p:sld xmlns:a="http://schemas.openxmlformats.org/drawingml/2006/main" xmlns:r="http://schemas.openxmlformats.org/officeDocument/2006/relationships" xmlns:p="http://schemas.openxmlformats.org/presentationml/2006/main">
   <p:cSld>
     <p:spTree>

--- a/present1.pptx
+++ b/present1.pptx
@@ -8,9 +8,10 @@
     <p:sldId id="256" r:id="rId2"/>
     <p:sldId id="257" r:id="rId3"/>
     <p:sldId id="258" r:id="rId4"/>
-    <p:sldId id="260" r:id="rId5"/>
-    <p:sldId id="261" r:id="rId6"/>
-    <p:sldId id="259" r:id="rId7"/>
+    <p:sldId id="263" r:id="rId5"/>
+    <p:sldId id="264" r:id="rId6"/>
+    <p:sldId id="262" r:id="rId7"/>
+    <p:sldId id="259" r:id="rId8"/>
   </p:sldIdLst>
   <p:sldSz cx="12192000" cy="6858000"/>
   <p:notesSz cx="6858000" cy="9144000"/>
@@ -264,7 +265,7 @@
           <a:p>
             <a:fld id="{E30499D9-1BFC-0241-B783-EF1B60557E44}" type="datetimeFigureOut">
               <a:rPr lang="en-GB" smtClean="0"/>
-              <a:t>19/11/2021</a:t>
+              <a:t>21/11/2021</a:t>
             </a:fld>
             <a:endParaRPr lang="en-GB"/>
           </a:p>
@@ -462,7 +463,7 @@
           <a:p>
             <a:fld id="{E30499D9-1BFC-0241-B783-EF1B60557E44}" type="datetimeFigureOut">
               <a:rPr lang="en-GB" smtClean="0"/>
-              <a:t>19/11/2021</a:t>
+              <a:t>21/11/2021</a:t>
             </a:fld>
             <a:endParaRPr lang="en-GB"/>
           </a:p>
@@ -670,7 +671,7 @@
           <a:p>
             <a:fld id="{E30499D9-1BFC-0241-B783-EF1B60557E44}" type="datetimeFigureOut">
               <a:rPr lang="en-GB" smtClean="0"/>
-              <a:t>19/11/2021</a:t>
+              <a:t>21/11/2021</a:t>
             </a:fld>
             <a:endParaRPr lang="en-GB"/>
           </a:p>
@@ -868,7 +869,7 @@
           <a:p>
             <a:fld id="{E30499D9-1BFC-0241-B783-EF1B60557E44}" type="datetimeFigureOut">
               <a:rPr lang="en-GB" smtClean="0"/>
-              <a:t>19/11/2021</a:t>
+              <a:t>21/11/2021</a:t>
             </a:fld>
             <a:endParaRPr lang="en-GB"/>
           </a:p>
@@ -1143,7 +1144,7 @@
           <a:p>
             <a:fld id="{E30499D9-1BFC-0241-B783-EF1B60557E44}" type="datetimeFigureOut">
               <a:rPr lang="en-GB" smtClean="0"/>
-              <a:t>19/11/2021</a:t>
+              <a:t>21/11/2021</a:t>
             </a:fld>
             <a:endParaRPr lang="en-GB"/>
           </a:p>
@@ -1408,7 +1409,7 @@
           <a:p>
             <a:fld id="{E30499D9-1BFC-0241-B783-EF1B60557E44}" type="datetimeFigureOut">
               <a:rPr lang="en-GB" smtClean="0"/>
-              <a:t>19/11/2021</a:t>
+              <a:t>21/11/2021</a:t>
             </a:fld>
             <a:endParaRPr lang="en-GB"/>
           </a:p>
@@ -1820,7 +1821,7 @@
           <a:p>
             <a:fld id="{E30499D9-1BFC-0241-B783-EF1B60557E44}" type="datetimeFigureOut">
               <a:rPr lang="en-GB" smtClean="0"/>
-              <a:t>19/11/2021</a:t>
+              <a:t>21/11/2021</a:t>
             </a:fld>
             <a:endParaRPr lang="en-GB"/>
           </a:p>
@@ -1961,7 +1962,7 @@
           <a:p>
             <a:fld id="{E30499D9-1BFC-0241-B783-EF1B60557E44}" type="datetimeFigureOut">
               <a:rPr lang="en-GB" smtClean="0"/>
-              <a:t>19/11/2021</a:t>
+              <a:t>21/11/2021</a:t>
             </a:fld>
             <a:endParaRPr lang="en-GB"/>
           </a:p>
@@ -2074,7 +2075,7 @@
           <a:p>
             <a:fld id="{E30499D9-1BFC-0241-B783-EF1B60557E44}" type="datetimeFigureOut">
               <a:rPr lang="en-GB" smtClean="0"/>
-              <a:t>19/11/2021</a:t>
+              <a:t>21/11/2021</a:t>
             </a:fld>
             <a:endParaRPr lang="en-GB"/>
           </a:p>
@@ -2385,7 +2386,7 @@
           <a:p>
             <a:fld id="{E30499D9-1BFC-0241-B783-EF1B60557E44}" type="datetimeFigureOut">
               <a:rPr lang="en-GB" smtClean="0"/>
-              <a:t>19/11/2021</a:t>
+              <a:t>21/11/2021</a:t>
             </a:fld>
             <a:endParaRPr lang="en-GB"/>
           </a:p>
@@ -2673,7 +2674,7 @@
           <a:p>
             <a:fld id="{E30499D9-1BFC-0241-B783-EF1B60557E44}" type="datetimeFigureOut">
               <a:rPr lang="en-GB" smtClean="0"/>
-              <a:t>19/11/2021</a:t>
+              <a:t>21/11/2021</a:t>
             </a:fld>
             <a:endParaRPr lang="en-GB"/>
           </a:p>
@@ -2914,7 +2915,7 @@
           <a:p>
             <a:fld id="{E30499D9-1BFC-0241-B783-EF1B60557E44}" type="datetimeFigureOut">
               <a:rPr lang="en-GB" smtClean="0"/>
-              <a:t>19/11/2021</a:t>
+              <a:t>21/11/2021</a:t>
             </a:fld>
             <a:endParaRPr lang="en-GB"/>
           </a:p>
@@ -3317,6 +3318,14 @@
 <file path=ppt/slides/slide1.xml><?xml version="1.0" encoding="utf-8"?>
 <p:sld xmlns:a="http://schemas.openxmlformats.org/drawingml/2006/main" xmlns:r="http://schemas.openxmlformats.org/officeDocument/2006/relationships" xmlns:p="http://schemas.openxmlformats.org/presentationml/2006/main">
   <p:cSld>
+    <p:bg>
+      <p:bgPr>
+        <a:solidFill>
+          <a:schemeClr val="bg1"/>
+        </a:solidFill>
+        <a:effectLst/>
+      </p:bgPr>
+    </p:bg>
     <p:spTree>
       <p:nvGrpSpPr>
         <p:cNvPr id="1" name=""/>
@@ -3333,6 +3342,82 @@
       </p:grpSpPr>
       <p:sp>
         <p:nvSpPr>
+          <p:cNvPr id="8" name="Rectangle 7">
+            <a:extLst>
+              <a:ext uri="{FF2B5EF4-FFF2-40B4-BE49-F238E27FC236}">
+                <a16:creationId xmlns:a16="http://schemas.microsoft.com/office/drawing/2014/main" id="{1A3C89F8-0D2F-47FF-B903-151248265F47}"/>
+              </a:ext>
+              <a:ext uri="{C183D7F6-B498-43B3-948B-1728B52AA6E4}">
+                <adec:decorative xmlns:adec="http://schemas.microsoft.com/office/drawing/2017/decorative" val="1"/>
+              </a:ext>
+            </a:extLst>
+          </p:cNvPr>
+          <p:cNvSpPr>
+            <a:spLocks noGrp="1" noRot="1" noChangeAspect="1" noMove="1" noResize="1" noEditPoints="1" noAdjustHandles="1" noChangeArrowheads="1" noChangeShapeType="1" noTextEdit="1"/>
+          </p:cNvSpPr>
+          <p:nvPr>
+            <p:extLst>
+              <p:ext uri="{386F3935-93C4-4BCD-93E2-E3B085C9AB24}">
+                <p16:designElem xmlns:p16="http://schemas.microsoft.com/office/powerpoint/2015/main" val="1"/>
+              </p:ext>
+            </p:extLst>
+          </p:nvPr>
+        </p:nvSpPr>
+        <p:spPr>
+          <a:xfrm>
+            <a:off x="0" y="0"/>
+            <a:ext cx="12192000" cy="6858000"/>
+          </a:xfrm>
+          <a:prstGeom prst="rect">
+            <a:avLst/>
+          </a:prstGeom>
+          <a:gradFill flip="none" rotWithShape="1">
+            <a:gsLst>
+              <a:gs pos="0">
+                <a:schemeClr val="accent1"/>
+              </a:gs>
+              <a:gs pos="100000">
+                <a:schemeClr val="accent2"/>
+              </a:gs>
+            </a:gsLst>
+            <a:lin ang="8100000" scaled="0"/>
+            <a:tileRect/>
+          </a:gradFill>
+          <a:ln>
+            <a:noFill/>
+          </a:ln>
+        </p:spPr>
+        <p:style>
+          <a:lnRef idx="2">
+            <a:schemeClr val="accent1">
+              <a:shade val="50000"/>
+            </a:schemeClr>
+          </a:lnRef>
+          <a:fillRef idx="1">
+            <a:schemeClr val="accent1"/>
+          </a:fillRef>
+          <a:effectRef idx="0">
+            <a:schemeClr val="accent1"/>
+          </a:effectRef>
+          <a:fontRef idx="minor">
+            <a:schemeClr val="lt1"/>
+          </a:fontRef>
+        </p:style>
+        <p:txBody>
+          <a:bodyPr rtlCol="0" anchor="ctr"/>
+          <a:lstStyle/>
+          <a:p>
+            <a:pPr algn="ctr"/>
+            <a:endParaRPr lang="en-US">
+              <a:solidFill>
+                <a:srgbClr val="FFFFFF"/>
+              </a:solidFill>
+            </a:endParaRPr>
+          </a:p>
+        </p:txBody>
+      </p:sp>
+      <p:sp>
+        <p:nvSpPr>
           <p:cNvPr id="2" name="Title 1">
             <a:extLst>
               <a:ext uri="{FF2B5EF4-FFF2-40B4-BE49-F238E27FC236}">
@@ -3347,14 +3432,26 @@
             <p:ph type="ctrTitle"/>
           </p:nvPr>
         </p:nvSpPr>
-        <p:spPr/>
-        <p:txBody>
-          <a:bodyPr/>
-          <a:lstStyle/>
-          <a:p>
-            <a:r>
-              <a:rPr lang="en-GB" dirty="0"/>
-              <a:t>1ST PRESENTATION: BASICS AND RELATED WORK</a:t>
+        <p:spPr>
+          <a:xfrm>
+            <a:off x="3880430" y="583345"/>
+            <a:ext cx="7160357" cy="4164820"/>
+          </a:xfrm>
+        </p:spPr>
+        <p:txBody>
+          <a:bodyPr anchor="t">
+            <a:normAutofit/>
+          </a:bodyPr>
+          <a:lstStyle/>
+          <a:p>
+            <a:pPr algn="r"/>
+            <a:r>
+              <a:rPr lang="en-GB" sz="7400">
+                <a:solidFill>
+                  <a:srgbClr val="FFFFFF"/>
+                </a:solidFill>
+              </a:rPr>
+              <a:t>UNSUPERVISED PERSON LOCALIZATION IN WISAR</a:t>
             </a:r>
           </a:p>
         </p:txBody>
@@ -3375,18 +3472,1058 @@
             <p:ph type="subTitle" idx="1"/>
           </p:nvPr>
         </p:nvSpPr>
-        <p:spPr/>
-        <p:txBody>
-          <a:bodyPr/>
-          <a:lstStyle/>
-          <a:p>
-            <a:r>
-              <a:rPr lang="en-GB" dirty="0"/>
-              <a:t>Group C9</a:t>
-            </a:r>
-          </a:p>
-          <a:p>
-            <a:endParaRPr lang="en-GB" dirty="0"/>
+        <p:spPr>
+          <a:xfrm>
+            <a:off x="1208228" y="5972174"/>
+            <a:ext cx="8578699" cy="504825"/>
+          </a:xfrm>
+        </p:spPr>
+        <p:txBody>
+          <a:bodyPr>
+            <a:normAutofit/>
+          </a:bodyPr>
+          <a:lstStyle/>
+          <a:p>
+            <a:pPr algn="l"/>
+            <a:r>
+              <a:rPr lang="en-GB" sz="2000">
+                <a:solidFill>
+                  <a:srgbClr val="FFFFFF"/>
+                </a:solidFill>
+              </a:rPr>
+              <a:t>1ST PRESENTATION: BASICS AND RELATED WORK - Group C9</a:t>
+            </a:r>
+          </a:p>
+          <a:p>
+            <a:pPr algn="l"/>
+            <a:endParaRPr lang="en-GB" sz="2000">
+              <a:solidFill>
+                <a:srgbClr val="FFFFFF"/>
+              </a:solidFill>
+            </a:endParaRPr>
+          </a:p>
+        </p:txBody>
+      </p:sp>
+      <p:sp>
+        <p:nvSpPr>
+          <p:cNvPr id="10" name="Graphic 13">
+            <a:extLst>
+              <a:ext uri="{FF2B5EF4-FFF2-40B4-BE49-F238E27FC236}">
+                <a16:creationId xmlns:a16="http://schemas.microsoft.com/office/drawing/2014/main" id="{C5CB530E-515E-412C-9DF1-5F8FFBD6F383}"/>
+              </a:ext>
+              <a:ext uri="{C183D7F6-B498-43B3-948B-1728B52AA6E4}">
+                <adec:decorative xmlns:adec="http://schemas.microsoft.com/office/drawing/2017/decorative" val="1"/>
+              </a:ext>
+            </a:extLst>
+          </p:cNvPr>
+          <p:cNvSpPr>
+            <a:spLocks noGrp="1" noRot="1" noChangeAspect="1" noMove="1" noResize="1" noEditPoints="1" noAdjustHandles="1" noChangeArrowheads="1" noChangeShapeType="1" noTextEdit="1"/>
+          </p:cNvSpPr>
+          <p:nvPr>
+            <p:extLst>
+              <p:ext uri="{386F3935-93C4-4BCD-93E2-E3B085C9AB24}">
+                <p16:designElem xmlns:p16="http://schemas.microsoft.com/office/powerpoint/2015/main" val="1"/>
+              </p:ext>
+            </p:extLst>
+          </p:nvPr>
+        </p:nvSpPr>
+        <p:spPr>
+          <a:xfrm>
+            <a:off x="3474359" y="583345"/>
+            <a:ext cx="139039" cy="139039"/>
+          </a:xfrm>
+          <a:custGeom>
+            <a:avLst/>
+            <a:gdLst>
+              <a:gd name="connsiteX0" fmla="*/ 129602 w 139039"/>
+              <a:gd name="connsiteY0" fmla="*/ 60082 h 139039"/>
+              <a:gd name="connsiteX1" fmla="*/ 78957 w 139039"/>
+              <a:gd name="connsiteY1" fmla="*/ 60082 h 139039"/>
+              <a:gd name="connsiteX2" fmla="*/ 78957 w 139039"/>
+              <a:gd name="connsiteY2" fmla="*/ 9437 h 139039"/>
+              <a:gd name="connsiteX3" fmla="*/ 69520 w 139039"/>
+              <a:gd name="connsiteY3" fmla="*/ 0 h 139039"/>
+              <a:gd name="connsiteX4" fmla="*/ 60082 w 139039"/>
+              <a:gd name="connsiteY4" fmla="*/ 9437 h 139039"/>
+              <a:gd name="connsiteX5" fmla="*/ 60082 w 139039"/>
+              <a:gd name="connsiteY5" fmla="*/ 60082 h 139039"/>
+              <a:gd name="connsiteX6" fmla="*/ 9437 w 139039"/>
+              <a:gd name="connsiteY6" fmla="*/ 60082 h 139039"/>
+              <a:gd name="connsiteX7" fmla="*/ 0 w 139039"/>
+              <a:gd name="connsiteY7" fmla="*/ 69520 h 139039"/>
+              <a:gd name="connsiteX8" fmla="*/ 9437 w 139039"/>
+              <a:gd name="connsiteY8" fmla="*/ 78957 h 139039"/>
+              <a:gd name="connsiteX9" fmla="*/ 60082 w 139039"/>
+              <a:gd name="connsiteY9" fmla="*/ 78957 h 139039"/>
+              <a:gd name="connsiteX10" fmla="*/ 60082 w 139039"/>
+              <a:gd name="connsiteY10" fmla="*/ 129602 h 139039"/>
+              <a:gd name="connsiteX11" fmla="*/ 69520 w 139039"/>
+              <a:gd name="connsiteY11" fmla="*/ 139039 h 139039"/>
+              <a:gd name="connsiteX12" fmla="*/ 78957 w 139039"/>
+              <a:gd name="connsiteY12" fmla="*/ 129602 h 139039"/>
+              <a:gd name="connsiteX13" fmla="*/ 78957 w 139039"/>
+              <a:gd name="connsiteY13" fmla="*/ 78957 h 139039"/>
+              <a:gd name="connsiteX14" fmla="*/ 129602 w 139039"/>
+              <a:gd name="connsiteY14" fmla="*/ 78957 h 139039"/>
+              <a:gd name="connsiteX15" fmla="*/ 139039 w 139039"/>
+              <a:gd name="connsiteY15" fmla="*/ 69520 h 139039"/>
+              <a:gd name="connsiteX16" fmla="*/ 129602 w 139039"/>
+              <a:gd name="connsiteY16" fmla="*/ 60082 h 139039"/>
+            </a:gdLst>
+            <a:ahLst/>
+            <a:cxnLst>
+              <a:cxn ang="0">
+                <a:pos x="connsiteX0" y="connsiteY0"/>
+              </a:cxn>
+              <a:cxn ang="0">
+                <a:pos x="connsiteX1" y="connsiteY1"/>
+              </a:cxn>
+              <a:cxn ang="0">
+                <a:pos x="connsiteX2" y="connsiteY2"/>
+              </a:cxn>
+              <a:cxn ang="0">
+                <a:pos x="connsiteX3" y="connsiteY3"/>
+              </a:cxn>
+              <a:cxn ang="0">
+                <a:pos x="connsiteX4" y="connsiteY4"/>
+              </a:cxn>
+              <a:cxn ang="0">
+                <a:pos x="connsiteX5" y="connsiteY5"/>
+              </a:cxn>
+              <a:cxn ang="0">
+                <a:pos x="connsiteX6" y="connsiteY6"/>
+              </a:cxn>
+              <a:cxn ang="0">
+                <a:pos x="connsiteX7" y="connsiteY7"/>
+              </a:cxn>
+              <a:cxn ang="0">
+                <a:pos x="connsiteX8" y="connsiteY8"/>
+              </a:cxn>
+              <a:cxn ang="0">
+                <a:pos x="connsiteX9" y="connsiteY9"/>
+              </a:cxn>
+              <a:cxn ang="0">
+                <a:pos x="connsiteX10" y="connsiteY10"/>
+              </a:cxn>
+              <a:cxn ang="0">
+                <a:pos x="connsiteX11" y="connsiteY11"/>
+              </a:cxn>
+              <a:cxn ang="0">
+                <a:pos x="connsiteX12" y="connsiteY12"/>
+              </a:cxn>
+              <a:cxn ang="0">
+                <a:pos x="connsiteX13" y="connsiteY13"/>
+              </a:cxn>
+              <a:cxn ang="0">
+                <a:pos x="connsiteX14" y="connsiteY14"/>
+              </a:cxn>
+              <a:cxn ang="0">
+                <a:pos x="connsiteX15" y="connsiteY15"/>
+              </a:cxn>
+              <a:cxn ang="0">
+                <a:pos x="connsiteX16" y="connsiteY16"/>
+              </a:cxn>
+            </a:cxnLst>
+            <a:rect l="l" t="t" r="r" b="b"/>
+            <a:pathLst>
+              <a:path w="139039" h="139039">
+                <a:moveTo>
+                  <a:pt x="129602" y="60082"/>
+                </a:moveTo>
+                <a:lnTo>
+                  <a:pt x="78957" y="60082"/>
+                </a:lnTo>
+                <a:lnTo>
+                  <a:pt x="78957" y="9437"/>
+                </a:lnTo>
+                <a:cubicBezTo>
+                  <a:pt x="78957" y="4225"/>
+                  <a:pt x="74731" y="0"/>
+                  <a:pt x="69520" y="0"/>
+                </a:cubicBezTo>
+                <a:cubicBezTo>
+                  <a:pt x="64308" y="0"/>
+                  <a:pt x="60082" y="4225"/>
+                  <a:pt x="60082" y="9437"/>
+                </a:cubicBezTo>
+                <a:lnTo>
+                  <a:pt x="60082" y="60082"/>
+                </a:lnTo>
+                <a:lnTo>
+                  <a:pt x="9437" y="60082"/>
+                </a:lnTo>
+                <a:cubicBezTo>
+                  <a:pt x="4225" y="60082"/>
+                  <a:pt x="0" y="64308"/>
+                  <a:pt x="0" y="69520"/>
+                </a:cubicBezTo>
+                <a:cubicBezTo>
+                  <a:pt x="0" y="74731"/>
+                  <a:pt x="4225" y="78957"/>
+                  <a:pt x="9437" y="78957"/>
+                </a:cubicBezTo>
+                <a:lnTo>
+                  <a:pt x="60082" y="78957"/>
+                </a:lnTo>
+                <a:lnTo>
+                  <a:pt x="60082" y="129602"/>
+                </a:lnTo>
+                <a:cubicBezTo>
+                  <a:pt x="60082" y="134814"/>
+                  <a:pt x="64308" y="139039"/>
+                  <a:pt x="69520" y="139039"/>
+                </a:cubicBezTo>
+                <a:cubicBezTo>
+                  <a:pt x="74731" y="139039"/>
+                  <a:pt x="78957" y="134814"/>
+                  <a:pt x="78957" y="129602"/>
+                </a:cubicBezTo>
+                <a:lnTo>
+                  <a:pt x="78957" y="78957"/>
+                </a:lnTo>
+                <a:lnTo>
+                  <a:pt x="129602" y="78957"/>
+                </a:lnTo>
+                <a:cubicBezTo>
+                  <a:pt x="134814" y="78957"/>
+                  <a:pt x="139039" y="74731"/>
+                  <a:pt x="139039" y="69520"/>
+                </a:cubicBezTo>
+                <a:cubicBezTo>
+                  <a:pt x="139039" y="64308"/>
+                  <a:pt x="134814" y="60082"/>
+                  <a:pt x="129602" y="60082"/>
+                </a:cubicBezTo>
+                <a:close/>
+              </a:path>
+            </a:pathLst>
+          </a:custGeom>
+          <a:solidFill>
+            <a:srgbClr val="FFFFFF"/>
+          </a:solidFill>
+          <a:ln w="603" cap="flat">
+            <a:noFill/>
+            <a:prstDash val="solid"/>
+            <a:miter/>
+          </a:ln>
+        </p:spPr>
+        <p:txBody>
+          <a:bodyPr rtlCol="0" anchor="ctr"/>
+          <a:lstStyle/>
+          <a:p>
+            <a:endParaRPr lang="en-US">
+              <a:solidFill>
+                <a:srgbClr val="FFFFFF"/>
+              </a:solidFill>
+            </a:endParaRPr>
+          </a:p>
+        </p:txBody>
+      </p:sp>
+      <p:sp>
+        <p:nvSpPr>
+          <p:cNvPr id="12" name="Graphic 12">
+            <a:extLst>
+              <a:ext uri="{FF2B5EF4-FFF2-40B4-BE49-F238E27FC236}">
+                <a16:creationId xmlns:a16="http://schemas.microsoft.com/office/drawing/2014/main" id="{712D4376-A578-4FF1-94FC-245E7A6A489F}"/>
+              </a:ext>
+              <a:ext uri="{C183D7F6-B498-43B3-948B-1728B52AA6E4}">
+                <adec:decorative xmlns:adec="http://schemas.microsoft.com/office/drawing/2017/decorative" val="1"/>
+              </a:ext>
+            </a:extLst>
+          </p:cNvPr>
+          <p:cNvSpPr>
+            <a:spLocks noGrp="1" noRot="1" noChangeAspect="1" noMove="1" noResize="1" noEditPoints="1" noAdjustHandles="1" noChangeArrowheads="1" noChangeShapeType="1" noTextEdit="1"/>
+          </p:cNvSpPr>
+          <p:nvPr>
+            <p:extLst>
+              <p:ext uri="{386F3935-93C4-4BCD-93E2-E3B085C9AB24}">
+                <p16:designElem xmlns:p16="http://schemas.microsoft.com/office/powerpoint/2015/main" val="1"/>
+              </p:ext>
+            </p:extLst>
+          </p:nvPr>
+        </p:nvSpPr>
+        <p:spPr>
+          <a:xfrm>
+            <a:off x="3833139" y="812640"/>
+            <a:ext cx="91138" cy="91138"/>
+          </a:xfrm>
+          <a:custGeom>
+            <a:avLst/>
+            <a:gdLst>
+              <a:gd name="connsiteX0" fmla="*/ 91138 w 91138"/>
+              <a:gd name="connsiteY0" fmla="*/ 45569 h 91138"/>
+              <a:gd name="connsiteX1" fmla="*/ 45569 w 91138"/>
+              <a:gd name="connsiteY1" fmla="*/ 91138 h 91138"/>
+              <a:gd name="connsiteX2" fmla="*/ 0 w 91138"/>
+              <a:gd name="connsiteY2" fmla="*/ 45569 h 91138"/>
+              <a:gd name="connsiteX3" fmla="*/ 45569 w 91138"/>
+              <a:gd name="connsiteY3" fmla="*/ 0 h 91138"/>
+              <a:gd name="connsiteX4" fmla="*/ 91138 w 91138"/>
+              <a:gd name="connsiteY4" fmla="*/ 45569 h 91138"/>
+            </a:gdLst>
+            <a:ahLst/>
+            <a:cxnLst>
+              <a:cxn ang="0">
+                <a:pos x="connsiteX0" y="connsiteY0"/>
+              </a:cxn>
+              <a:cxn ang="0">
+                <a:pos x="connsiteX1" y="connsiteY1"/>
+              </a:cxn>
+              <a:cxn ang="0">
+                <a:pos x="connsiteX2" y="connsiteY2"/>
+              </a:cxn>
+              <a:cxn ang="0">
+                <a:pos x="connsiteX3" y="connsiteY3"/>
+              </a:cxn>
+              <a:cxn ang="0">
+                <a:pos x="connsiteX4" y="connsiteY4"/>
+              </a:cxn>
+            </a:cxnLst>
+            <a:rect l="l" t="t" r="r" b="b"/>
+            <a:pathLst>
+              <a:path w="91138" h="91138">
+                <a:moveTo>
+                  <a:pt x="91138" y="45569"/>
+                </a:moveTo>
+                <a:cubicBezTo>
+                  <a:pt x="91138" y="70736"/>
+                  <a:pt x="70736" y="91138"/>
+                  <a:pt x="45569" y="91138"/>
+                </a:cubicBezTo>
+                <a:cubicBezTo>
+                  <a:pt x="20402" y="91138"/>
+                  <a:pt x="0" y="70736"/>
+                  <a:pt x="0" y="45569"/>
+                </a:cubicBezTo>
+                <a:cubicBezTo>
+                  <a:pt x="0" y="20402"/>
+                  <a:pt x="20402" y="0"/>
+                  <a:pt x="45569" y="0"/>
+                </a:cubicBezTo>
+                <a:cubicBezTo>
+                  <a:pt x="70736" y="0"/>
+                  <a:pt x="91138" y="20402"/>
+                  <a:pt x="91138" y="45569"/>
+                </a:cubicBezTo>
+                <a:close/>
+              </a:path>
+            </a:pathLst>
+          </a:custGeom>
+          <a:solidFill>
+            <a:srgbClr val="FFFFFF"/>
+          </a:solidFill>
+          <a:ln w="422" cap="flat">
+            <a:noFill/>
+            <a:prstDash val="solid"/>
+            <a:miter/>
+          </a:ln>
+        </p:spPr>
+        <p:txBody>
+          <a:bodyPr rtlCol="0" anchor="ctr"/>
+          <a:lstStyle/>
+          <a:p>
+            <a:endParaRPr lang="en-US">
+              <a:solidFill>
+                <a:srgbClr val="FFFFFF"/>
+              </a:solidFill>
+            </a:endParaRPr>
+          </a:p>
+        </p:txBody>
+      </p:sp>
+      <p:sp>
+        <p:nvSpPr>
+          <p:cNvPr id="14" name="Graphic 15">
+            <a:extLst>
+              <a:ext uri="{FF2B5EF4-FFF2-40B4-BE49-F238E27FC236}">
+                <a16:creationId xmlns:a16="http://schemas.microsoft.com/office/drawing/2014/main" id="{AEA7509D-F04F-40CB-A0B3-EEF16499CC9F}"/>
+              </a:ext>
+              <a:ext uri="{C183D7F6-B498-43B3-948B-1728B52AA6E4}">
+                <adec:decorative xmlns:adec="http://schemas.microsoft.com/office/drawing/2017/decorative" val="1"/>
+              </a:ext>
+            </a:extLst>
+          </p:cNvPr>
+          <p:cNvSpPr>
+            <a:spLocks noGrp="1" noRot="1" noChangeAspect="1" noMove="1" noResize="1" noEditPoints="1" noAdjustHandles="1" noChangeArrowheads="1" noChangeShapeType="1" noTextEdit="1"/>
+          </p:cNvSpPr>
+          <p:nvPr>
+            <p:extLst>
+              <p:ext uri="{386F3935-93C4-4BCD-93E2-E3B085C9AB24}">
+                <p16:designElem xmlns:p16="http://schemas.microsoft.com/office/powerpoint/2015/main" val="1"/>
+              </p:ext>
+            </p:extLst>
+          </p:nvPr>
+        </p:nvSpPr>
+        <p:spPr>
+          <a:xfrm>
+            <a:off x="3458819" y="1037066"/>
+            <a:ext cx="127714" cy="127714"/>
+          </a:xfrm>
+          <a:custGeom>
+            <a:avLst/>
+            <a:gdLst>
+              <a:gd name="connsiteX0" fmla="*/ 63857 w 127714"/>
+              <a:gd name="connsiteY0" fmla="*/ 18874 h 127714"/>
+              <a:gd name="connsiteX1" fmla="*/ 108840 w 127714"/>
+              <a:gd name="connsiteY1" fmla="*/ 63857 h 127714"/>
+              <a:gd name="connsiteX2" fmla="*/ 63857 w 127714"/>
+              <a:gd name="connsiteY2" fmla="*/ 108840 h 127714"/>
+              <a:gd name="connsiteX3" fmla="*/ 18874 w 127714"/>
+              <a:gd name="connsiteY3" fmla="*/ 63857 h 127714"/>
+              <a:gd name="connsiteX4" fmla="*/ 63857 w 127714"/>
+              <a:gd name="connsiteY4" fmla="*/ 18874 h 127714"/>
+              <a:gd name="connsiteX5" fmla="*/ 63857 w 127714"/>
+              <a:gd name="connsiteY5" fmla="*/ 0 h 127714"/>
+              <a:gd name="connsiteX6" fmla="*/ 0 w 127714"/>
+              <a:gd name="connsiteY6" fmla="*/ 63857 h 127714"/>
+              <a:gd name="connsiteX7" fmla="*/ 63857 w 127714"/>
+              <a:gd name="connsiteY7" fmla="*/ 127714 h 127714"/>
+              <a:gd name="connsiteX8" fmla="*/ 127714 w 127714"/>
+              <a:gd name="connsiteY8" fmla="*/ 63857 h 127714"/>
+              <a:gd name="connsiteX9" fmla="*/ 63857 w 127714"/>
+              <a:gd name="connsiteY9" fmla="*/ 0 h 127714"/>
+            </a:gdLst>
+            <a:ahLst/>
+            <a:cxnLst>
+              <a:cxn ang="0">
+                <a:pos x="connsiteX0" y="connsiteY0"/>
+              </a:cxn>
+              <a:cxn ang="0">
+                <a:pos x="connsiteX1" y="connsiteY1"/>
+              </a:cxn>
+              <a:cxn ang="0">
+                <a:pos x="connsiteX2" y="connsiteY2"/>
+              </a:cxn>
+              <a:cxn ang="0">
+                <a:pos x="connsiteX3" y="connsiteY3"/>
+              </a:cxn>
+              <a:cxn ang="0">
+                <a:pos x="connsiteX4" y="connsiteY4"/>
+              </a:cxn>
+              <a:cxn ang="0">
+                <a:pos x="connsiteX5" y="connsiteY5"/>
+              </a:cxn>
+              <a:cxn ang="0">
+                <a:pos x="connsiteX6" y="connsiteY6"/>
+              </a:cxn>
+              <a:cxn ang="0">
+                <a:pos x="connsiteX7" y="connsiteY7"/>
+              </a:cxn>
+              <a:cxn ang="0">
+                <a:pos x="connsiteX8" y="connsiteY8"/>
+              </a:cxn>
+              <a:cxn ang="0">
+                <a:pos x="connsiteX9" y="connsiteY9"/>
+              </a:cxn>
+            </a:cxnLst>
+            <a:rect l="l" t="t" r="r" b="b"/>
+            <a:pathLst>
+              <a:path w="127714" h="127714">
+                <a:moveTo>
+                  <a:pt x="63857" y="18874"/>
+                </a:moveTo>
+                <a:cubicBezTo>
+                  <a:pt x="88700" y="18874"/>
+                  <a:pt x="108840" y="39014"/>
+                  <a:pt x="108840" y="63857"/>
+                </a:cubicBezTo>
+                <a:cubicBezTo>
+                  <a:pt x="108840" y="88700"/>
+                  <a:pt x="88700" y="108840"/>
+                  <a:pt x="63857" y="108840"/>
+                </a:cubicBezTo>
+                <a:cubicBezTo>
+                  <a:pt x="39014" y="108840"/>
+                  <a:pt x="18874" y="88700"/>
+                  <a:pt x="18874" y="63857"/>
+                </a:cubicBezTo>
+                <a:cubicBezTo>
+                  <a:pt x="18898" y="39024"/>
+                  <a:pt x="39024" y="18898"/>
+                  <a:pt x="63857" y="18874"/>
+                </a:cubicBezTo>
+                <a:moveTo>
+                  <a:pt x="63857" y="0"/>
+                </a:moveTo>
+                <a:cubicBezTo>
+                  <a:pt x="28590" y="0"/>
+                  <a:pt x="0" y="28590"/>
+                  <a:pt x="0" y="63857"/>
+                </a:cubicBezTo>
+                <a:cubicBezTo>
+                  <a:pt x="0" y="99124"/>
+                  <a:pt x="28590" y="127714"/>
+                  <a:pt x="63857" y="127714"/>
+                </a:cubicBezTo>
+                <a:cubicBezTo>
+                  <a:pt x="99124" y="127714"/>
+                  <a:pt x="127714" y="99124"/>
+                  <a:pt x="127714" y="63857"/>
+                </a:cubicBezTo>
+                <a:cubicBezTo>
+                  <a:pt x="127714" y="28590"/>
+                  <a:pt x="99124" y="0"/>
+                  <a:pt x="63857" y="0"/>
+                </a:cubicBezTo>
+                <a:close/>
+              </a:path>
+            </a:pathLst>
+          </a:custGeom>
+          <a:solidFill>
+            <a:srgbClr val="FFFFFF"/>
+          </a:solidFill>
+          <a:ln w="610" cap="flat">
+            <a:noFill/>
+            <a:prstDash val="solid"/>
+            <a:miter/>
+          </a:ln>
+        </p:spPr>
+        <p:txBody>
+          <a:bodyPr rtlCol="0" anchor="ctr"/>
+          <a:lstStyle/>
+          <a:p>
+            <a:endParaRPr lang="en-US">
+              <a:solidFill>
+                <a:srgbClr val="FFFFFF"/>
+              </a:solidFill>
+            </a:endParaRPr>
+          </a:p>
+        </p:txBody>
+      </p:sp>
+      <p:cxnSp>
+        <p:nvCxnSpPr>
+          <p:cNvPr id="16" name="Straight Connector 15">
+            <a:extLst>
+              <a:ext uri="{FF2B5EF4-FFF2-40B4-BE49-F238E27FC236}">
+                <a16:creationId xmlns:a16="http://schemas.microsoft.com/office/drawing/2014/main" id="{56020367-4FD5-4596-8E10-C5F095CD8DBF}"/>
+              </a:ext>
+              <a:ext uri="{C183D7F6-B498-43B3-948B-1728B52AA6E4}">
+                <adec:decorative xmlns:adec="http://schemas.microsoft.com/office/drawing/2017/decorative" val="1"/>
+              </a:ext>
+            </a:extLst>
+          </p:cNvPr>
+          <p:cNvCxnSpPr>
+            <a:cxnSpLocks noGrp="1" noRot="1" noChangeAspect="1" noMove="1" noResize="1" noEditPoints="1" noAdjustHandles="1" noChangeArrowheads="1" noChangeShapeType="1"/>
+          </p:cNvCxnSpPr>
+          <p:nvPr>
+            <p:extLst>
+              <p:ext uri="{386F3935-93C4-4BCD-93E2-E3B085C9AB24}">
+                <p16:designElem xmlns:p16="http://schemas.microsoft.com/office/powerpoint/2015/main" val="1"/>
+              </p:ext>
+            </p:extLst>
+          </p:nvPr>
+        </p:nvCxnSpPr>
+        <p:spPr>
+          <a:xfrm>
+            <a:off x="856114" y="3503032"/>
+            <a:ext cx="0" cy="3346090"/>
+          </a:xfrm>
+          <a:prstGeom prst="line">
+            <a:avLst/>
+          </a:prstGeom>
+          <a:ln w="25400" cap="sq">
+            <a:solidFill>
+              <a:srgbClr val="FFFFFF"/>
+            </a:solidFill>
+            <a:bevel/>
+          </a:ln>
+        </p:spPr>
+        <p:style>
+          <a:lnRef idx="1">
+            <a:schemeClr val="accent1"/>
+          </a:lnRef>
+          <a:fillRef idx="0">
+            <a:schemeClr val="accent1"/>
+          </a:fillRef>
+          <a:effectRef idx="0">
+            <a:schemeClr val="accent1"/>
+          </a:effectRef>
+          <a:fontRef idx="minor">
+            <a:schemeClr val="tx1"/>
+          </a:fontRef>
+        </p:style>
+      </p:cxnSp>
+      <p:sp>
+        <p:nvSpPr>
+          <p:cNvPr id="18" name="Graphic 22">
+            <a:extLst>
+              <a:ext uri="{FF2B5EF4-FFF2-40B4-BE49-F238E27FC236}">
+                <a16:creationId xmlns:a16="http://schemas.microsoft.com/office/drawing/2014/main" id="{508BEF50-7B1E-49A4-BC19-5F4F1D755E64}"/>
+              </a:ext>
+              <a:ext uri="{C183D7F6-B498-43B3-948B-1728B52AA6E4}">
+                <adec:decorative xmlns:adec="http://schemas.microsoft.com/office/drawing/2017/decorative" val="1"/>
+              </a:ext>
+            </a:extLst>
+          </p:cNvPr>
+          <p:cNvSpPr>
+            <a:spLocks noGrp="1" noRot="1" noChangeAspect="1" noMove="1" noResize="1" noEditPoints="1" noAdjustHandles="1" noChangeArrowheads="1" noChangeShapeType="1" noTextEdit="1"/>
+          </p:cNvSpPr>
+          <p:nvPr>
+            <p:extLst>
+              <p:ext uri="{386F3935-93C4-4BCD-93E2-E3B085C9AB24}">
+                <p16:designElem xmlns:p16="http://schemas.microsoft.com/office/powerpoint/2015/main" val="1"/>
+              </p:ext>
+            </p:extLst>
+          </p:nvPr>
+        </p:nvSpPr>
+        <p:spPr>
+          <a:xfrm>
+            <a:off x="10836425" y="5636680"/>
+            <a:ext cx="151536" cy="151536"/>
+          </a:xfrm>
+          <a:custGeom>
+            <a:avLst/>
+            <a:gdLst>
+              <a:gd name="connsiteX0" fmla="*/ 141251 w 151536"/>
+              <a:gd name="connsiteY0" fmla="*/ 65483 h 151536"/>
+              <a:gd name="connsiteX1" fmla="*/ 86053 w 151536"/>
+              <a:gd name="connsiteY1" fmla="*/ 65483 h 151536"/>
+              <a:gd name="connsiteX2" fmla="*/ 86053 w 151536"/>
+              <a:gd name="connsiteY2" fmla="*/ 10285 h 151536"/>
+              <a:gd name="connsiteX3" fmla="*/ 75768 w 151536"/>
+              <a:gd name="connsiteY3" fmla="*/ 0 h 151536"/>
+              <a:gd name="connsiteX4" fmla="*/ 65483 w 151536"/>
+              <a:gd name="connsiteY4" fmla="*/ 10285 h 151536"/>
+              <a:gd name="connsiteX5" fmla="*/ 65483 w 151536"/>
+              <a:gd name="connsiteY5" fmla="*/ 65483 h 151536"/>
+              <a:gd name="connsiteX6" fmla="*/ 10285 w 151536"/>
+              <a:gd name="connsiteY6" fmla="*/ 65483 h 151536"/>
+              <a:gd name="connsiteX7" fmla="*/ 0 w 151536"/>
+              <a:gd name="connsiteY7" fmla="*/ 75768 h 151536"/>
+              <a:gd name="connsiteX8" fmla="*/ 10285 w 151536"/>
+              <a:gd name="connsiteY8" fmla="*/ 86053 h 151536"/>
+              <a:gd name="connsiteX9" fmla="*/ 65483 w 151536"/>
+              <a:gd name="connsiteY9" fmla="*/ 86053 h 151536"/>
+              <a:gd name="connsiteX10" fmla="*/ 65483 w 151536"/>
+              <a:gd name="connsiteY10" fmla="*/ 141251 h 151536"/>
+              <a:gd name="connsiteX11" fmla="*/ 75768 w 151536"/>
+              <a:gd name="connsiteY11" fmla="*/ 151536 h 151536"/>
+              <a:gd name="connsiteX12" fmla="*/ 86053 w 151536"/>
+              <a:gd name="connsiteY12" fmla="*/ 141251 h 151536"/>
+              <a:gd name="connsiteX13" fmla="*/ 86053 w 151536"/>
+              <a:gd name="connsiteY13" fmla="*/ 86053 h 151536"/>
+              <a:gd name="connsiteX14" fmla="*/ 141251 w 151536"/>
+              <a:gd name="connsiteY14" fmla="*/ 86053 h 151536"/>
+              <a:gd name="connsiteX15" fmla="*/ 151536 w 151536"/>
+              <a:gd name="connsiteY15" fmla="*/ 75768 h 151536"/>
+              <a:gd name="connsiteX16" fmla="*/ 141251 w 151536"/>
+              <a:gd name="connsiteY16" fmla="*/ 65483 h 151536"/>
+            </a:gdLst>
+            <a:ahLst/>
+            <a:cxnLst>
+              <a:cxn ang="0">
+                <a:pos x="connsiteX0" y="connsiteY0"/>
+              </a:cxn>
+              <a:cxn ang="0">
+                <a:pos x="connsiteX1" y="connsiteY1"/>
+              </a:cxn>
+              <a:cxn ang="0">
+                <a:pos x="connsiteX2" y="connsiteY2"/>
+              </a:cxn>
+              <a:cxn ang="0">
+                <a:pos x="connsiteX3" y="connsiteY3"/>
+              </a:cxn>
+              <a:cxn ang="0">
+                <a:pos x="connsiteX4" y="connsiteY4"/>
+              </a:cxn>
+              <a:cxn ang="0">
+                <a:pos x="connsiteX5" y="connsiteY5"/>
+              </a:cxn>
+              <a:cxn ang="0">
+                <a:pos x="connsiteX6" y="connsiteY6"/>
+              </a:cxn>
+              <a:cxn ang="0">
+                <a:pos x="connsiteX7" y="connsiteY7"/>
+              </a:cxn>
+              <a:cxn ang="0">
+                <a:pos x="connsiteX8" y="connsiteY8"/>
+              </a:cxn>
+              <a:cxn ang="0">
+                <a:pos x="connsiteX9" y="connsiteY9"/>
+              </a:cxn>
+              <a:cxn ang="0">
+                <a:pos x="connsiteX10" y="connsiteY10"/>
+              </a:cxn>
+              <a:cxn ang="0">
+                <a:pos x="connsiteX11" y="connsiteY11"/>
+              </a:cxn>
+              <a:cxn ang="0">
+                <a:pos x="connsiteX12" y="connsiteY12"/>
+              </a:cxn>
+              <a:cxn ang="0">
+                <a:pos x="connsiteX13" y="connsiteY13"/>
+              </a:cxn>
+              <a:cxn ang="0">
+                <a:pos x="connsiteX14" y="connsiteY14"/>
+              </a:cxn>
+              <a:cxn ang="0">
+                <a:pos x="connsiteX15" y="connsiteY15"/>
+              </a:cxn>
+              <a:cxn ang="0">
+                <a:pos x="connsiteX16" y="connsiteY16"/>
+              </a:cxn>
+            </a:cxnLst>
+            <a:rect l="l" t="t" r="r" b="b"/>
+            <a:pathLst>
+              <a:path w="151536" h="151536">
+                <a:moveTo>
+                  <a:pt x="141251" y="65483"/>
+                </a:moveTo>
+                <a:lnTo>
+                  <a:pt x="86053" y="65483"/>
+                </a:lnTo>
+                <a:lnTo>
+                  <a:pt x="86053" y="10285"/>
+                </a:lnTo>
+                <a:cubicBezTo>
+                  <a:pt x="86053" y="4605"/>
+                  <a:pt x="81448" y="0"/>
+                  <a:pt x="75768" y="0"/>
+                </a:cubicBezTo>
+                <a:cubicBezTo>
+                  <a:pt x="70088" y="0"/>
+                  <a:pt x="65483" y="4605"/>
+                  <a:pt x="65483" y="10285"/>
+                </a:cubicBezTo>
+                <a:lnTo>
+                  <a:pt x="65483" y="65483"/>
+                </a:lnTo>
+                <a:lnTo>
+                  <a:pt x="10285" y="65483"/>
+                </a:lnTo>
+                <a:cubicBezTo>
+                  <a:pt x="4605" y="65483"/>
+                  <a:pt x="0" y="70088"/>
+                  <a:pt x="0" y="75768"/>
+                </a:cubicBezTo>
+                <a:cubicBezTo>
+                  <a:pt x="0" y="81448"/>
+                  <a:pt x="4605" y="86053"/>
+                  <a:pt x="10285" y="86053"/>
+                </a:cubicBezTo>
+                <a:lnTo>
+                  <a:pt x="65483" y="86053"/>
+                </a:lnTo>
+                <a:lnTo>
+                  <a:pt x="65483" y="141251"/>
+                </a:lnTo>
+                <a:cubicBezTo>
+                  <a:pt x="65483" y="146931"/>
+                  <a:pt x="70088" y="151536"/>
+                  <a:pt x="75768" y="151536"/>
+                </a:cubicBezTo>
+                <a:cubicBezTo>
+                  <a:pt x="81448" y="151536"/>
+                  <a:pt x="86053" y="146931"/>
+                  <a:pt x="86053" y="141251"/>
+                </a:cubicBezTo>
+                <a:lnTo>
+                  <a:pt x="86053" y="86053"/>
+                </a:lnTo>
+                <a:lnTo>
+                  <a:pt x="141251" y="86053"/>
+                </a:lnTo>
+                <a:cubicBezTo>
+                  <a:pt x="146931" y="86053"/>
+                  <a:pt x="151536" y="81448"/>
+                  <a:pt x="151536" y="75768"/>
+                </a:cubicBezTo>
+                <a:cubicBezTo>
+                  <a:pt x="151536" y="70088"/>
+                  <a:pt x="146931" y="65483"/>
+                  <a:pt x="141251" y="65483"/>
+                </a:cubicBezTo>
+                <a:close/>
+              </a:path>
+            </a:pathLst>
+          </a:custGeom>
+          <a:solidFill>
+            <a:srgbClr val="FFFFFF"/>
+          </a:solidFill>
+          <a:ln w="646" cap="flat">
+            <a:noFill/>
+            <a:prstDash val="solid"/>
+            <a:miter/>
+          </a:ln>
+        </p:spPr>
+        <p:txBody>
+          <a:bodyPr rtlCol="0" anchor="ctr"/>
+          <a:lstStyle/>
+          <a:p>
+            <a:endParaRPr lang="en-US">
+              <a:solidFill>
+                <a:srgbClr val="FFFFFF"/>
+              </a:solidFill>
+            </a:endParaRPr>
+          </a:p>
+        </p:txBody>
+      </p:sp>
+      <p:sp>
+        <p:nvSpPr>
+          <p:cNvPr id="20" name="Graphic 23">
+            <a:extLst>
+              <a:ext uri="{FF2B5EF4-FFF2-40B4-BE49-F238E27FC236}">
+                <a16:creationId xmlns:a16="http://schemas.microsoft.com/office/drawing/2014/main" id="{3FBAD350-5664-4811-A208-657FB882D350}"/>
+              </a:ext>
+              <a:ext uri="{C183D7F6-B498-43B3-948B-1728B52AA6E4}">
+                <adec:decorative xmlns:adec="http://schemas.microsoft.com/office/drawing/2017/decorative" val="1"/>
+              </a:ext>
+            </a:extLst>
+          </p:cNvPr>
+          <p:cNvSpPr>
+            <a:spLocks noGrp="1" noRot="1" noChangeAspect="1" noMove="1" noResize="1" noEditPoints="1" noAdjustHandles="1" noChangeArrowheads="1" noChangeShapeType="1" noTextEdit="1"/>
+          </p:cNvSpPr>
+          <p:nvPr>
+            <p:extLst>
+              <p:ext uri="{386F3935-93C4-4BCD-93E2-E3B085C9AB24}">
+                <p16:designElem xmlns:p16="http://schemas.microsoft.com/office/powerpoint/2015/main" val="1"/>
+              </p:ext>
+            </p:extLst>
+          </p:nvPr>
+        </p:nvSpPr>
+        <p:spPr>
+          <a:xfrm>
+            <a:off x="11245175" y="6096759"/>
+            <a:ext cx="108625" cy="108625"/>
+          </a:xfrm>
+          <a:custGeom>
+            <a:avLst/>
+            <a:gdLst>
+              <a:gd name="connsiteX0" fmla="*/ 54313 w 108625"/>
+              <a:gd name="connsiteY0" fmla="*/ 16053 h 108625"/>
+              <a:gd name="connsiteX1" fmla="*/ 92572 w 108625"/>
+              <a:gd name="connsiteY1" fmla="*/ 54313 h 108625"/>
+              <a:gd name="connsiteX2" fmla="*/ 54313 w 108625"/>
+              <a:gd name="connsiteY2" fmla="*/ 92572 h 108625"/>
+              <a:gd name="connsiteX3" fmla="*/ 16053 w 108625"/>
+              <a:gd name="connsiteY3" fmla="*/ 54313 h 108625"/>
+              <a:gd name="connsiteX4" fmla="*/ 54313 w 108625"/>
+              <a:gd name="connsiteY4" fmla="*/ 16053 h 108625"/>
+              <a:gd name="connsiteX5" fmla="*/ 54313 w 108625"/>
+              <a:gd name="connsiteY5" fmla="*/ 0 h 108625"/>
+              <a:gd name="connsiteX6" fmla="*/ 0 w 108625"/>
+              <a:gd name="connsiteY6" fmla="*/ 54313 h 108625"/>
+              <a:gd name="connsiteX7" fmla="*/ 54313 w 108625"/>
+              <a:gd name="connsiteY7" fmla="*/ 108625 h 108625"/>
+              <a:gd name="connsiteX8" fmla="*/ 108625 w 108625"/>
+              <a:gd name="connsiteY8" fmla="*/ 54313 h 108625"/>
+              <a:gd name="connsiteX9" fmla="*/ 54313 w 108625"/>
+              <a:gd name="connsiteY9" fmla="*/ 0 h 108625"/>
+            </a:gdLst>
+            <a:ahLst/>
+            <a:cxnLst>
+              <a:cxn ang="0">
+                <a:pos x="connsiteX0" y="connsiteY0"/>
+              </a:cxn>
+              <a:cxn ang="0">
+                <a:pos x="connsiteX1" y="connsiteY1"/>
+              </a:cxn>
+              <a:cxn ang="0">
+                <a:pos x="connsiteX2" y="connsiteY2"/>
+              </a:cxn>
+              <a:cxn ang="0">
+                <a:pos x="connsiteX3" y="connsiteY3"/>
+              </a:cxn>
+              <a:cxn ang="0">
+                <a:pos x="connsiteX4" y="connsiteY4"/>
+              </a:cxn>
+              <a:cxn ang="0">
+                <a:pos x="connsiteX5" y="connsiteY5"/>
+              </a:cxn>
+              <a:cxn ang="0">
+                <a:pos x="connsiteX6" y="connsiteY6"/>
+              </a:cxn>
+              <a:cxn ang="0">
+                <a:pos x="connsiteX7" y="connsiteY7"/>
+              </a:cxn>
+              <a:cxn ang="0">
+                <a:pos x="connsiteX8" y="connsiteY8"/>
+              </a:cxn>
+              <a:cxn ang="0">
+                <a:pos x="connsiteX9" y="connsiteY9"/>
+              </a:cxn>
+            </a:cxnLst>
+            <a:rect l="l" t="t" r="r" b="b"/>
+            <a:pathLst>
+              <a:path w="108625" h="108625">
+                <a:moveTo>
+                  <a:pt x="54313" y="16053"/>
+                </a:moveTo>
+                <a:cubicBezTo>
+                  <a:pt x="75442" y="16053"/>
+                  <a:pt x="92572" y="33182"/>
+                  <a:pt x="92572" y="54313"/>
+                </a:cubicBezTo>
+                <a:cubicBezTo>
+                  <a:pt x="92572" y="75442"/>
+                  <a:pt x="75442" y="92572"/>
+                  <a:pt x="54313" y="92572"/>
+                </a:cubicBezTo>
+                <a:cubicBezTo>
+                  <a:pt x="33182" y="92572"/>
+                  <a:pt x="16053" y="75442"/>
+                  <a:pt x="16053" y="54313"/>
+                </a:cubicBezTo>
+                <a:cubicBezTo>
+                  <a:pt x="16074" y="33191"/>
+                  <a:pt x="33191" y="16074"/>
+                  <a:pt x="54313" y="16053"/>
+                </a:cubicBezTo>
+                <a:moveTo>
+                  <a:pt x="54313" y="0"/>
+                </a:moveTo>
+                <a:cubicBezTo>
+                  <a:pt x="24317" y="0"/>
+                  <a:pt x="0" y="24317"/>
+                  <a:pt x="0" y="54313"/>
+                </a:cubicBezTo>
+                <a:cubicBezTo>
+                  <a:pt x="0" y="84309"/>
+                  <a:pt x="24317" y="108625"/>
+                  <a:pt x="54313" y="108625"/>
+                </a:cubicBezTo>
+                <a:cubicBezTo>
+                  <a:pt x="84309" y="108625"/>
+                  <a:pt x="108625" y="84309"/>
+                  <a:pt x="108625" y="54313"/>
+                </a:cubicBezTo>
+                <a:cubicBezTo>
+                  <a:pt x="108625" y="24317"/>
+                  <a:pt x="84309" y="0"/>
+                  <a:pt x="54313" y="0"/>
+                </a:cubicBezTo>
+                <a:close/>
+              </a:path>
+            </a:pathLst>
+          </a:custGeom>
+          <a:solidFill>
+            <a:srgbClr val="FFFFFF"/>
+          </a:solidFill>
+          <a:ln w="516" cap="flat">
+            <a:noFill/>
+            <a:prstDash val="solid"/>
+            <a:miter/>
+          </a:ln>
+        </p:spPr>
+        <p:txBody>
+          <a:bodyPr rtlCol="0" anchor="ctr"/>
+          <a:lstStyle/>
+          <a:p>
+            <a:endParaRPr lang="en-US">
+              <a:solidFill>
+                <a:srgbClr val="FFFFFF"/>
+              </a:solidFill>
+            </a:endParaRPr>
+          </a:p>
+        </p:txBody>
+      </p:sp>
+      <p:sp>
+        <p:nvSpPr>
+          <p:cNvPr id="22" name="Graphic 21">
+            <a:extLst>
+              <a:ext uri="{FF2B5EF4-FFF2-40B4-BE49-F238E27FC236}">
+                <a16:creationId xmlns:a16="http://schemas.microsoft.com/office/drawing/2014/main" id="{C39ADB8F-D187-49D7-BDCF-C1B6DC727068}"/>
+              </a:ext>
+              <a:ext uri="{C183D7F6-B498-43B3-948B-1728B52AA6E4}">
+                <adec:decorative xmlns:adec="http://schemas.microsoft.com/office/drawing/2017/decorative" val="1"/>
+              </a:ext>
+            </a:extLst>
+          </p:cNvPr>
+          <p:cNvSpPr>
+            <a:spLocks noGrp="1" noRot="1" noChangeAspect="1" noMove="1" noResize="1" noEditPoints="1" noAdjustHandles="1" noChangeArrowheads="1" noChangeShapeType="1" noTextEdit="1"/>
+          </p:cNvSpPr>
+          <p:nvPr>
+            <p:extLst>
+              <p:ext uri="{386F3935-93C4-4BCD-93E2-E3B085C9AB24}">
+                <p16:designElem xmlns:p16="http://schemas.microsoft.com/office/powerpoint/2015/main" val="1"/>
+              </p:ext>
+            </p:extLst>
+          </p:nvPr>
+        </p:nvSpPr>
+        <p:spPr>
+          <a:xfrm>
+            <a:off x="10554288" y="6238029"/>
+            <a:ext cx="95759" cy="95759"/>
+          </a:xfrm>
+          <a:custGeom>
+            <a:avLst/>
+            <a:gdLst>
+              <a:gd name="connsiteX0" fmla="*/ 95759 w 95759"/>
+              <a:gd name="connsiteY0" fmla="*/ 47880 h 95759"/>
+              <a:gd name="connsiteX1" fmla="*/ 47880 w 95759"/>
+              <a:gd name="connsiteY1" fmla="*/ 95759 h 95759"/>
+              <a:gd name="connsiteX2" fmla="*/ 0 w 95759"/>
+              <a:gd name="connsiteY2" fmla="*/ 47880 h 95759"/>
+              <a:gd name="connsiteX3" fmla="*/ 47880 w 95759"/>
+              <a:gd name="connsiteY3" fmla="*/ 0 h 95759"/>
+              <a:gd name="connsiteX4" fmla="*/ 95759 w 95759"/>
+              <a:gd name="connsiteY4" fmla="*/ 47880 h 95759"/>
+            </a:gdLst>
+            <a:ahLst/>
+            <a:cxnLst>
+              <a:cxn ang="0">
+                <a:pos x="connsiteX0" y="connsiteY0"/>
+              </a:cxn>
+              <a:cxn ang="0">
+                <a:pos x="connsiteX1" y="connsiteY1"/>
+              </a:cxn>
+              <a:cxn ang="0">
+                <a:pos x="connsiteX2" y="connsiteY2"/>
+              </a:cxn>
+              <a:cxn ang="0">
+                <a:pos x="connsiteX3" y="connsiteY3"/>
+              </a:cxn>
+              <a:cxn ang="0">
+                <a:pos x="connsiteX4" y="connsiteY4"/>
+              </a:cxn>
+            </a:cxnLst>
+            <a:rect l="l" t="t" r="r" b="b"/>
+            <a:pathLst>
+              <a:path w="95759" h="95759">
+                <a:moveTo>
+                  <a:pt x="95759" y="47880"/>
+                </a:moveTo>
+                <a:cubicBezTo>
+                  <a:pt x="95759" y="74323"/>
+                  <a:pt x="74323" y="95759"/>
+                  <a:pt x="47880" y="95759"/>
+                </a:cubicBezTo>
+                <a:cubicBezTo>
+                  <a:pt x="21436" y="95759"/>
+                  <a:pt x="0" y="74323"/>
+                  <a:pt x="0" y="47880"/>
+                </a:cubicBezTo>
+                <a:cubicBezTo>
+                  <a:pt x="0" y="21436"/>
+                  <a:pt x="21436" y="0"/>
+                  <a:pt x="47880" y="0"/>
+                </a:cubicBezTo>
+                <a:cubicBezTo>
+                  <a:pt x="74323" y="0"/>
+                  <a:pt x="95759" y="21436"/>
+                  <a:pt x="95759" y="47880"/>
+                </a:cubicBezTo>
+                <a:close/>
+              </a:path>
+            </a:pathLst>
+          </a:custGeom>
+          <a:solidFill>
+            <a:srgbClr val="FFFFFF"/>
+          </a:solidFill>
+          <a:ln w="469" cap="flat">
+            <a:noFill/>
+            <a:prstDash val="solid"/>
+            <a:miter/>
+          </a:ln>
+        </p:spPr>
+        <p:txBody>
+          <a:bodyPr rtlCol="0" anchor="ctr"/>
+          <a:lstStyle/>
+          <a:p>
+            <a:endParaRPr lang="en-US">
+              <a:solidFill>
+                <a:srgbClr val="FFFFFF"/>
+              </a:solidFill>
+            </a:endParaRPr>
           </a:p>
         </p:txBody>
       </p:sp>
@@ -3406,6 +4543,14 @@
 <file path=ppt/slides/slide2.xml><?xml version="1.0" encoding="utf-8"?>
 <p:sld xmlns:a="http://schemas.openxmlformats.org/drawingml/2006/main" xmlns:r="http://schemas.openxmlformats.org/officeDocument/2006/relationships" xmlns:p="http://schemas.openxmlformats.org/presentationml/2006/main">
   <p:cSld>
+    <p:bg>
+      <p:bgPr>
+        <a:solidFill>
+          <a:schemeClr val="bg1"/>
+        </a:solidFill>
+        <a:effectLst/>
+      </p:bgPr>
+    </p:bg>
     <p:spTree>
       <p:nvGrpSpPr>
         <p:cNvPr id="1" name=""/>
@@ -3420,6 +4565,142 @@
           <a:chExt cx="0" cy="0"/>
         </a:xfrm>
       </p:grpSpPr>
+      <p:sp useBgFill="1">
+        <p:nvSpPr>
+          <p:cNvPr id="8" name="Rectangle 7">
+            <a:extLst>
+              <a:ext uri="{FF2B5EF4-FFF2-40B4-BE49-F238E27FC236}">
+                <a16:creationId xmlns:a16="http://schemas.microsoft.com/office/drawing/2014/main" id="{A2679492-7988-4050-9056-542444452411}"/>
+              </a:ext>
+              <a:ext uri="{C183D7F6-B498-43B3-948B-1728B52AA6E4}">
+                <adec:decorative xmlns:adec="http://schemas.microsoft.com/office/drawing/2017/decorative" val="1"/>
+              </a:ext>
+            </a:extLst>
+          </p:cNvPr>
+          <p:cNvSpPr>
+            <a:spLocks noGrp="1" noRot="1" noChangeAspect="1" noMove="1" noResize="1" noEditPoints="1" noAdjustHandles="1" noChangeArrowheads="1" noChangeShapeType="1" noTextEdit="1"/>
+          </p:cNvSpPr>
+          <p:nvPr>
+            <p:extLst>
+              <p:ext uri="{386F3935-93C4-4BCD-93E2-E3B085C9AB24}">
+                <p16:designElem xmlns:p16="http://schemas.microsoft.com/office/powerpoint/2015/main" val="1"/>
+              </p:ext>
+            </p:extLst>
+          </p:nvPr>
+        </p:nvSpPr>
+        <p:spPr>
+          <a:xfrm>
+            <a:off x="0" y="0"/>
+            <a:ext cx="12192000" cy="6858000"/>
+          </a:xfrm>
+          <a:prstGeom prst="rect">
+            <a:avLst/>
+          </a:prstGeom>
+          <a:ln>
+            <a:noFill/>
+          </a:ln>
+        </p:spPr>
+        <p:style>
+          <a:lnRef idx="2">
+            <a:schemeClr val="accent1">
+              <a:shade val="50000"/>
+            </a:schemeClr>
+          </a:lnRef>
+          <a:fillRef idx="1">
+            <a:schemeClr val="accent1"/>
+          </a:fillRef>
+          <a:effectRef idx="0">
+            <a:schemeClr val="accent1"/>
+          </a:effectRef>
+          <a:fontRef idx="minor">
+            <a:schemeClr val="lt1"/>
+          </a:fontRef>
+        </p:style>
+        <p:txBody>
+          <a:bodyPr rtlCol="0" anchor="ctr"/>
+          <a:lstStyle/>
+          <a:p>
+            <a:pPr algn="ctr"/>
+            <a:endParaRPr lang="en-US"/>
+          </a:p>
+        </p:txBody>
+      </p:sp>
+      <p:sp>
+        <p:nvSpPr>
+          <p:cNvPr id="10" name="Rectangle 9">
+            <a:extLst>
+              <a:ext uri="{FF2B5EF4-FFF2-40B4-BE49-F238E27FC236}">
+                <a16:creationId xmlns:a16="http://schemas.microsoft.com/office/drawing/2014/main" id="{B091B163-7D61-4891-ABCF-5C13D9C418D0}"/>
+              </a:ext>
+              <a:ext uri="{C183D7F6-B498-43B3-948B-1728B52AA6E4}">
+                <adec:decorative xmlns:adec="http://schemas.microsoft.com/office/drawing/2017/decorative" val="1"/>
+              </a:ext>
+            </a:extLst>
+          </p:cNvPr>
+          <p:cNvSpPr>
+            <a:spLocks noGrp="1" noRot="1" noChangeAspect="1" noMove="1" noResize="1" noEditPoints="1" noAdjustHandles="1" noChangeArrowheads="1" noChangeShapeType="1" noTextEdit="1"/>
+          </p:cNvSpPr>
+          <p:nvPr>
+            <p:extLst>
+              <p:ext uri="{386F3935-93C4-4BCD-93E2-E3B085C9AB24}">
+                <p16:designElem xmlns:p16="http://schemas.microsoft.com/office/powerpoint/2015/main" val="1"/>
+              </p:ext>
+            </p:extLst>
+          </p:nvPr>
+        </p:nvSpPr>
+        <p:spPr>
+          <a:xfrm>
+            <a:off x="0" y="0"/>
+            <a:ext cx="5779911" cy="6858000"/>
+          </a:xfrm>
+          <a:prstGeom prst="rect">
+            <a:avLst/>
+          </a:prstGeom>
+          <a:gradFill flip="none" rotWithShape="1">
+            <a:gsLst>
+              <a:gs pos="0">
+                <a:schemeClr val="accent1"/>
+              </a:gs>
+              <a:gs pos="100000">
+                <a:schemeClr val="accent2"/>
+              </a:gs>
+            </a:gsLst>
+            <a:lin ang="2700000" scaled="1"/>
+            <a:tileRect/>
+          </a:gradFill>
+          <a:ln>
+            <a:noFill/>
+          </a:ln>
+        </p:spPr>
+        <p:style>
+          <a:lnRef idx="2">
+            <a:schemeClr val="accent1">
+              <a:shade val="50000"/>
+            </a:schemeClr>
+          </a:lnRef>
+          <a:fillRef idx="1">
+            <a:schemeClr val="accent1"/>
+          </a:fillRef>
+          <a:effectRef idx="0">
+            <a:schemeClr val="accent1"/>
+          </a:effectRef>
+          <a:fontRef idx="minor">
+            <a:schemeClr val="lt1"/>
+          </a:fontRef>
+        </p:style>
+        <p:txBody>
+          <a:bodyPr rtlCol="0" anchor="ctr"/>
+          <a:lstStyle/>
+          <a:p>
+            <a:pPr algn="ctr"/>
+            <a:endParaRPr lang="en-US">
+              <a:solidFill>
+                <a:schemeClr val="tx1"/>
+              </a:solidFill>
+            </a:endParaRPr>
+          </a:p>
+        </p:txBody>
+      </p:sp>
       <p:sp>
         <p:nvSpPr>
           <p:cNvPr id="2" name="Title 1">
@@ -3436,18 +4717,525 @@
             <p:ph type="title"/>
           </p:nvPr>
         </p:nvSpPr>
-        <p:spPr/>
-        <p:txBody>
-          <a:bodyPr/>
-          <a:lstStyle/>
-          <a:p>
-            <a:r>
-              <a:rPr lang="en-GB" dirty="0"/>
+        <p:spPr>
+          <a:xfrm>
+            <a:off x="1188069" y="381935"/>
+            <a:ext cx="4008583" cy="5974414"/>
+          </a:xfrm>
+        </p:spPr>
+        <p:txBody>
+          <a:bodyPr anchor="ctr">
+            <a:normAutofit/>
+          </a:bodyPr>
+          <a:lstStyle/>
+          <a:p>
+            <a:r>
+              <a:rPr lang="en-GB">
+                <a:solidFill>
+                  <a:srgbClr val="FFFFFF"/>
+                </a:solidFill>
+              </a:rPr>
               <a:t>Main problems/tasks</a:t>
             </a:r>
           </a:p>
         </p:txBody>
       </p:sp>
+      <p:grpSp>
+        <p:nvGrpSpPr>
+          <p:cNvPr id="12" name="Group 11">
+            <a:extLst>
+              <a:ext uri="{FF2B5EF4-FFF2-40B4-BE49-F238E27FC236}">
+                <a16:creationId xmlns:a16="http://schemas.microsoft.com/office/drawing/2014/main" id="{0474DF76-993E-44DE-AFB0-C416182ACECF}"/>
+              </a:ext>
+              <a:ext uri="{C183D7F6-B498-43B3-948B-1728B52AA6E4}">
+                <adec:decorative xmlns:adec="http://schemas.microsoft.com/office/drawing/2017/decorative" val="1"/>
+              </a:ext>
+            </a:extLst>
+          </p:cNvPr>
+          <p:cNvGrpSpPr>
+            <a:grpSpLocks noGrp="1" noUngrp="1" noRot="1" noChangeAspect="1" noMove="1" noResize="1"/>
+          </p:cNvGrpSpPr>
+          <p:nvPr>
+            <p:extLst>
+              <p:ext uri="{386F3935-93C4-4BCD-93E2-E3B085C9AB24}">
+                <p16:designElem xmlns:p16="http://schemas.microsoft.com/office/powerpoint/2015/main" val="1"/>
+              </p:ext>
+            </p:extLst>
+          </p:nvPr>
+        </p:nvGrpSpPr>
+        <p:grpSpPr>
+          <a:xfrm>
+            <a:off x="613892" y="554152"/>
+            <a:ext cx="574177" cy="1075866"/>
+            <a:chOff x="613892" y="554152"/>
+            <a:chExt cx="574177" cy="1075866"/>
+          </a:xfrm>
+          <a:solidFill>
+            <a:srgbClr val="FFFFFF"/>
+          </a:solidFill>
+        </p:grpSpPr>
+        <p:sp>
+          <p:nvSpPr>
+            <p:cNvPr id="13" name="Graphic 11">
+              <a:extLst>
+                <a:ext uri="{FF2B5EF4-FFF2-40B4-BE49-F238E27FC236}">
+                  <a16:creationId xmlns:a16="http://schemas.microsoft.com/office/drawing/2014/main" id="{6CB927A4-E432-4310-9CD5-E89FF5063179}"/>
+                </a:ext>
+                <a:ext uri="{C183D7F6-B498-43B3-948B-1728B52AA6E4}">
+                  <adec:decorative xmlns:adec="http://schemas.microsoft.com/office/drawing/2017/decorative" val="1"/>
+                </a:ext>
+              </a:extLst>
+            </p:cNvPr>
+            <p:cNvSpPr/>
+            <p:nvPr>
+              <p:extLst>
+                <p:ext uri="{386F3935-93C4-4BCD-93E2-E3B085C9AB24}">
+                  <p16:designElem xmlns:p16="http://schemas.microsoft.com/office/powerpoint/2015/main" val="1"/>
+                </p:ext>
+              </p:extLst>
+            </p:nvPr>
+          </p:nvSpPr>
+          <p:spPr>
+            <a:xfrm>
+              <a:off x="633061" y="554152"/>
+              <a:ext cx="171515" cy="171515"/>
+            </a:xfrm>
+            <a:custGeom>
+              <a:avLst/>
+              <a:gdLst>
+                <a:gd name="connsiteX0" fmla="*/ 159874 w 171515"/>
+                <a:gd name="connsiteY0" fmla="*/ 74116 h 171515"/>
+                <a:gd name="connsiteX1" fmla="*/ 97399 w 171515"/>
+                <a:gd name="connsiteY1" fmla="*/ 74116 h 171515"/>
+                <a:gd name="connsiteX2" fmla="*/ 97399 w 171515"/>
+                <a:gd name="connsiteY2" fmla="*/ 11641 h 171515"/>
+                <a:gd name="connsiteX3" fmla="*/ 85758 w 171515"/>
+                <a:gd name="connsiteY3" fmla="*/ 0 h 171515"/>
+                <a:gd name="connsiteX4" fmla="*/ 74116 w 171515"/>
+                <a:gd name="connsiteY4" fmla="*/ 11641 h 171515"/>
+                <a:gd name="connsiteX5" fmla="*/ 74116 w 171515"/>
+                <a:gd name="connsiteY5" fmla="*/ 74116 h 171515"/>
+                <a:gd name="connsiteX6" fmla="*/ 11641 w 171515"/>
+                <a:gd name="connsiteY6" fmla="*/ 74116 h 171515"/>
+                <a:gd name="connsiteX7" fmla="*/ 0 w 171515"/>
+                <a:gd name="connsiteY7" fmla="*/ 85758 h 171515"/>
+                <a:gd name="connsiteX8" fmla="*/ 11641 w 171515"/>
+                <a:gd name="connsiteY8" fmla="*/ 97399 h 171515"/>
+                <a:gd name="connsiteX9" fmla="*/ 74116 w 171515"/>
+                <a:gd name="connsiteY9" fmla="*/ 97399 h 171515"/>
+                <a:gd name="connsiteX10" fmla="*/ 74116 w 171515"/>
+                <a:gd name="connsiteY10" fmla="*/ 159874 h 171515"/>
+                <a:gd name="connsiteX11" fmla="*/ 85758 w 171515"/>
+                <a:gd name="connsiteY11" fmla="*/ 171515 h 171515"/>
+                <a:gd name="connsiteX12" fmla="*/ 97399 w 171515"/>
+                <a:gd name="connsiteY12" fmla="*/ 159874 h 171515"/>
+                <a:gd name="connsiteX13" fmla="*/ 97399 w 171515"/>
+                <a:gd name="connsiteY13" fmla="*/ 97399 h 171515"/>
+                <a:gd name="connsiteX14" fmla="*/ 159874 w 171515"/>
+                <a:gd name="connsiteY14" fmla="*/ 97399 h 171515"/>
+                <a:gd name="connsiteX15" fmla="*/ 171515 w 171515"/>
+                <a:gd name="connsiteY15" fmla="*/ 85758 h 171515"/>
+                <a:gd name="connsiteX16" fmla="*/ 159874 w 171515"/>
+                <a:gd name="connsiteY16" fmla="*/ 74116 h 171515"/>
+              </a:gdLst>
+              <a:ahLst/>
+              <a:cxnLst>
+                <a:cxn ang="0">
+                  <a:pos x="connsiteX0" y="connsiteY0"/>
+                </a:cxn>
+                <a:cxn ang="0">
+                  <a:pos x="connsiteX1" y="connsiteY1"/>
+                </a:cxn>
+                <a:cxn ang="0">
+                  <a:pos x="connsiteX2" y="connsiteY2"/>
+                </a:cxn>
+                <a:cxn ang="0">
+                  <a:pos x="connsiteX3" y="connsiteY3"/>
+                </a:cxn>
+                <a:cxn ang="0">
+                  <a:pos x="connsiteX4" y="connsiteY4"/>
+                </a:cxn>
+                <a:cxn ang="0">
+                  <a:pos x="connsiteX5" y="connsiteY5"/>
+                </a:cxn>
+                <a:cxn ang="0">
+                  <a:pos x="connsiteX6" y="connsiteY6"/>
+                </a:cxn>
+                <a:cxn ang="0">
+                  <a:pos x="connsiteX7" y="connsiteY7"/>
+                </a:cxn>
+                <a:cxn ang="0">
+                  <a:pos x="connsiteX8" y="connsiteY8"/>
+                </a:cxn>
+                <a:cxn ang="0">
+                  <a:pos x="connsiteX9" y="connsiteY9"/>
+                </a:cxn>
+                <a:cxn ang="0">
+                  <a:pos x="connsiteX10" y="connsiteY10"/>
+                </a:cxn>
+                <a:cxn ang="0">
+                  <a:pos x="connsiteX11" y="connsiteY11"/>
+                </a:cxn>
+                <a:cxn ang="0">
+                  <a:pos x="connsiteX12" y="connsiteY12"/>
+                </a:cxn>
+                <a:cxn ang="0">
+                  <a:pos x="connsiteX13" y="connsiteY13"/>
+                </a:cxn>
+                <a:cxn ang="0">
+                  <a:pos x="connsiteX14" y="connsiteY14"/>
+                </a:cxn>
+                <a:cxn ang="0">
+                  <a:pos x="connsiteX15" y="connsiteY15"/>
+                </a:cxn>
+                <a:cxn ang="0">
+                  <a:pos x="connsiteX16" y="connsiteY16"/>
+                </a:cxn>
+              </a:cxnLst>
+              <a:rect l="l" t="t" r="r" b="b"/>
+              <a:pathLst>
+                <a:path w="171515" h="171515">
+                  <a:moveTo>
+                    <a:pt x="159874" y="74116"/>
+                  </a:moveTo>
+                  <a:lnTo>
+                    <a:pt x="97399" y="74116"/>
+                  </a:lnTo>
+                  <a:lnTo>
+                    <a:pt x="97399" y="11641"/>
+                  </a:lnTo>
+                  <a:cubicBezTo>
+                    <a:pt x="97399" y="5212"/>
+                    <a:pt x="92187" y="0"/>
+                    <a:pt x="85758" y="0"/>
+                  </a:cubicBezTo>
+                  <a:cubicBezTo>
+                    <a:pt x="79328" y="0"/>
+                    <a:pt x="74116" y="5212"/>
+                    <a:pt x="74116" y="11641"/>
+                  </a:cubicBezTo>
+                  <a:lnTo>
+                    <a:pt x="74116" y="74116"/>
+                  </a:lnTo>
+                  <a:lnTo>
+                    <a:pt x="11641" y="74116"/>
+                  </a:lnTo>
+                  <a:cubicBezTo>
+                    <a:pt x="5212" y="74116"/>
+                    <a:pt x="0" y="79328"/>
+                    <a:pt x="0" y="85758"/>
+                  </a:cubicBezTo>
+                  <a:cubicBezTo>
+                    <a:pt x="0" y="92187"/>
+                    <a:pt x="5212" y="97399"/>
+                    <a:pt x="11641" y="97399"/>
+                  </a:cubicBezTo>
+                  <a:lnTo>
+                    <a:pt x="74116" y="97399"/>
+                  </a:lnTo>
+                  <a:lnTo>
+                    <a:pt x="74116" y="159874"/>
+                  </a:lnTo>
+                  <a:cubicBezTo>
+                    <a:pt x="74116" y="166303"/>
+                    <a:pt x="79328" y="171515"/>
+                    <a:pt x="85758" y="171515"/>
+                  </a:cubicBezTo>
+                  <a:cubicBezTo>
+                    <a:pt x="92187" y="171515"/>
+                    <a:pt x="97399" y="166303"/>
+                    <a:pt x="97399" y="159874"/>
+                  </a:cubicBezTo>
+                  <a:lnTo>
+                    <a:pt x="97399" y="97399"/>
+                  </a:lnTo>
+                  <a:lnTo>
+                    <a:pt x="159874" y="97399"/>
+                  </a:lnTo>
+                  <a:cubicBezTo>
+                    <a:pt x="166303" y="97399"/>
+                    <a:pt x="171515" y="92187"/>
+                    <a:pt x="171515" y="85758"/>
+                  </a:cubicBezTo>
+                  <a:cubicBezTo>
+                    <a:pt x="171515" y="79328"/>
+                    <a:pt x="166303" y="74116"/>
+                    <a:pt x="159874" y="74116"/>
+                  </a:cubicBezTo>
+                  <a:close/>
+                </a:path>
+              </a:pathLst>
+            </a:custGeom>
+            <a:grpFill/>
+            <a:ln w="776" cap="flat">
+              <a:noFill/>
+              <a:prstDash val="solid"/>
+              <a:miter/>
+            </a:ln>
+          </p:spPr>
+          <p:txBody>
+            <a:bodyPr rtlCol="0" anchor="ctr"/>
+            <a:lstStyle/>
+            <a:p>
+              <a:endParaRPr lang="en-US"/>
+            </a:p>
+          </p:txBody>
+        </p:sp>
+        <p:sp>
+          <p:nvSpPr>
+            <p:cNvPr id="14" name="Graphic 10">
+              <a:extLst>
+                <a:ext uri="{FF2B5EF4-FFF2-40B4-BE49-F238E27FC236}">
+                  <a16:creationId xmlns:a16="http://schemas.microsoft.com/office/drawing/2014/main" id="{E3020543-B24B-4EC4-8FFC-8DD88EEA91A8}"/>
+                </a:ext>
+                <a:ext uri="{C183D7F6-B498-43B3-948B-1728B52AA6E4}">
+                  <adec:decorative xmlns:adec="http://schemas.microsoft.com/office/drawing/2017/decorative" val="1"/>
+                </a:ext>
+              </a:extLst>
+            </p:cNvPr>
+            <p:cNvSpPr/>
+            <p:nvPr>
+              <p:extLst>
+                <p:ext uri="{386F3935-93C4-4BCD-93E2-E3B085C9AB24}">
+                  <p16:designElem xmlns:p16="http://schemas.microsoft.com/office/powerpoint/2015/main" val="1"/>
+                </p:ext>
+              </p:extLst>
+            </p:nvPr>
+          </p:nvSpPr>
+          <p:spPr>
+            <a:xfrm>
+              <a:off x="1075643" y="837005"/>
+              <a:ext cx="112426" cy="112426"/>
+            </a:xfrm>
+            <a:custGeom>
+              <a:avLst/>
+              <a:gdLst>
+                <a:gd name="connsiteX0" fmla="*/ 112426 w 112426"/>
+                <a:gd name="connsiteY0" fmla="*/ 56213 h 112426"/>
+                <a:gd name="connsiteX1" fmla="*/ 56213 w 112426"/>
+                <a:gd name="connsiteY1" fmla="*/ 112426 h 112426"/>
+                <a:gd name="connsiteX2" fmla="*/ 0 w 112426"/>
+                <a:gd name="connsiteY2" fmla="*/ 56213 h 112426"/>
+                <a:gd name="connsiteX3" fmla="*/ 56213 w 112426"/>
+                <a:gd name="connsiteY3" fmla="*/ 0 h 112426"/>
+                <a:gd name="connsiteX4" fmla="*/ 112426 w 112426"/>
+                <a:gd name="connsiteY4" fmla="*/ 56213 h 112426"/>
+              </a:gdLst>
+              <a:ahLst/>
+              <a:cxnLst>
+                <a:cxn ang="0">
+                  <a:pos x="connsiteX0" y="connsiteY0"/>
+                </a:cxn>
+                <a:cxn ang="0">
+                  <a:pos x="connsiteX1" y="connsiteY1"/>
+                </a:cxn>
+                <a:cxn ang="0">
+                  <a:pos x="connsiteX2" y="connsiteY2"/>
+                </a:cxn>
+                <a:cxn ang="0">
+                  <a:pos x="connsiteX3" y="connsiteY3"/>
+                </a:cxn>
+                <a:cxn ang="0">
+                  <a:pos x="connsiteX4" y="connsiteY4"/>
+                </a:cxn>
+              </a:cxnLst>
+              <a:rect l="l" t="t" r="r" b="b"/>
+              <a:pathLst>
+                <a:path w="112426" h="112426">
+                  <a:moveTo>
+                    <a:pt x="112426" y="56213"/>
+                  </a:moveTo>
+                  <a:cubicBezTo>
+                    <a:pt x="112426" y="87259"/>
+                    <a:pt x="87259" y="112426"/>
+                    <a:pt x="56213" y="112426"/>
+                  </a:cubicBezTo>
+                  <a:cubicBezTo>
+                    <a:pt x="25167" y="112426"/>
+                    <a:pt x="0" y="87259"/>
+                    <a:pt x="0" y="56213"/>
+                  </a:cubicBezTo>
+                  <a:cubicBezTo>
+                    <a:pt x="0" y="25167"/>
+                    <a:pt x="25167" y="0"/>
+                    <a:pt x="56213" y="0"/>
+                  </a:cubicBezTo>
+                  <a:cubicBezTo>
+                    <a:pt x="87259" y="0"/>
+                    <a:pt x="112426" y="25167"/>
+                    <a:pt x="112426" y="56213"/>
+                  </a:cubicBezTo>
+                  <a:close/>
+                </a:path>
+              </a:pathLst>
+            </a:custGeom>
+            <a:grpFill/>
+            <a:ln w="516" cap="flat">
+              <a:noFill/>
+              <a:prstDash val="solid"/>
+              <a:miter/>
+            </a:ln>
+          </p:spPr>
+          <p:txBody>
+            <a:bodyPr rtlCol="0" anchor="ctr"/>
+            <a:lstStyle/>
+            <a:p>
+              <a:endParaRPr lang="en-US"/>
+            </a:p>
+          </p:txBody>
+        </p:sp>
+        <p:sp>
+          <p:nvSpPr>
+            <p:cNvPr id="15" name="Graphic 12">
+              <a:extLst>
+                <a:ext uri="{FF2B5EF4-FFF2-40B4-BE49-F238E27FC236}">
+                  <a16:creationId xmlns:a16="http://schemas.microsoft.com/office/drawing/2014/main" id="{1453BF6C-B012-48B7-B4E8-6D7AC7C27D02}"/>
+                </a:ext>
+                <a:ext uri="{C183D7F6-B498-43B3-948B-1728B52AA6E4}">
+                  <adec:decorative xmlns:adec="http://schemas.microsoft.com/office/drawing/2017/decorative" val="1"/>
+                </a:ext>
+              </a:extLst>
+            </p:cNvPr>
+            <p:cNvSpPr/>
+            <p:nvPr>
+              <p:extLst>
+                <p:ext uri="{386F3935-93C4-4BCD-93E2-E3B085C9AB24}">
+                  <p16:designElem xmlns:p16="http://schemas.microsoft.com/office/powerpoint/2015/main" val="1"/>
+                </p:ext>
+              </p:extLst>
+            </p:nvPr>
+          </p:nvSpPr>
+          <p:spPr>
+            <a:xfrm>
+              <a:off x="613892" y="1472473"/>
+              <a:ext cx="157545" cy="157545"/>
+            </a:xfrm>
+            <a:custGeom>
+              <a:avLst/>
+              <a:gdLst>
+                <a:gd name="connsiteX0" fmla="*/ 78773 w 157545"/>
+                <a:gd name="connsiteY0" fmla="*/ 23283 h 157545"/>
+                <a:gd name="connsiteX1" fmla="*/ 134262 w 157545"/>
+                <a:gd name="connsiteY1" fmla="*/ 78773 h 157545"/>
+                <a:gd name="connsiteX2" fmla="*/ 78773 w 157545"/>
+                <a:gd name="connsiteY2" fmla="*/ 134262 h 157545"/>
+                <a:gd name="connsiteX3" fmla="*/ 23283 w 157545"/>
+                <a:gd name="connsiteY3" fmla="*/ 78773 h 157545"/>
+                <a:gd name="connsiteX4" fmla="*/ 78773 w 157545"/>
+                <a:gd name="connsiteY4" fmla="*/ 23283 h 157545"/>
+                <a:gd name="connsiteX5" fmla="*/ 78773 w 157545"/>
+                <a:gd name="connsiteY5" fmla="*/ 0 h 157545"/>
+                <a:gd name="connsiteX6" fmla="*/ 0 w 157545"/>
+                <a:gd name="connsiteY6" fmla="*/ 78773 h 157545"/>
+                <a:gd name="connsiteX7" fmla="*/ 78773 w 157545"/>
+                <a:gd name="connsiteY7" fmla="*/ 157545 h 157545"/>
+                <a:gd name="connsiteX8" fmla="*/ 157545 w 157545"/>
+                <a:gd name="connsiteY8" fmla="*/ 78773 h 157545"/>
+                <a:gd name="connsiteX9" fmla="*/ 78773 w 157545"/>
+                <a:gd name="connsiteY9" fmla="*/ 0 h 157545"/>
+              </a:gdLst>
+              <a:ahLst/>
+              <a:cxnLst>
+                <a:cxn ang="0">
+                  <a:pos x="connsiteX0" y="connsiteY0"/>
+                </a:cxn>
+                <a:cxn ang="0">
+                  <a:pos x="connsiteX1" y="connsiteY1"/>
+                </a:cxn>
+                <a:cxn ang="0">
+                  <a:pos x="connsiteX2" y="connsiteY2"/>
+                </a:cxn>
+                <a:cxn ang="0">
+                  <a:pos x="connsiteX3" y="connsiteY3"/>
+                </a:cxn>
+                <a:cxn ang="0">
+                  <a:pos x="connsiteX4" y="connsiteY4"/>
+                </a:cxn>
+                <a:cxn ang="0">
+                  <a:pos x="connsiteX5" y="connsiteY5"/>
+                </a:cxn>
+                <a:cxn ang="0">
+                  <a:pos x="connsiteX6" y="connsiteY6"/>
+                </a:cxn>
+                <a:cxn ang="0">
+                  <a:pos x="connsiteX7" y="connsiteY7"/>
+                </a:cxn>
+                <a:cxn ang="0">
+                  <a:pos x="connsiteX8" y="connsiteY8"/>
+                </a:cxn>
+                <a:cxn ang="0">
+                  <a:pos x="connsiteX9" y="connsiteY9"/>
+                </a:cxn>
+              </a:cxnLst>
+              <a:rect l="l" t="t" r="r" b="b"/>
+              <a:pathLst>
+                <a:path w="157545" h="157545">
+                  <a:moveTo>
+                    <a:pt x="78773" y="23283"/>
+                  </a:moveTo>
+                  <a:cubicBezTo>
+                    <a:pt x="109419" y="23283"/>
+                    <a:pt x="134262" y="48126"/>
+                    <a:pt x="134262" y="78773"/>
+                  </a:cubicBezTo>
+                  <a:cubicBezTo>
+                    <a:pt x="134262" y="109419"/>
+                    <a:pt x="109419" y="134262"/>
+                    <a:pt x="78773" y="134262"/>
+                  </a:cubicBezTo>
+                  <a:cubicBezTo>
+                    <a:pt x="48126" y="134262"/>
+                    <a:pt x="23283" y="109419"/>
+                    <a:pt x="23283" y="78773"/>
+                  </a:cubicBezTo>
+                  <a:cubicBezTo>
+                    <a:pt x="23312" y="48139"/>
+                    <a:pt x="48139" y="23312"/>
+                    <a:pt x="78773" y="23283"/>
+                  </a:cubicBezTo>
+                  <a:moveTo>
+                    <a:pt x="78773" y="0"/>
+                  </a:moveTo>
+                  <a:cubicBezTo>
+                    <a:pt x="35268" y="0"/>
+                    <a:pt x="0" y="35268"/>
+                    <a:pt x="0" y="78773"/>
+                  </a:cubicBezTo>
+                  <a:cubicBezTo>
+                    <a:pt x="0" y="122277"/>
+                    <a:pt x="35268" y="157545"/>
+                    <a:pt x="78773" y="157545"/>
+                  </a:cubicBezTo>
+                  <a:cubicBezTo>
+                    <a:pt x="122277" y="157545"/>
+                    <a:pt x="157545" y="122277"/>
+                    <a:pt x="157545" y="78773"/>
+                  </a:cubicBezTo>
+                  <a:cubicBezTo>
+                    <a:pt x="157545" y="35268"/>
+                    <a:pt x="122277" y="0"/>
+                    <a:pt x="78773" y="0"/>
+                  </a:cubicBezTo>
+                  <a:close/>
+                </a:path>
+              </a:pathLst>
+            </a:custGeom>
+            <a:grpFill/>
+            <a:ln w="751" cap="flat">
+              <a:noFill/>
+              <a:prstDash val="solid"/>
+              <a:miter/>
+            </a:ln>
+          </p:spPr>
+          <p:txBody>
+            <a:bodyPr rtlCol="0" anchor="ctr"/>
+            <a:lstStyle/>
+            <a:p>
+              <a:endParaRPr lang="en-US"/>
+            </a:p>
+          </p:txBody>
+        </p:sp>
+      </p:grpSp>
       <p:sp>
         <p:nvSpPr>
           <p:cNvPr id="3" name="Content Placeholder 2">
@@ -3464,70 +5252,274 @@
             <p:ph idx="1"/>
           </p:nvPr>
         </p:nvSpPr>
-        <p:spPr/>
-        <p:txBody>
-          <a:bodyPr/>
-          <a:lstStyle/>
-          <a:p>
-            <a:r>
-              <a:rPr lang="en-GB" dirty="0"/>
+        <p:spPr>
+          <a:xfrm>
+            <a:off x="6297233" y="837005"/>
+            <a:ext cx="4771607" cy="5837949"/>
+          </a:xfrm>
+        </p:spPr>
+        <p:txBody>
+          <a:bodyPr anchor="ctr">
+            <a:normAutofit/>
+          </a:bodyPr>
+          <a:lstStyle/>
+          <a:p>
+            <a:r>
+              <a:rPr lang="en-GB" sz="1700" dirty="0">
+                <a:solidFill>
+                  <a:schemeClr val="tx1">
+                    <a:alpha val="80000"/>
+                  </a:schemeClr>
+                </a:solidFill>
+              </a:rPr>
               <a:t>How to incorporate temporal images</a:t>
             </a:r>
           </a:p>
           <a:p>
             <a:pPr lvl="1"/>
             <a:r>
-              <a:rPr lang="en-GB" dirty="0"/>
+              <a:rPr lang="en-GB" sz="1700" dirty="0">
+                <a:solidFill>
+                  <a:schemeClr val="tx1">
+                    <a:alpha val="80000"/>
+                  </a:schemeClr>
+                </a:solidFill>
+              </a:rPr>
               <a:t>Simply warping them again sufficient? </a:t>
+            </a:r>
+          </a:p>
+          <a:p>
+            <a:pPr lvl="1"/>
+            <a:endParaRPr lang="en-GB" sz="1700" dirty="0">
+              <a:solidFill>
+                <a:schemeClr val="tx1">
+                  <a:alpha val="80000"/>
+                </a:schemeClr>
+              </a:solidFill>
+            </a:endParaRPr>
+          </a:p>
+          <a:p>
+            <a:r>
+              <a:rPr lang="en-GB" sz="1700" dirty="0">
+                <a:solidFill>
+                  <a:schemeClr val="tx1">
+                    <a:alpha val="80000"/>
+                  </a:schemeClr>
+                </a:solidFill>
+              </a:rPr>
+              <a:t>What type of problem do we try to solve?</a:t>
+            </a:r>
+          </a:p>
+          <a:p>
+            <a:pPr lvl="1"/>
+            <a:r>
+              <a:rPr lang="en-GB" sz="1700" dirty="0">
+                <a:solidFill>
+                  <a:schemeClr val="tx1">
+                    <a:alpha val="80000"/>
+                  </a:schemeClr>
+                </a:solidFill>
+              </a:rPr>
+              <a:t>Anomaly detection, Novelty detection, One-Class Classification, Out-of-Distribution detection, and Open-Set Recognition</a:t>
             </a:r>
           </a:p>
           <a:p>
             <a:pPr marL="0" indent="0">
               <a:buNone/>
             </a:pPr>
-            <a:endParaRPr lang="en-GB" dirty="0"/>
-          </a:p>
-          <a:p>
-            <a:r>
-              <a:rPr lang="en-GB" dirty="0"/>
+            <a:endParaRPr lang="en-GB" sz="1700" dirty="0">
+              <a:solidFill>
+                <a:schemeClr val="tx1">
+                  <a:alpha val="80000"/>
+                </a:schemeClr>
+              </a:solidFill>
+            </a:endParaRPr>
+          </a:p>
+          <a:p>
+            <a:r>
+              <a:rPr lang="en-GB" sz="1700" dirty="0">
+                <a:solidFill>
+                  <a:schemeClr val="tx1">
+                    <a:alpha val="80000"/>
+                  </a:schemeClr>
+                </a:solidFill>
+              </a:rPr>
               <a:t>What type of algorithm to use for anomaly detection</a:t>
             </a:r>
           </a:p>
           <a:p>
             <a:pPr lvl="1"/>
             <a:r>
-              <a:rPr lang="en-GB" dirty="0" err="1"/>
-              <a:t>Pytorch</a:t>
-            </a:r>
-            <a:r>
-              <a:rPr lang="en-GB" dirty="0"/>
-              <a:t> from scratch or using pre-trained version from official JKU implementation (using other images)</a:t>
+              <a:rPr lang="en-GB" sz="1700" dirty="0">
+                <a:solidFill>
+                  <a:schemeClr val="tx1">
+                    <a:alpha val="80000"/>
+                  </a:schemeClr>
+                </a:solidFill>
+              </a:rPr>
+              <a:t>Plain CV libraries with simple pixel-to-pixel comparisons </a:t>
+            </a:r>
+            <a:r>
+              <a:rPr lang="en-GB" sz="1700" dirty="0">
+                <a:solidFill>
+                  <a:schemeClr val="tx1">
+                    <a:alpha val="80000"/>
+                  </a:schemeClr>
+                </a:solidFill>
+                <a:sym typeface="Wingdings" pitchFamily="2" charset="2"/>
+              </a:rPr>
+              <a:t> fast but inefficient?</a:t>
             </a:r>
           </a:p>
           <a:p>
             <a:pPr lvl="1"/>
-            <a:endParaRPr lang="en-GB" dirty="0"/>
-          </a:p>
-          <a:p>
-            <a:r>
-              <a:rPr lang="en-GB" dirty="0"/>
-              <a:t>Object detection what type of anomaly is it? </a:t>
-            </a:r>
-          </a:p>
-          <a:p>
-            <a:endParaRPr lang="en-GB" dirty="0"/>
-          </a:p>
-          <a:p>
-            <a:endParaRPr lang="en-GB" dirty="0"/>
-          </a:p>
-          <a:p>
-            <a:endParaRPr lang="en-GB" dirty="0"/>
-          </a:p>
-          <a:p>
-            <a:endParaRPr lang="en-GB" dirty="0"/>
-          </a:p>
-        </p:txBody>
-      </p:sp>
+            <a:r>
+              <a:rPr lang="en-GB" sz="1700" dirty="0">
+                <a:solidFill>
+                  <a:schemeClr val="tx1">
+                    <a:alpha val="80000"/>
+                  </a:schemeClr>
+                </a:solidFill>
+                <a:sym typeface="Wingdings" pitchFamily="2" charset="2"/>
+              </a:rPr>
+              <a:t>Sophisticated Deep Learning models  good but not executable in real-life application on drone?</a:t>
+            </a:r>
+          </a:p>
+          <a:p>
+            <a:pPr lvl="1"/>
+            <a:endParaRPr lang="en-GB" sz="1700" dirty="0">
+              <a:solidFill>
+                <a:schemeClr val="tx1">
+                  <a:alpha val="80000"/>
+                </a:schemeClr>
+              </a:solidFill>
+              <a:sym typeface="Wingdings" pitchFamily="2" charset="2"/>
+            </a:endParaRPr>
+          </a:p>
+          <a:p>
+            <a:r>
+              <a:rPr lang="en-GB" sz="1700" dirty="0">
+                <a:solidFill>
+                  <a:schemeClr val="tx1">
+                    <a:alpha val="80000"/>
+                  </a:schemeClr>
+                </a:solidFill>
+                <a:sym typeface="Wingdings" pitchFamily="2" charset="2"/>
+              </a:rPr>
+              <a:t>What algorithm is most suitable to be implemented with the given time and </a:t>
+            </a:r>
+            <a:r>
+              <a:rPr lang="en-GB" sz="1700" dirty="0" err="1">
+                <a:solidFill>
+                  <a:schemeClr val="tx1">
+                    <a:alpha val="80000"/>
+                  </a:schemeClr>
+                </a:solidFill>
+                <a:sym typeface="Wingdings" pitchFamily="2" charset="2"/>
+              </a:rPr>
+              <a:t>limitions</a:t>
+            </a:r>
+            <a:r>
+              <a:rPr lang="en-GB" sz="1700" dirty="0">
+                <a:solidFill>
+                  <a:schemeClr val="tx1">
+                    <a:alpha val="80000"/>
+                  </a:schemeClr>
+                </a:solidFill>
+                <a:sym typeface="Wingdings" pitchFamily="2" charset="2"/>
+              </a:rPr>
+              <a:t>?</a:t>
+            </a:r>
+            <a:endParaRPr lang="en-GB" sz="1700" dirty="0">
+              <a:solidFill>
+                <a:schemeClr val="tx1">
+                  <a:alpha val="80000"/>
+                </a:schemeClr>
+              </a:solidFill>
+            </a:endParaRPr>
+          </a:p>
+          <a:p>
+            <a:endParaRPr lang="en-GB" sz="1700" dirty="0">
+              <a:solidFill>
+                <a:schemeClr val="tx1">
+                  <a:alpha val="80000"/>
+                </a:schemeClr>
+              </a:solidFill>
+            </a:endParaRPr>
+          </a:p>
+          <a:p>
+            <a:endParaRPr lang="en-GB" sz="1700" dirty="0">
+              <a:solidFill>
+                <a:schemeClr val="tx1">
+                  <a:alpha val="80000"/>
+                </a:schemeClr>
+              </a:solidFill>
+            </a:endParaRPr>
+          </a:p>
+        </p:txBody>
+      </p:sp>
+      <p:cxnSp>
+        <p:nvCxnSpPr>
+          <p:cNvPr id="17" name="Straight Connector 16">
+            <a:extLst>
+              <a:ext uri="{FF2B5EF4-FFF2-40B4-BE49-F238E27FC236}">
+                <a16:creationId xmlns:a16="http://schemas.microsoft.com/office/drawing/2014/main" id="{C49DA8F6-BCC1-4447-B54C-57856834B94B}"/>
+              </a:ext>
+              <a:ext uri="{C183D7F6-B498-43B3-948B-1728B52AA6E4}">
+                <adec:decorative xmlns:adec="http://schemas.microsoft.com/office/drawing/2017/decorative" val="1"/>
+              </a:ext>
+            </a:extLst>
+          </p:cNvPr>
+          <p:cNvCxnSpPr>
+            <a:cxnSpLocks noGrp="1" noRot="1" noChangeAspect="1" noMove="1" noResize="1" noEditPoints="1" noAdjustHandles="1" noChangeArrowheads="1" noChangeShapeType="1"/>
+          </p:cNvCxnSpPr>
+          <p:nvPr>
+            <p:extLst>
+              <p:ext uri="{386F3935-93C4-4BCD-93E2-E3B085C9AB24}">
+                <p16:designElem xmlns:p16="http://schemas.microsoft.com/office/powerpoint/2015/main" val="1"/>
+              </p:ext>
+            </p:extLst>
+          </p:nvPr>
+        </p:nvCxnSpPr>
+        <p:spPr>
+          <a:xfrm>
+            <a:off x="11586162" y="3610394"/>
+            <a:ext cx="0" cy="3238728"/>
+          </a:xfrm>
+          <a:prstGeom prst="line">
+            <a:avLst/>
+          </a:prstGeom>
+          <a:ln w="25400" cap="sq">
+            <a:gradFill flip="none" rotWithShape="1">
+              <a:gsLst>
+                <a:gs pos="0">
+                  <a:schemeClr val="accent1"/>
+                </a:gs>
+                <a:gs pos="100000">
+                  <a:schemeClr val="accent2"/>
+                </a:gs>
+              </a:gsLst>
+              <a:lin ang="5400000" scaled="0"/>
+              <a:tileRect/>
+            </a:gradFill>
+            <a:bevel/>
+          </a:ln>
+        </p:spPr>
+        <p:style>
+          <a:lnRef idx="1">
+            <a:schemeClr val="accent1"/>
+          </a:lnRef>
+          <a:fillRef idx="0">
+            <a:schemeClr val="accent1"/>
+          </a:fillRef>
+          <a:effectRef idx="0">
+            <a:schemeClr val="accent1"/>
+          </a:effectRef>
+          <a:fontRef idx="minor">
+            <a:schemeClr val="tx1"/>
+          </a:fontRef>
+        </p:style>
+      </p:cxnSp>
     </p:spTree>
     <p:extLst>
       <p:ext uri="{BB962C8B-B14F-4D97-AF65-F5344CB8AC3E}">
@@ -3544,6 +5536,14 @@
 <file path=ppt/slides/slide3.xml><?xml version="1.0" encoding="utf-8"?>
 <p:sld xmlns:a="http://schemas.openxmlformats.org/drawingml/2006/main" xmlns:r="http://schemas.openxmlformats.org/officeDocument/2006/relationships" xmlns:p="http://schemas.openxmlformats.org/presentationml/2006/main">
   <p:cSld>
+    <p:bg>
+      <p:bgPr>
+        <a:solidFill>
+          <a:schemeClr val="bg1"/>
+        </a:solidFill>
+        <a:effectLst/>
+      </p:bgPr>
+    </p:bg>
     <p:spTree>
       <p:nvGrpSpPr>
         <p:cNvPr id="1" name=""/>
@@ -3558,6 +5558,382 @@
           <a:chExt cx="0" cy="0"/>
         </a:xfrm>
       </p:grpSpPr>
+      <p:sp useBgFill="1">
+        <p:nvSpPr>
+          <p:cNvPr id="36" name="Rectangle 35">
+            <a:extLst>
+              <a:ext uri="{FF2B5EF4-FFF2-40B4-BE49-F238E27FC236}">
+                <a16:creationId xmlns:a16="http://schemas.microsoft.com/office/drawing/2014/main" id="{1B15ED52-F352-441B-82BF-E0EA34836D08}"/>
+              </a:ext>
+              <a:ext uri="{C183D7F6-B498-43B3-948B-1728B52AA6E4}">
+                <adec:decorative xmlns:adec="http://schemas.microsoft.com/office/drawing/2017/decorative" val="1"/>
+              </a:ext>
+            </a:extLst>
+          </p:cNvPr>
+          <p:cNvSpPr>
+            <a:spLocks noGrp="1" noRot="1" noChangeAspect="1" noMove="1" noResize="1" noEditPoints="1" noAdjustHandles="1" noChangeArrowheads="1" noChangeShapeType="1" noTextEdit="1"/>
+          </p:cNvSpPr>
+          <p:nvPr>
+            <p:extLst>
+              <p:ext uri="{386F3935-93C4-4BCD-93E2-E3B085C9AB24}">
+                <p16:designElem xmlns:p16="http://schemas.microsoft.com/office/powerpoint/2015/main" val="1"/>
+              </p:ext>
+            </p:extLst>
+          </p:nvPr>
+        </p:nvSpPr>
+        <p:spPr>
+          <a:xfrm>
+            <a:off x="0" y="0"/>
+            <a:ext cx="12192000" cy="6858000"/>
+          </a:xfrm>
+          <a:prstGeom prst="rect">
+            <a:avLst/>
+          </a:prstGeom>
+          <a:ln w="12700" cap="flat" cmpd="sng" algn="ctr">
+            <a:noFill/>
+            <a:prstDash val="solid"/>
+            <a:miter lim="800000"/>
+          </a:ln>
+          <a:effectLst/>
+          <a:extLst>
+            <a:ext uri="{91240B29-F687-4F45-9708-019B960494DF}">
+              <a14:hiddenLine xmlns:a14="http://schemas.microsoft.com/office/drawing/2010/main" w="12700" cap="flat" cmpd="sng" algn="ctr">
+                <a:solidFill>
+                  <a:schemeClr val="accent1">
+                    <a:shade val="50000"/>
+                  </a:schemeClr>
+                </a:solidFill>
+                <a:prstDash val="solid"/>
+                <a:miter lim="800000"/>
+              </a14:hiddenLine>
+            </a:ext>
+          </a:extLst>
+        </p:spPr>
+        <p:style>
+          <a:lnRef idx="2">
+            <a:schemeClr val="accent1">
+              <a:shade val="50000"/>
+            </a:schemeClr>
+          </a:lnRef>
+          <a:fillRef idx="1">
+            <a:schemeClr val="accent1"/>
+          </a:fillRef>
+          <a:effectRef idx="0">
+            <a:schemeClr val="accent1"/>
+          </a:effectRef>
+          <a:fontRef idx="minor">
+            <a:schemeClr val="lt1"/>
+          </a:fontRef>
+        </p:style>
+        <p:txBody>
+          <a:bodyPr rtlCol="0" anchor="ctr"/>
+          <a:lstStyle/>
+          <a:p>
+            <a:pPr algn="ctr"/>
+            <a:endParaRPr lang="en-US"/>
+          </a:p>
+        </p:txBody>
+      </p:sp>
+      <p:sp>
+        <p:nvSpPr>
+          <p:cNvPr id="38" name="Rectangle 37">
+            <a:extLst>
+              <a:ext uri="{FF2B5EF4-FFF2-40B4-BE49-F238E27FC236}">
+                <a16:creationId xmlns:a16="http://schemas.microsoft.com/office/drawing/2014/main" id="{3B2E3793-BFE6-45A2-9B7B-E18844431C99}"/>
+              </a:ext>
+              <a:ext uri="{C183D7F6-B498-43B3-948B-1728B52AA6E4}">
+                <adec:decorative xmlns:adec="http://schemas.microsoft.com/office/drawing/2017/decorative" val="1"/>
+              </a:ext>
+            </a:extLst>
+          </p:cNvPr>
+          <p:cNvSpPr>
+            <a:spLocks noGrp="1" noRot="1" noChangeAspect="1" noMove="1" noResize="1" noEditPoints="1" noAdjustHandles="1" noChangeArrowheads="1" noChangeShapeType="1" noTextEdit="1"/>
+          </p:cNvSpPr>
+          <p:nvPr>
+            <p:extLst>
+              <p:ext uri="{386F3935-93C4-4BCD-93E2-E3B085C9AB24}">
+                <p16:designElem xmlns:p16="http://schemas.microsoft.com/office/powerpoint/2015/main" val="1"/>
+              </p:ext>
+            </p:extLst>
+          </p:nvPr>
+        </p:nvSpPr>
+        <p:spPr>
+          <a:xfrm flipH="1">
+            <a:off x="-1" y="-1"/>
+            <a:ext cx="12191998" cy="1590742"/>
+          </a:xfrm>
+          <a:prstGeom prst="rect">
+            <a:avLst/>
+          </a:prstGeom>
+          <a:gradFill>
+            <a:gsLst>
+              <a:gs pos="0">
+                <a:srgbClr val="000000"/>
+              </a:gs>
+              <a:gs pos="100000">
+                <a:schemeClr val="accent1">
+                  <a:lumMod val="75000"/>
+                </a:schemeClr>
+              </a:gs>
+            </a:gsLst>
+            <a:lin ang="8400000" scaled="0"/>
+          </a:gradFill>
+          <a:ln>
+            <a:noFill/>
+          </a:ln>
+        </p:spPr>
+        <p:style>
+          <a:lnRef idx="2">
+            <a:schemeClr val="accent1">
+              <a:shade val="50000"/>
+            </a:schemeClr>
+          </a:lnRef>
+          <a:fillRef idx="1">
+            <a:schemeClr val="accent1"/>
+          </a:fillRef>
+          <a:effectRef idx="0">
+            <a:schemeClr val="accent1"/>
+          </a:effectRef>
+          <a:fontRef idx="minor">
+            <a:schemeClr val="lt1"/>
+          </a:fontRef>
+        </p:style>
+        <p:txBody>
+          <a:bodyPr rtlCol="0" anchor="ctr"/>
+          <a:lstStyle/>
+          <a:p>
+            <a:pPr algn="ctr"/>
+            <a:endParaRPr lang="en-US"/>
+          </a:p>
+        </p:txBody>
+      </p:sp>
+      <p:sp>
+        <p:nvSpPr>
+          <p:cNvPr id="40" name="Rectangle 39">
+            <a:extLst>
+              <a:ext uri="{FF2B5EF4-FFF2-40B4-BE49-F238E27FC236}">
+                <a16:creationId xmlns:a16="http://schemas.microsoft.com/office/drawing/2014/main" id="{BC4C4868-CB8F-4AF9-9CDB-8108F2C19B67}"/>
+              </a:ext>
+              <a:ext uri="{C183D7F6-B498-43B3-948B-1728B52AA6E4}">
+                <adec:decorative xmlns:adec="http://schemas.microsoft.com/office/drawing/2017/decorative" val="1"/>
+              </a:ext>
+            </a:extLst>
+          </p:cNvPr>
+          <p:cNvSpPr>
+            <a:spLocks noGrp="1" noRot="1" noChangeAspect="1" noMove="1" noResize="1" noEditPoints="1" noAdjustHandles="1" noChangeArrowheads="1" noChangeShapeType="1" noTextEdit="1"/>
+          </p:cNvSpPr>
+          <p:nvPr>
+            <p:extLst>
+              <p:ext uri="{386F3935-93C4-4BCD-93E2-E3B085C9AB24}">
+                <p16:designElem xmlns:p16="http://schemas.microsoft.com/office/powerpoint/2015/main" val="1"/>
+              </p:ext>
+            </p:extLst>
+          </p:nvPr>
+        </p:nvSpPr>
+        <p:spPr>
+          <a:xfrm rot="10800000" flipH="1">
+            <a:off x="-3" y="0"/>
+            <a:ext cx="8115306" cy="1590742"/>
+          </a:xfrm>
+          <a:prstGeom prst="rect">
+            <a:avLst/>
+          </a:prstGeom>
+          <a:gradFill>
+            <a:gsLst>
+              <a:gs pos="20000">
+                <a:schemeClr val="accent1">
+                  <a:alpha val="0"/>
+                </a:schemeClr>
+              </a:gs>
+              <a:gs pos="100000">
+                <a:schemeClr val="accent1">
+                  <a:lumMod val="50000"/>
+                  <a:alpha val="55000"/>
+                </a:schemeClr>
+              </a:gs>
+            </a:gsLst>
+            <a:lin ang="13800000" scaled="0"/>
+          </a:gradFill>
+          <a:ln>
+            <a:noFill/>
+          </a:ln>
+        </p:spPr>
+        <p:style>
+          <a:lnRef idx="2">
+            <a:schemeClr val="accent1">
+              <a:shade val="50000"/>
+            </a:schemeClr>
+          </a:lnRef>
+          <a:fillRef idx="1">
+            <a:schemeClr val="accent1"/>
+          </a:fillRef>
+          <a:effectRef idx="0">
+            <a:schemeClr val="accent1"/>
+          </a:effectRef>
+          <a:fontRef idx="minor">
+            <a:schemeClr val="lt1"/>
+          </a:fontRef>
+        </p:style>
+        <p:txBody>
+          <a:bodyPr rtlCol="0" anchor="ctr"/>
+          <a:lstStyle/>
+          <a:p>
+            <a:pPr algn="ctr"/>
+            <a:endParaRPr lang="en-US"/>
+          </a:p>
+        </p:txBody>
+      </p:sp>
+      <p:sp>
+        <p:nvSpPr>
+          <p:cNvPr id="42" name="Rectangle 41">
+            <a:extLst>
+              <a:ext uri="{FF2B5EF4-FFF2-40B4-BE49-F238E27FC236}">
+                <a16:creationId xmlns:a16="http://schemas.microsoft.com/office/drawing/2014/main" id="{375E0459-6403-40CD-989D-56A4407CA12E}"/>
+              </a:ext>
+              <a:ext uri="{C183D7F6-B498-43B3-948B-1728B52AA6E4}">
+                <adec:decorative xmlns:adec="http://schemas.microsoft.com/office/drawing/2017/decorative" val="1"/>
+              </a:ext>
+            </a:extLst>
+          </p:cNvPr>
+          <p:cNvSpPr>
+            <a:spLocks noGrp="1" noRot="1" noChangeAspect="1" noMove="1" noResize="1" noEditPoints="1" noAdjustHandles="1" noChangeArrowheads="1" noChangeShapeType="1" noTextEdit="1"/>
+          </p:cNvSpPr>
+          <p:nvPr>
+            <p:extLst>
+              <p:ext uri="{386F3935-93C4-4BCD-93E2-E3B085C9AB24}">
+                <p16:designElem xmlns:p16="http://schemas.microsoft.com/office/powerpoint/2015/main" val="1"/>
+              </p:ext>
+            </p:extLst>
+          </p:nvPr>
+        </p:nvSpPr>
+        <p:spPr>
+          <a:xfrm flipH="1">
+            <a:off x="8115299" y="-1"/>
+            <a:ext cx="4076698" cy="1590742"/>
+          </a:xfrm>
+          <a:prstGeom prst="rect">
+            <a:avLst/>
+          </a:prstGeom>
+          <a:gradFill>
+            <a:gsLst>
+              <a:gs pos="0">
+                <a:schemeClr val="accent1">
+                  <a:alpha val="66000"/>
+                </a:schemeClr>
+              </a:gs>
+              <a:gs pos="100000">
+                <a:srgbClr val="000000">
+                  <a:alpha val="30000"/>
+                </a:srgbClr>
+              </a:gs>
+            </a:gsLst>
+            <a:lin ang="13200000" scaled="0"/>
+          </a:gradFill>
+          <a:ln>
+            <a:noFill/>
+          </a:ln>
+        </p:spPr>
+        <p:style>
+          <a:lnRef idx="2">
+            <a:schemeClr val="accent1">
+              <a:shade val="50000"/>
+            </a:schemeClr>
+          </a:lnRef>
+          <a:fillRef idx="1">
+            <a:schemeClr val="accent1"/>
+          </a:fillRef>
+          <a:effectRef idx="0">
+            <a:schemeClr val="accent1"/>
+          </a:effectRef>
+          <a:fontRef idx="minor">
+            <a:schemeClr val="lt1"/>
+          </a:fontRef>
+        </p:style>
+        <p:txBody>
+          <a:bodyPr rtlCol="0" anchor="ctr"/>
+          <a:lstStyle/>
+          <a:p>
+            <a:pPr algn="ctr"/>
+            <a:endParaRPr lang="en-US"/>
+          </a:p>
+        </p:txBody>
+      </p:sp>
+      <p:sp>
+        <p:nvSpPr>
+          <p:cNvPr id="44" name="Rectangle 43">
+            <a:extLst>
+              <a:ext uri="{FF2B5EF4-FFF2-40B4-BE49-F238E27FC236}">
+                <a16:creationId xmlns:a16="http://schemas.microsoft.com/office/drawing/2014/main" id="{53E5B1A8-3AC9-4BD1-9BBC-78CA94F2D1BA}"/>
+              </a:ext>
+              <a:ext uri="{C183D7F6-B498-43B3-948B-1728B52AA6E4}">
+                <adec:decorative xmlns:adec="http://schemas.microsoft.com/office/drawing/2017/decorative" val="1"/>
+              </a:ext>
+            </a:extLst>
+          </p:cNvPr>
+          <p:cNvSpPr>
+            <a:spLocks noGrp="1" noRot="1" noChangeAspect="1" noMove="1" noResize="1" noEditPoints="1" noAdjustHandles="1" noChangeArrowheads="1" noChangeShapeType="1" noTextEdit="1"/>
+          </p:cNvSpPr>
+          <p:nvPr>
+            <p:extLst>
+              <p:ext uri="{386F3935-93C4-4BCD-93E2-E3B085C9AB24}">
+                <p16:designElem xmlns:p16="http://schemas.microsoft.com/office/powerpoint/2015/main" val="1"/>
+              </p:ext>
+            </p:extLst>
+          </p:nvPr>
+        </p:nvSpPr>
+        <p:spPr>
+          <a:xfrm>
+            <a:off x="459350" y="-1"/>
+            <a:ext cx="11732646" cy="1597433"/>
+          </a:xfrm>
+          <a:prstGeom prst="rect">
+            <a:avLst/>
+          </a:prstGeom>
+          <a:gradFill>
+            <a:gsLst>
+              <a:gs pos="50000">
+                <a:srgbClr val="000000">
+                  <a:alpha val="0"/>
+                </a:srgbClr>
+              </a:gs>
+              <a:gs pos="99000">
+                <a:schemeClr val="accent1">
+                  <a:lumMod val="50000"/>
+                  <a:alpha val="52000"/>
+                </a:schemeClr>
+              </a:gs>
+            </a:gsLst>
+            <a:lin ang="16800000" scaled="0"/>
+          </a:gradFill>
+          <a:ln>
+            <a:noFill/>
+          </a:ln>
+        </p:spPr>
+        <p:style>
+          <a:lnRef idx="2">
+            <a:schemeClr val="accent1">
+              <a:shade val="50000"/>
+            </a:schemeClr>
+          </a:lnRef>
+          <a:fillRef idx="1">
+            <a:schemeClr val="accent1"/>
+          </a:fillRef>
+          <a:effectRef idx="0">
+            <a:schemeClr val="accent1"/>
+          </a:effectRef>
+          <a:fontRef idx="minor">
+            <a:schemeClr val="lt1"/>
+          </a:fontRef>
+        </p:style>
+        <p:txBody>
+          <a:bodyPr rtlCol="0" anchor="ctr"/>
+          <a:lstStyle/>
+          <a:p>
+            <a:pPr algn="ctr"/>
+            <a:endParaRPr lang="en-US"/>
+          </a:p>
+        </p:txBody>
+      </p:sp>
       <p:sp>
         <p:nvSpPr>
           <p:cNvPr id="2" name="Title 1">
@@ -3574,13 +5950,24 @@
             <p:ph type="title"/>
           </p:nvPr>
         </p:nvSpPr>
-        <p:spPr/>
-        <p:txBody>
-          <a:bodyPr/>
-          <a:lstStyle/>
-          <a:p>
-            <a:r>
-              <a:rPr lang="en-GB" dirty="0"/>
+        <p:spPr>
+          <a:xfrm>
+            <a:off x="1371599" y="294538"/>
+            <a:ext cx="9895951" cy="1033669"/>
+          </a:xfrm>
+        </p:spPr>
+        <p:txBody>
+          <a:bodyPr>
+            <a:normAutofit/>
+          </a:bodyPr>
+          <a:lstStyle/>
+          <a:p>
+            <a:r>
+              <a:rPr lang="en-GB" sz="4000">
+                <a:solidFill>
+                  <a:srgbClr val="FFFFFF"/>
+                </a:solidFill>
+              </a:rPr>
               <a:t>Overview scientific papers</a:t>
             </a:r>
           </a:p>
@@ -3602,138 +5989,79 @@
             <p:ph idx="1"/>
           </p:nvPr>
         </p:nvSpPr>
-        <p:spPr/>
-        <p:txBody>
-          <a:bodyPr>
+        <p:spPr>
+          <a:xfrm>
+            <a:off x="1233982" y="2721608"/>
+            <a:ext cx="9724031" cy="3683358"/>
+          </a:xfrm>
+        </p:spPr>
+        <p:txBody>
+          <a:bodyPr anchor="ctr">
             <a:normAutofit lnSpcReduction="10000"/>
           </a:bodyPr>
           <a:lstStyle/>
           <a:p>
             <a:r>
-              <a:rPr lang="en-GB" sz="1600" dirty="0" err="1"/>
-              <a:t>SaRNet</a:t>
-            </a:r>
-            <a:r>
-              <a:rPr lang="en-GB" sz="1600" dirty="0"/>
-              <a:t>: A Dataset for Deep Learning Assisted Search and Rescue with Satellite Imagery - </a:t>
-            </a:r>
-            <a:r>
-              <a:rPr lang="en-GB" sz="1600" dirty="0">
+              <a:rPr lang="en-GB" sz="2000" b="1" dirty="0"/>
+              <a:t>A Unified Survey on Anomaly, Novelty, Open-Set, and Out-of-Distribution Detection: Solutions and Future Challenges - </a:t>
+            </a:r>
+            <a:r>
+              <a:rPr lang="en-GB" sz="2000" b="1" dirty="0">
                 <a:hlinkClick r:id="rId2"/>
               </a:rPr>
-              <a:t>https://arxiv.org/abs/2107.12469</a:t>
-            </a:r>
-            <a:r>
-              <a:rPr lang="en-GB" sz="1600" dirty="0"/>
-              <a:t> </a:t>
-            </a:r>
+              <a:t>https://arxiv.org/pdf/2110.14051.pdf</a:t>
+            </a:r>
+            <a:endParaRPr lang="en-GB" sz="2000" dirty="0"/>
           </a:p>
           <a:p>
             <a:pPr lvl="1"/>
             <a:r>
-              <a:rPr lang="en-GB" sz="1400" dirty="0"/>
-              <a:t>Exploring similar dataset and its usage</a:t>
-            </a:r>
-          </a:p>
-          <a:p>
-            <a:r>
-              <a:rPr lang="en-GB" sz="1600" dirty="0"/>
-              <a:t>Small Target Detection for Search and Rescue Operations using Distributed Deep Learning and Synthetic Data Generation - </a:t>
-            </a:r>
-            <a:r>
-              <a:rPr lang="en-GB" sz="1600" dirty="0">
-                <a:hlinkClick r:id="rId3"/>
-              </a:rPr>
-              <a:t>https://arxiv.org/pdf/1904.11619.pdf</a:t>
-            </a:r>
-            <a:r>
-              <a:rPr lang="en-GB" sz="1600" dirty="0"/>
-              <a:t> </a:t>
+              <a:rPr lang="en-GB" sz="2000" dirty="0"/>
+              <a:t>To date, several research domains tackle the problem of detecting unfamiliar samples, including anomaly detection, novelty detection, one-class learning, open set recognition, and out-of-distribution detection. </a:t>
             </a:r>
           </a:p>
           <a:p>
             <a:pPr lvl="1"/>
             <a:r>
-              <a:rPr lang="en-GB" sz="1400" dirty="0"/>
-              <a:t>“We combined image segmentation, enhancement, and convolution neural networks to reduce detection time to detect small targets. We compared the performance between the auto-detection system and the human eye. Our system detected the target within 8 seconds, but the human eye detected the target within 25 seconds. Our systems also used synthetic data generation and data augmentation techniques to improve target detection accuracy”</a:t>
-            </a:r>
-          </a:p>
-          <a:p>
-            <a:r>
-              <a:rPr lang="en-GB" sz="1600" dirty="0"/>
-              <a:t>Automatic Person Detection in Search and Rescue Operations Using Deep CNN Detectors - </a:t>
-            </a:r>
-            <a:r>
-              <a:rPr lang="en-GB" sz="1600" dirty="0">
-                <a:hlinkClick r:id="rId4"/>
-              </a:rPr>
-              <a:t>https://ieeexplore.ieee.org/document/9369386/algorithms</a:t>
-            </a:r>
-            <a:r>
-              <a:rPr lang="en-GB" sz="1600" dirty="0"/>
-              <a:t>  </a:t>
+              <a:rPr lang="en-GB" sz="2000" dirty="0"/>
+              <a:t>Outlier or novelty detection? Our challenge illustrates a great example for anomaly detection, as our data has mixed outliers within. (training data = polluted with outliers)</a:t>
             </a:r>
           </a:p>
           <a:p>
             <a:pPr lvl="1"/>
             <a:r>
-              <a:rPr lang="en-GB" sz="1400" dirty="0"/>
-              <a:t> In this paper, the reliability of existing state-of-the-art detectors such as Faster R-CNN, YOLOv4, </a:t>
-            </a:r>
-            <a:r>
-              <a:rPr lang="en-GB" sz="1400" dirty="0" err="1"/>
-              <a:t>RetinaNet</a:t>
-            </a:r>
-            <a:r>
-              <a:rPr lang="en-GB" sz="1400" dirty="0"/>
-              <a:t>, and Cascade R-CNN on a </a:t>
-            </a:r>
-            <a:r>
-              <a:rPr lang="en-GB" sz="1400" dirty="0" err="1"/>
-              <a:t>VisDrone</a:t>
-            </a:r>
-            <a:r>
-              <a:rPr lang="en-GB" sz="1400" dirty="0"/>
-              <a:t> benchmark and custom-made dataset SARD build to simulate rescue scenes was investigated. After training the models on selected datasets, detection results were compared. Because of the high speed and accuracy and the small number of false detections, the YOLOv4 detector was chosen for further examination. […] YOLOv4 has achieved the best detection performances </a:t>
-            </a:r>
-          </a:p>
-          <a:p>
-            <a:r>
-              <a:rPr lang="en-GB" sz="1700" b="1" dirty="0"/>
-              <a:t>Deep Reinforcement Learning for Autonomous Search and Rescue - </a:t>
-            </a:r>
-            <a:r>
-              <a:rPr lang="en-GB" sz="1700" b="1" dirty="0">
-                <a:hlinkClick r:id="rId5"/>
-              </a:rPr>
-              <a:t>https://ieeexplore.ieee.org/document/8556642</a:t>
-            </a:r>
-            <a:r>
-              <a:rPr lang="en-GB" sz="1700" b="1" dirty="0"/>
-              <a:t> </a:t>
+              <a:rPr lang="en-GB" sz="2000" dirty="0"/>
+              <a:t>Adopting an appropriate distance metric is necessary</a:t>
             </a:r>
           </a:p>
           <a:p>
             <a:pPr lvl="1"/>
             <a:r>
-              <a:rPr lang="en-GB" sz="1500" dirty="0"/>
-              <a:t>The prototype successfully demonstrated the feasibility of using an artificial intelligence to direct unmanned aerial vehicles to search. […] However, given the real-time, real-physics nature of a single simulated run, training time simply takes too long, inhibiting the success rate of the intelligent system</a:t>
+              <a:rPr lang="en-GB" sz="2000" dirty="0"/>
+              <a:t>For instance, deviation could be computed in a raw pixel-level input or in a semantic space that is learned through a deep neural network</a:t>
             </a:r>
           </a:p>
           <a:p>
             <a:pPr lvl="1"/>
-            <a:endParaRPr lang="en-GB" b="1" dirty="0"/>
-          </a:p>
-          <a:p>
-            <a:endParaRPr lang="en-GB" sz="1800" dirty="0"/>
+            <a:r>
+              <a:rPr lang="en-GB" sz="2000" dirty="0"/>
+              <a:t>Last challenge is choosing the threshold to determine whether the deviation from normal samples is significant.</a:t>
+            </a:r>
           </a:p>
           <a:p>
             <a:pPr lvl="1"/>
-            <a:endParaRPr lang="en-GB" sz="1400" dirty="0"/>
+            <a:endParaRPr lang="en-GB" sz="1900" b="1" dirty="0"/>
+          </a:p>
+          <a:p>
+            <a:endParaRPr lang="en-GB" sz="1900" dirty="0"/>
           </a:p>
           <a:p>
             <a:pPr lvl="1"/>
-            <a:endParaRPr lang="en-GB" sz="1400" dirty="0"/>
+            <a:endParaRPr lang="en-GB" sz="1900" dirty="0"/>
+          </a:p>
+          <a:p>
+            <a:pPr lvl="1"/>
+            <a:endParaRPr lang="en-GB" sz="1900" dirty="0"/>
           </a:p>
         </p:txBody>
       </p:sp>
@@ -3753,6 +6081,14 @@
 <file path=ppt/slides/slide4.xml><?xml version="1.0" encoding="utf-8"?>
 <p:sld xmlns:a="http://schemas.openxmlformats.org/drawingml/2006/main" xmlns:r="http://schemas.openxmlformats.org/officeDocument/2006/relationships" xmlns:p="http://schemas.openxmlformats.org/presentationml/2006/main">
   <p:cSld>
+    <p:bg>
+      <p:bgPr>
+        <a:solidFill>
+          <a:schemeClr val="bg1"/>
+        </a:solidFill>
+        <a:effectLst/>
+      </p:bgPr>
+    </p:bg>
     <p:spTree>
       <p:nvGrpSpPr>
         <p:cNvPr id="1" name=""/>
@@ -3767,6 +6103,382 @@
           <a:chExt cx="0" cy="0"/>
         </a:xfrm>
       </p:grpSpPr>
+      <p:sp useBgFill="1">
+        <p:nvSpPr>
+          <p:cNvPr id="36" name="Rectangle 35">
+            <a:extLst>
+              <a:ext uri="{FF2B5EF4-FFF2-40B4-BE49-F238E27FC236}">
+                <a16:creationId xmlns:a16="http://schemas.microsoft.com/office/drawing/2014/main" id="{1B15ED52-F352-441B-82BF-E0EA34836D08}"/>
+              </a:ext>
+              <a:ext uri="{C183D7F6-B498-43B3-948B-1728B52AA6E4}">
+                <adec:decorative xmlns:adec="http://schemas.microsoft.com/office/drawing/2017/decorative" val="1"/>
+              </a:ext>
+            </a:extLst>
+          </p:cNvPr>
+          <p:cNvSpPr>
+            <a:spLocks noGrp="1" noRot="1" noChangeAspect="1" noMove="1" noResize="1" noEditPoints="1" noAdjustHandles="1" noChangeArrowheads="1" noChangeShapeType="1" noTextEdit="1"/>
+          </p:cNvSpPr>
+          <p:nvPr>
+            <p:extLst>
+              <p:ext uri="{386F3935-93C4-4BCD-93E2-E3B085C9AB24}">
+                <p16:designElem xmlns:p16="http://schemas.microsoft.com/office/powerpoint/2015/main" val="1"/>
+              </p:ext>
+            </p:extLst>
+          </p:nvPr>
+        </p:nvSpPr>
+        <p:spPr>
+          <a:xfrm>
+            <a:off x="0" y="0"/>
+            <a:ext cx="12192000" cy="6858000"/>
+          </a:xfrm>
+          <a:prstGeom prst="rect">
+            <a:avLst/>
+          </a:prstGeom>
+          <a:ln w="12700" cap="flat" cmpd="sng" algn="ctr">
+            <a:noFill/>
+            <a:prstDash val="solid"/>
+            <a:miter lim="800000"/>
+          </a:ln>
+          <a:effectLst/>
+          <a:extLst>
+            <a:ext uri="{91240B29-F687-4F45-9708-019B960494DF}">
+              <a14:hiddenLine xmlns:a14="http://schemas.microsoft.com/office/drawing/2010/main" w="12700" cap="flat" cmpd="sng" algn="ctr">
+                <a:solidFill>
+                  <a:schemeClr val="accent1">
+                    <a:shade val="50000"/>
+                  </a:schemeClr>
+                </a:solidFill>
+                <a:prstDash val="solid"/>
+                <a:miter lim="800000"/>
+              </a14:hiddenLine>
+            </a:ext>
+          </a:extLst>
+        </p:spPr>
+        <p:style>
+          <a:lnRef idx="2">
+            <a:schemeClr val="accent1">
+              <a:shade val="50000"/>
+            </a:schemeClr>
+          </a:lnRef>
+          <a:fillRef idx="1">
+            <a:schemeClr val="accent1"/>
+          </a:fillRef>
+          <a:effectRef idx="0">
+            <a:schemeClr val="accent1"/>
+          </a:effectRef>
+          <a:fontRef idx="minor">
+            <a:schemeClr val="lt1"/>
+          </a:fontRef>
+        </p:style>
+        <p:txBody>
+          <a:bodyPr rtlCol="0" anchor="ctr"/>
+          <a:lstStyle/>
+          <a:p>
+            <a:pPr algn="ctr"/>
+            <a:endParaRPr lang="en-US"/>
+          </a:p>
+        </p:txBody>
+      </p:sp>
+      <p:sp>
+        <p:nvSpPr>
+          <p:cNvPr id="38" name="Rectangle 37">
+            <a:extLst>
+              <a:ext uri="{FF2B5EF4-FFF2-40B4-BE49-F238E27FC236}">
+                <a16:creationId xmlns:a16="http://schemas.microsoft.com/office/drawing/2014/main" id="{3B2E3793-BFE6-45A2-9B7B-E18844431C99}"/>
+              </a:ext>
+              <a:ext uri="{C183D7F6-B498-43B3-948B-1728B52AA6E4}">
+                <adec:decorative xmlns:adec="http://schemas.microsoft.com/office/drawing/2017/decorative" val="1"/>
+              </a:ext>
+            </a:extLst>
+          </p:cNvPr>
+          <p:cNvSpPr>
+            <a:spLocks noGrp="1" noRot="1" noChangeAspect="1" noMove="1" noResize="1" noEditPoints="1" noAdjustHandles="1" noChangeArrowheads="1" noChangeShapeType="1" noTextEdit="1"/>
+          </p:cNvSpPr>
+          <p:nvPr>
+            <p:extLst>
+              <p:ext uri="{386F3935-93C4-4BCD-93E2-E3B085C9AB24}">
+                <p16:designElem xmlns:p16="http://schemas.microsoft.com/office/powerpoint/2015/main" val="1"/>
+              </p:ext>
+            </p:extLst>
+          </p:nvPr>
+        </p:nvSpPr>
+        <p:spPr>
+          <a:xfrm flipH="1">
+            <a:off x="-1" y="-1"/>
+            <a:ext cx="12191998" cy="1590742"/>
+          </a:xfrm>
+          <a:prstGeom prst="rect">
+            <a:avLst/>
+          </a:prstGeom>
+          <a:gradFill>
+            <a:gsLst>
+              <a:gs pos="0">
+                <a:srgbClr val="000000"/>
+              </a:gs>
+              <a:gs pos="100000">
+                <a:schemeClr val="accent1">
+                  <a:lumMod val="75000"/>
+                </a:schemeClr>
+              </a:gs>
+            </a:gsLst>
+            <a:lin ang="8400000" scaled="0"/>
+          </a:gradFill>
+          <a:ln>
+            <a:noFill/>
+          </a:ln>
+        </p:spPr>
+        <p:style>
+          <a:lnRef idx="2">
+            <a:schemeClr val="accent1">
+              <a:shade val="50000"/>
+            </a:schemeClr>
+          </a:lnRef>
+          <a:fillRef idx="1">
+            <a:schemeClr val="accent1"/>
+          </a:fillRef>
+          <a:effectRef idx="0">
+            <a:schemeClr val="accent1"/>
+          </a:effectRef>
+          <a:fontRef idx="minor">
+            <a:schemeClr val="lt1"/>
+          </a:fontRef>
+        </p:style>
+        <p:txBody>
+          <a:bodyPr rtlCol="0" anchor="ctr"/>
+          <a:lstStyle/>
+          <a:p>
+            <a:pPr algn="ctr"/>
+            <a:endParaRPr lang="en-US"/>
+          </a:p>
+        </p:txBody>
+      </p:sp>
+      <p:sp>
+        <p:nvSpPr>
+          <p:cNvPr id="40" name="Rectangle 39">
+            <a:extLst>
+              <a:ext uri="{FF2B5EF4-FFF2-40B4-BE49-F238E27FC236}">
+                <a16:creationId xmlns:a16="http://schemas.microsoft.com/office/drawing/2014/main" id="{BC4C4868-CB8F-4AF9-9CDB-8108F2C19B67}"/>
+              </a:ext>
+              <a:ext uri="{C183D7F6-B498-43B3-948B-1728B52AA6E4}">
+                <adec:decorative xmlns:adec="http://schemas.microsoft.com/office/drawing/2017/decorative" val="1"/>
+              </a:ext>
+            </a:extLst>
+          </p:cNvPr>
+          <p:cNvSpPr>
+            <a:spLocks noGrp="1" noRot="1" noChangeAspect="1" noMove="1" noResize="1" noEditPoints="1" noAdjustHandles="1" noChangeArrowheads="1" noChangeShapeType="1" noTextEdit="1"/>
+          </p:cNvSpPr>
+          <p:nvPr>
+            <p:extLst>
+              <p:ext uri="{386F3935-93C4-4BCD-93E2-E3B085C9AB24}">
+                <p16:designElem xmlns:p16="http://schemas.microsoft.com/office/powerpoint/2015/main" val="1"/>
+              </p:ext>
+            </p:extLst>
+          </p:nvPr>
+        </p:nvSpPr>
+        <p:spPr>
+          <a:xfrm rot="10800000" flipH="1">
+            <a:off x="-3" y="0"/>
+            <a:ext cx="8115306" cy="1590742"/>
+          </a:xfrm>
+          <a:prstGeom prst="rect">
+            <a:avLst/>
+          </a:prstGeom>
+          <a:gradFill>
+            <a:gsLst>
+              <a:gs pos="20000">
+                <a:schemeClr val="accent1">
+                  <a:alpha val="0"/>
+                </a:schemeClr>
+              </a:gs>
+              <a:gs pos="100000">
+                <a:schemeClr val="accent1">
+                  <a:lumMod val="50000"/>
+                  <a:alpha val="55000"/>
+                </a:schemeClr>
+              </a:gs>
+            </a:gsLst>
+            <a:lin ang="13800000" scaled="0"/>
+          </a:gradFill>
+          <a:ln>
+            <a:noFill/>
+          </a:ln>
+        </p:spPr>
+        <p:style>
+          <a:lnRef idx="2">
+            <a:schemeClr val="accent1">
+              <a:shade val="50000"/>
+            </a:schemeClr>
+          </a:lnRef>
+          <a:fillRef idx="1">
+            <a:schemeClr val="accent1"/>
+          </a:fillRef>
+          <a:effectRef idx="0">
+            <a:schemeClr val="accent1"/>
+          </a:effectRef>
+          <a:fontRef idx="minor">
+            <a:schemeClr val="lt1"/>
+          </a:fontRef>
+        </p:style>
+        <p:txBody>
+          <a:bodyPr rtlCol="0" anchor="ctr"/>
+          <a:lstStyle/>
+          <a:p>
+            <a:pPr algn="ctr"/>
+            <a:endParaRPr lang="en-US"/>
+          </a:p>
+        </p:txBody>
+      </p:sp>
+      <p:sp>
+        <p:nvSpPr>
+          <p:cNvPr id="42" name="Rectangle 41">
+            <a:extLst>
+              <a:ext uri="{FF2B5EF4-FFF2-40B4-BE49-F238E27FC236}">
+                <a16:creationId xmlns:a16="http://schemas.microsoft.com/office/drawing/2014/main" id="{375E0459-6403-40CD-989D-56A4407CA12E}"/>
+              </a:ext>
+              <a:ext uri="{C183D7F6-B498-43B3-948B-1728B52AA6E4}">
+                <adec:decorative xmlns:adec="http://schemas.microsoft.com/office/drawing/2017/decorative" val="1"/>
+              </a:ext>
+            </a:extLst>
+          </p:cNvPr>
+          <p:cNvSpPr>
+            <a:spLocks noGrp="1" noRot="1" noChangeAspect="1" noMove="1" noResize="1" noEditPoints="1" noAdjustHandles="1" noChangeArrowheads="1" noChangeShapeType="1" noTextEdit="1"/>
+          </p:cNvSpPr>
+          <p:nvPr>
+            <p:extLst>
+              <p:ext uri="{386F3935-93C4-4BCD-93E2-E3B085C9AB24}">
+                <p16:designElem xmlns:p16="http://schemas.microsoft.com/office/powerpoint/2015/main" val="1"/>
+              </p:ext>
+            </p:extLst>
+          </p:nvPr>
+        </p:nvSpPr>
+        <p:spPr>
+          <a:xfrm flipH="1">
+            <a:off x="8115299" y="-1"/>
+            <a:ext cx="4076698" cy="1590742"/>
+          </a:xfrm>
+          <a:prstGeom prst="rect">
+            <a:avLst/>
+          </a:prstGeom>
+          <a:gradFill>
+            <a:gsLst>
+              <a:gs pos="0">
+                <a:schemeClr val="accent1">
+                  <a:alpha val="66000"/>
+                </a:schemeClr>
+              </a:gs>
+              <a:gs pos="100000">
+                <a:srgbClr val="000000">
+                  <a:alpha val="30000"/>
+                </a:srgbClr>
+              </a:gs>
+            </a:gsLst>
+            <a:lin ang="13200000" scaled="0"/>
+          </a:gradFill>
+          <a:ln>
+            <a:noFill/>
+          </a:ln>
+        </p:spPr>
+        <p:style>
+          <a:lnRef idx="2">
+            <a:schemeClr val="accent1">
+              <a:shade val="50000"/>
+            </a:schemeClr>
+          </a:lnRef>
+          <a:fillRef idx="1">
+            <a:schemeClr val="accent1"/>
+          </a:fillRef>
+          <a:effectRef idx="0">
+            <a:schemeClr val="accent1"/>
+          </a:effectRef>
+          <a:fontRef idx="minor">
+            <a:schemeClr val="lt1"/>
+          </a:fontRef>
+        </p:style>
+        <p:txBody>
+          <a:bodyPr rtlCol="0" anchor="ctr"/>
+          <a:lstStyle/>
+          <a:p>
+            <a:pPr algn="ctr"/>
+            <a:endParaRPr lang="en-US"/>
+          </a:p>
+        </p:txBody>
+      </p:sp>
+      <p:sp>
+        <p:nvSpPr>
+          <p:cNvPr id="44" name="Rectangle 43">
+            <a:extLst>
+              <a:ext uri="{FF2B5EF4-FFF2-40B4-BE49-F238E27FC236}">
+                <a16:creationId xmlns:a16="http://schemas.microsoft.com/office/drawing/2014/main" id="{53E5B1A8-3AC9-4BD1-9BBC-78CA94F2D1BA}"/>
+              </a:ext>
+              <a:ext uri="{C183D7F6-B498-43B3-948B-1728B52AA6E4}">
+                <adec:decorative xmlns:adec="http://schemas.microsoft.com/office/drawing/2017/decorative" val="1"/>
+              </a:ext>
+            </a:extLst>
+          </p:cNvPr>
+          <p:cNvSpPr>
+            <a:spLocks noGrp="1" noRot="1" noChangeAspect="1" noMove="1" noResize="1" noEditPoints="1" noAdjustHandles="1" noChangeArrowheads="1" noChangeShapeType="1" noTextEdit="1"/>
+          </p:cNvSpPr>
+          <p:nvPr>
+            <p:extLst>
+              <p:ext uri="{386F3935-93C4-4BCD-93E2-E3B085C9AB24}">
+                <p16:designElem xmlns:p16="http://schemas.microsoft.com/office/powerpoint/2015/main" val="1"/>
+              </p:ext>
+            </p:extLst>
+          </p:nvPr>
+        </p:nvSpPr>
+        <p:spPr>
+          <a:xfrm>
+            <a:off x="459350" y="-1"/>
+            <a:ext cx="11732646" cy="1597433"/>
+          </a:xfrm>
+          <a:prstGeom prst="rect">
+            <a:avLst/>
+          </a:prstGeom>
+          <a:gradFill>
+            <a:gsLst>
+              <a:gs pos="50000">
+                <a:srgbClr val="000000">
+                  <a:alpha val="0"/>
+                </a:srgbClr>
+              </a:gs>
+              <a:gs pos="99000">
+                <a:schemeClr val="accent1">
+                  <a:lumMod val="50000"/>
+                  <a:alpha val="52000"/>
+                </a:schemeClr>
+              </a:gs>
+            </a:gsLst>
+            <a:lin ang="16800000" scaled="0"/>
+          </a:gradFill>
+          <a:ln>
+            <a:noFill/>
+          </a:ln>
+        </p:spPr>
+        <p:style>
+          <a:lnRef idx="2">
+            <a:schemeClr val="accent1">
+              <a:shade val="50000"/>
+            </a:schemeClr>
+          </a:lnRef>
+          <a:fillRef idx="1">
+            <a:schemeClr val="accent1"/>
+          </a:fillRef>
+          <a:effectRef idx="0">
+            <a:schemeClr val="accent1"/>
+          </a:effectRef>
+          <a:fontRef idx="minor">
+            <a:schemeClr val="lt1"/>
+          </a:fontRef>
+        </p:style>
+        <p:txBody>
+          <a:bodyPr rtlCol="0" anchor="ctr"/>
+          <a:lstStyle/>
+          <a:p>
+            <a:pPr algn="ctr"/>
+            <a:endParaRPr lang="en-US"/>
+          </a:p>
+        </p:txBody>
+      </p:sp>
       <p:sp>
         <p:nvSpPr>
           <p:cNvPr id="2" name="Title 1">
@@ -3783,35 +6495,12 @@
             <p:ph type="title"/>
           </p:nvPr>
         </p:nvSpPr>
-        <p:spPr/>
-        <p:txBody>
-          <a:bodyPr/>
-          <a:lstStyle/>
-          <a:p>
-            <a:r>
-              <a:rPr lang="en-GB" dirty="0"/>
-              <a:t>Overview scientific papers</a:t>
-            </a:r>
-          </a:p>
-        </p:txBody>
-      </p:sp>
-      <p:sp>
-        <p:nvSpPr>
-          <p:cNvPr id="3" name="Content Placeholder 2">
-            <a:extLst>
-              <a:ext uri="{FF2B5EF4-FFF2-40B4-BE49-F238E27FC236}">
-                <a16:creationId xmlns:a16="http://schemas.microsoft.com/office/drawing/2014/main" id="{049DD2FC-FAFA-C94C-A960-34A207F06461}"/>
-              </a:ext>
-            </a:extLst>
-          </p:cNvPr>
-          <p:cNvSpPr>
-            <a:spLocks noGrp="1"/>
-          </p:cNvSpPr>
-          <p:nvPr>
-            <p:ph idx="1"/>
-          </p:nvPr>
-        </p:nvSpPr>
-        <p:spPr/>
+        <p:spPr>
+          <a:xfrm>
+            <a:off x="1371599" y="294538"/>
+            <a:ext cx="9895951" cy="1033669"/>
+          </a:xfrm>
+        </p:spPr>
         <p:txBody>
           <a:bodyPr>
             <a:normAutofit/>
@@ -3819,112 +6508,138 @@
           <a:lstStyle/>
           <a:p>
             <a:r>
-              <a:rPr lang="en-GB" sz="1600" dirty="0"/>
-              <a:t>Search and Rescue with Airborne Optical Sectioning - </a:t>
-            </a:r>
-            <a:r>
-              <a:rPr lang="en-GB" sz="1600" dirty="0">
+              <a:rPr lang="en-GB" sz="4000">
+                <a:solidFill>
+                  <a:srgbClr val="FFFFFF"/>
+                </a:solidFill>
+              </a:rPr>
+              <a:t>Overview scientific papers</a:t>
+            </a:r>
+          </a:p>
+        </p:txBody>
+      </p:sp>
+      <p:sp>
+        <p:nvSpPr>
+          <p:cNvPr id="3" name="Content Placeholder 2">
+            <a:extLst>
+              <a:ext uri="{FF2B5EF4-FFF2-40B4-BE49-F238E27FC236}">
+                <a16:creationId xmlns:a16="http://schemas.microsoft.com/office/drawing/2014/main" id="{049DD2FC-FAFA-C94C-A960-34A207F06461}"/>
+              </a:ext>
+            </a:extLst>
+          </p:cNvPr>
+          <p:cNvSpPr>
+            <a:spLocks noGrp="1"/>
+          </p:cNvSpPr>
+          <p:nvPr>
+            <p:ph idx="1"/>
+          </p:nvPr>
+        </p:nvSpPr>
+        <p:spPr>
+          <a:xfrm>
+            <a:off x="1371599" y="2318197"/>
+            <a:ext cx="9724031" cy="3683358"/>
+          </a:xfrm>
+        </p:spPr>
+        <p:txBody>
+          <a:bodyPr anchor="ctr">
+            <a:normAutofit lnSpcReduction="10000"/>
+          </a:bodyPr>
+          <a:lstStyle/>
+          <a:p>
+            <a:endParaRPr lang="en-GB" sz="1800" b="1" dirty="0"/>
+          </a:p>
+          <a:p>
+            <a:r>
+              <a:rPr lang="en-GB" sz="1800" b="1" dirty="0"/>
+              <a:t>Search and Rescue with Airborne Optical Sectioning - </a:t>
+            </a:r>
+            <a:r>
+              <a:rPr lang="en-GB" sz="1800" b="1" dirty="0">
                 <a:hlinkClick r:id="rId2"/>
               </a:rPr>
               <a:t>https://arxiv.org/abs/2009.08835</a:t>
             </a:r>
-            <a:r>
-              <a:rPr lang="en-GB" sz="1600" dirty="0"/>
-              <a:t> </a:t>
-            </a:r>
+            <a:endParaRPr lang="en-GB" sz="1800" b="1" dirty="0"/>
           </a:p>
           <a:p>
             <a:pPr lvl="1"/>
             <a:r>
-              <a:rPr lang="en-GB" sz="1400" dirty="0"/>
+              <a:rPr lang="en-GB" sz="1800" dirty="0"/>
               <a:t>We show that automated person detection under occlusion conditions can be significantly improved by combining </a:t>
             </a:r>
             <a:r>
-              <a:rPr lang="en-GB" sz="1400" dirty="0" err="1"/>
+              <a:rPr lang="en-GB" sz="1800" dirty="0" err="1"/>
               <a:t>multiperspective</a:t>
             </a:r>
             <a:r>
-              <a:rPr lang="en-GB" sz="1400" dirty="0"/>
-              <a:t> images before classification. Here, we employed image integration by Airborne Optical Sectioning (AOS)—a synthetic aperture imaging technique that uses camera drones to capture unstructured thermal light fields—to achieve this with a precision/recall of 96/93%. Finding lost or injured people in dense forests is not generally feasible with thermal recordings, but becomes practical with use of AOS integral images.</a:t>
+              <a:rPr lang="en-GB" sz="1800" dirty="0"/>
+              <a:t> images before classification</a:t>
             </a:r>
           </a:p>
           <a:p>
             <a:pPr lvl="1"/>
             <a:r>
-              <a:rPr lang="en-GB" sz="1400" dirty="0">
+              <a:rPr lang="en-GB" sz="1800" dirty="0"/>
+              <a:t>Here, we employed image integration by Airborne Optical Sectioning (AOS)—a synthetic aperture imaging technique that uses camera drones to capture unstructured thermal light fields—to achieve this with a precision/recall of 96/93%. </a:t>
+            </a:r>
+          </a:p>
+          <a:p>
+            <a:pPr lvl="1"/>
+            <a:endParaRPr lang="en-GB" sz="1800" b="1" dirty="0"/>
+          </a:p>
+          <a:p>
+            <a:r>
+              <a:rPr lang="en-GB" sz="1800" b="1" dirty="0"/>
+              <a:t>Through-Foliage Tracking with Airborne Optical Sectioning, Remote Sensing of Environment -</a:t>
+            </a:r>
+            <a:r>
+              <a:rPr lang="en-GB" sz="1800" b="1" dirty="0">
                 <a:hlinkClick r:id="rId3"/>
               </a:rPr>
-              <a:t>https://github.com/JKU-ICG/AOS</a:t>
-            </a:r>
-            <a:r>
-              <a:rPr lang="en-GB" sz="1400" dirty="0"/>
-              <a:t> </a:t>
-            </a:r>
-          </a:p>
-          <a:p>
+              <a:t>https://arxiv.org/abs/2111.06959</a:t>
+            </a:r>
+            <a:endParaRPr lang="en-GB" sz="1800" b="1" dirty="0"/>
+          </a:p>
+          <a:p>
+            <a:pPr lvl="1"/>
+            <a:r>
+              <a:rPr lang="en-GB" sz="1800" dirty="0"/>
+              <a:t>It was shown that </a:t>
+            </a:r>
+            <a:r>
+              <a:rPr lang="en-GB" sz="1800" dirty="0" err="1"/>
+              <a:t>color</a:t>
+            </a:r>
+            <a:r>
+              <a:rPr lang="en-GB" sz="1800" dirty="0"/>
+              <a:t> anomaly detection benefits significantly from AOS integral images when compared to conventional single images (on average 97% vs. 42% in precision). </a:t>
+            </a:r>
+            <a:r>
+              <a:rPr lang="en-GB" sz="1800" dirty="0" err="1"/>
+              <a:t>Color</a:t>
+            </a:r>
+            <a:r>
+              <a:rPr lang="en-GB" sz="1800" dirty="0"/>
+              <a:t> anomaly detection is often used for automatized aerial image analysis in search and rescue applications.</a:t>
+            </a:r>
+          </a:p>
+          <a:p>
+            <a:pPr lvl="1"/>
             <a:endParaRPr lang="en-GB" sz="1800" dirty="0"/>
           </a:p>
           <a:p>
-            <a:r>
-              <a:rPr lang="en-GB" dirty="0"/>
-              <a:t>Through-Foliage Tracking with Airborne Optical Sectioning </a:t>
-            </a:r>
-            <a:r>
-              <a:rPr lang="en-GB" sz="1800" dirty="0"/>
-              <a:t>- </a:t>
-            </a:r>
-            <a:r>
-              <a:rPr lang="en-GB" sz="1800" dirty="0">
-                <a:hlinkClick r:id="rId4"/>
-              </a:rPr>
-              <a:t>https://arxiv.org/abs/2111.06959</a:t>
-            </a:r>
-            <a:r>
-              <a:rPr lang="en-GB" sz="1800" dirty="0"/>
-              <a:t> </a:t>
-            </a:r>
-          </a:p>
-          <a:p>
             <a:pPr lvl="1"/>
-            <a:r>
-              <a:rPr lang="en-GB" sz="1400" dirty="0"/>
-              <a:t>While detecting and tracking moving targets through foliage is difficult (and for many cases even impossible) in regular aerial images or videos, it becomes practically feasible with image integration – which is the core principle of Airborne Optical Sectioning. We have already shown that classification significantly benefits from image integration (</a:t>
-            </a:r>
-            <a:r>
-              <a:rPr lang="en-GB" sz="1400" dirty="0" err="1"/>
-              <a:t>Schedl</a:t>
-            </a:r>
-            <a:r>
-              <a:rPr lang="en-GB" sz="1400" dirty="0"/>
-              <a:t> et al. (2020b)). In this work we demonstrate that the same holds true for </a:t>
-            </a:r>
-            <a:r>
-              <a:rPr lang="en-GB" sz="1400" dirty="0" err="1"/>
-              <a:t>color</a:t>
-            </a:r>
-            <a:r>
-              <a:rPr lang="en-GB" sz="1400" dirty="0"/>
-              <a:t> anomaly detection. </a:t>
-            </a:r>
-          </a:p>
-          <a:p>
-            <a:pPr lvl="1"/>
-            <a:endParaRPr lang="en-GB" sz="1400" dirty="0"/>
-          </a:p>
-          <a:p>
-            <a:pPr lvl="1"/>
-            <a:endParaRPr lang="en-GB" sz="1400" dirty="0"/>
-          </a:p>
-          <a:p>
-            <a:pPr lvl="1"/>
-            <a:endParaRPr lang="en-GB" sz="1400" dirty="0"/>
+            <a:endParaRPr lang="en-GB" sz="1800" dirty="0"/>
+          </a:p>
+          <a:p>
+            <a:endParaRPr lang="en-GB" sz="1800" dirty="0"/>
           </a:p>
         </p:txBody>
       </p:sp>
     </p:spTree>
     <p:extLst>
       <p:ext uri="{BB962C8B-B14F-4D97-AF65-F5344CB8AC3E}">
-        <p14:creationId xmlns:p14="http://schemas.microsoft.com/office/powerpoint/2010/main" val="2293688204"/>
+        <p14:creationId xmlns:p14="http://schemas.microsoft.com/office/powerpoint/2010/main" val="1241483236"/>
       </p:ext>
     </p:extLst>
   </p:cSld>
@@ -3937,6 +6652,14 @@
 <file path=ppt/slides/slide5.xml><?xml version="1.0" encoding="utf-8"?>
 <p:sld xmlns:a="http://schemas.openxmlformats.org/drawingml/2006/main" xmlns:r="http://schemas.openxmlformats.org/officeDocument/2006/relationships" xmlns:p="http://schemas.openxmlformats.org/presentationml/2006/main">
   <p:cSld>
+    <p:bg>
+      <p:bgPr>
+        <a:solidFill>
+          <a:schemeClr val="bg1"/>
+        </a:solidFill>
+        <a:effectLst/>
+      </p:bgPr>
+    </p:bg>
     <p:spTree>
       <p:nvGrpSpPr>
         <p:cNvPr id="1" name=""/>
@@ -3951,582 +6674,496 @@
           <a:chExt cx="0" cy="0"/>
         </a:xfrm>
       </p:grpSpPr>
-      <p:sp>
-        <p:nvSpPr>
-          <p:cNvPr id="2" name="Title 1">
-            <a:extLst>
-              <a:ext uri="{FF2B5EF4-FFF2-40B4-BE49-F238E27FC236}">
-                <a16:creationId xmlns:a16="http://schemas.microsoft.com/office/drawing/2014/main" id="{A0DD301A-450D-594E-96E3-EB9F39E7691F}"/>
-              </a:ext>
-            </a:extLst>
-          </p:cNvPr>
-          <p:cNvSpPr>
-            <a:spLocks noGrp="1"/>
-          </p:cNvSpPr>
-          <p:nvPr>
-            <p:ph type="title"/>
-          </p:nvPr>
-        </p:nvSpPr>
-        <p:spPr/>
-        <p:txBody>
-          <a:bodyPr/>
-          <a:lstStyle/>
-          <a:p>
-            <a:r>
-              <a:rPr lang="en-GB" dirty="0"/>
-              <a:t>Overview scientific papers</a:t>
-            </a:r>
-          </a:p>
-        </p:txBody>
-      </p:sp>
-      <p:sp>
-        <p:nvSpPr>
-          <p:cNvPr id="3" name="Content Placeholder 2">
-            <a:extLst>
-              <a:ext uri="{FF2B5EF4-FFF2-40B4-BE49-F238E27FC236}">
-                <a16:creationId xmlns:a16="http://schemas.microsoft.com/office/drawing/2014/main" id="{049DD2FC-FAFA-C94C-A960-34A207F06461}"/>
-              </a:ext>
-            </a:extLst>
-          </p:cNvPr>
-          <p:cNvSpPr>
-            <a:spLocks noGrp="1"/>
-          </p:cNvSpPr>
-          <p:nvPr>
-            <p:ph idx="1"/>
-          </p:nvPr>
-        </p:nvSpPr>
-        <p:spPr/>
-        <p:txBody>
-          <a:bodyPr>
-            <a:normAutofit/>
-          </a:bodyPr>
-          <a:lstStyle/>
-          <a:p>
-            <a:pPr marL="0" lvl="0" indent="0" eaLnBrk="0" fontAlgn="base" hangingPunct="0">
-              <a:lnSpc>
-                <a:spcPct val="100000"/>
-              </a:lnSpc>
-              <a:spcBef>
-                <a:spcPct val="0"/>
-              </a:spcBef>
-              <a:spcAft>
-                <a:spcPct val="0"/>
-              </a:spcAft>
-              <a:buFontTx/>
-              <a:buChar char="•"/>
-            </a:pPr>
-            <a:r>
-              <a:rPr lang="en-AT" altLang="en-AT" sz="1200" dirty="0">
-                <a:latin typeface="-apple-system"/>
-              </a:rPr>
-              <a:t>Rakesh John Amala Arokia Nathan, Indrajit Kurmi, David C. Schedl and Oliver Bimber, Through-Foliage Tracking with Airborne Optical Sectioning, Remote Sensing of Environment (under Review), (2021), </a:t>
-            </a:r>
-            <a:r>
-              <a:rPr lang="en-GB" sz="1200" dirty="0">
-                <a:hlinkClick r:id="rId2">
-                  <a:extLst>
-                    <a:ext uri="{A12FA001-AC4F-418D-AE19-62706E023703}">
-                      <ahyp:hlinkClr xmlns:ahyp="http://schemas.microsoft.com/office/drawing/2018/hyperlinkcolor" val="tx"/>
-                    </a:ext>
-                  </a:extLst>
-                </a:hlinkClick>
-              </a:rPr>
-              <a:t>https://arxiv.org/abs/2111.06959</a:t>
-            </a:r>
-            <a:r>
-              <a:rPr lang="en-GB" sz="1200" dirty="0"/>
-              <a:t> </a:t>
-            </a:r>
-          </a:p>
-          <a:p>
-            <a:pPr marL="0" lvl="0" indent="0" eaLnBrk="0" fontAlgn="base" hangingPunct="0">
-              <a:lnSpc>
-                <a:spcPct val="100000"/>
-              </a:lnSpc>
-              <a:spcBef>
-                <a:spcPct val="0"/>
-              </a:spcBef>
-              <a:spcAft>
-                <a:spcPct val="0"/>
-              </a:spcAft>
-              <a:buFontTx/>
-              <a:buChar char="•"/>
-            </a:pPr>
-            <a:r>
-              <a:rPr lang="en-GB" altLang="en-AT" sz="1200" dirty="0">
-                <a:latin typeface="-apple-system"/>
-              </a:rPr>
-              <a:t> </a:t>
-            </a:r>
-            <a:r>
-              <a:rPr lang="en-AT" altLang="en-AT" sz="1200" dirty="0">
-                <a:latin typeface="-apple-system"/>
-              </a:rPr>
-              <a:t>Indrajit Kurmi, David C. Schedl, and Oliver Bimber, Combined People Classification with Airborne Optical Sectioning, Nature Scientific Reports (under review), (2021),</a:t>
-            </a:r>
-            <a:r>
-              <a:rPr lang="en-GB" altLang="en-AT" sz="1200" dirty="0">
-                <a:latin typeface="-apple-system"/>
-              </a:rPr>
-              <a:t> </a:t>
-            </a:r>
-            <a:r>
-              <a:rPr lang="en-GB" altLang="en-AT" sz="1200" dirty="0">
-                <a:latin typeface="-apple-system"/>
-                <a:hlinkClick r:id="rId3">
-                  <a:extLst>
-                    <a:ext uri="{A12FA001-AC4F-418D-AE19-62706E023703}">
-                      <ahyp:hlinkClr xmlns:ahyp="http://schemas.microsoft.com/office/drawing/2018/hyperlinkcolor" val="tx"/>
-                    </a:ext>
-                  </a:extLst>
-                </a:hlinkClick>
-              </a:rPr>
-              <a:t>https://arxiv.org/abs/2106.10077</a:t>
-            </a:r>
-            <a:r>
-              <a:rPr lang="en-GB" altLang="en-AT" sz="1200" dirty="0">
-                <a:latin typeface="-apple-system"/>
-              </a:rPr>
-              <a:t> </a:t>
-            </a:r>
-            <a:endParaRPr lang="en-AT" altLang="en-AT" sz="1200" dirty="0">
-              <a:latin typeface="-apple-system"/>
-            </a:endParaRPr>
-          </a:p>
-          <a:p>
-            <a:pPr marL="0" lvl="0" indent="0" eaLnBrk="0" fontAlgn="base" hangingPunct="0">
-              <a:lnSpc>
-                <a:spcPct val="100000"/>
-              </a:lnSpc>
-              <a:spcBef>
-                <a:spcPct val="0"/>
-              </a:spcBef>
-              <a:spcAft>
-                <a:spcPct val="0"/>
-              </a:spcAft>
-              <a:buFontTx/>
-              <a:buChar char="•"/>
-            </a:pPr>
-            <a:r>
-              <a:rPr lang="en-AT" altLang="en-AT" sz="1200" dirty="0">
-                <a:latin typeface="-apple-system"/>
-              </a:rPr>
-              <a:t>David C. Schedl, Indrajit Kurmi, and Oliver Bimber, Autonomous Drones for Search and Rescue in Forests, Science Robotics 6(55), eabg1188, </a:t>
-            </a:r>
-            <a:r>
-              <a:rPr lang="en-AT" altLang="en-AT" sz="1200" dirty="0">
-                <a:latin typeface="-apple-system"/>
-                <a:hlinkClick r:id="rId4">
-                  <a:extLst>
-                    <a:ext uri="{A12FA001-AC4F-418D-AE19-62706E023703}">
-                      <ahyp:hlinkClr xmlns:ahyp="http://schemas.microsoft.com/office/drawing/2018/hyperlinkcolor" val="tx"/>
-                    </a:ext>
-                  </a:extLst>
-                </a:hlinkClick>
-              </a:rPr>
-              <a:t>https://doi.org/10.1126/scirobotics.abg1188</a:t>
-            </a:r>
-            <a:r>
-              <a:rPr lang="en-AT" altLang="en-AT" sz="1200" dirty="0">
-                <a:latin typeface="-apple-system"/>
-              </a:rPr>
-              <a:t>, (2021)</a:t>
-            </a:r>
-          </a:p>
-          <a:p>
-            <a:pPr marL="0" lvl="0" indent="0" eaLnBrk="0" fontAlgn="base" hangingPunct="0">
-              <a:lnSpc>
-                <a:spcPct val="100000"/>
-              </a:lnSpc>
-              <a:spcBef>
-                <a:spcPct val="0"/>
-              </a:spcBef>
-              <a:spcAft>
-                <a:spcPct val="0"/>
-              </a:spcAft>
-              <a:buFontTx/>
-              <a:buChar char="•"/>
-            </a:pPr>
-            <a:r>
-              <a:rPr lang="en-AT" altLang="en-AT" sz="1200" dirty="0">
-                <a:latin typeface="-apple-system"/>
-              </a:rPr>
-              <a:t>David C. Schedl, Indrajit Kurmi, and Oliver Bimber, Search and rescue with airborne optical sectioning, Nature Machine Intelligence 2, 783-790, </a:t>
-            </a:r>
-            <a:r>
-              <a:rPr lang="en-AT" altLang="en-AT" sz="1200" dirty="0">
-                <a:latin typeface="-apple-system"/>
-                <a:hlinkClick r:id="rId5">
-                  <a:extLst>
-                    <a:ext uri="{A12FA001-AC4F-418D-AE19-62706E023703}">
-                      <ahyp:hlinkClr xmlns:ahyp="http://schemas.microsoft.com/office/drawing/2018/hyperlinkcolor" val="tx"/>
-                    </a:ext>
-                  </a:extLst>
-                </a:hlinkClick>
-              </a:rPr>
-              <a:t>https://doi.org/10.1038/s42256-020-00261-3</a:t>
-            </a:r>
-            <a:r>
-              <a:rPr lang="en-AT" altLang="en-AT" sz="1200" dirty="0">
-                <a:latin typeface="-apple-system"/>
-              </a:rPr>
-              <a:t> (2020)</a:t>
-            </a:r>
-          </a:p>
-          <a:p>
-            <a:pPr marL="0" lvl="0" indent="0" eaLnBrk="0" fontAlgn="base" hangingPunct="0">
-              <a:lnSpc>
-                <a:spcPct val="100000"/>
-              </a:lnSpc>
-              <a:spcBef>
-                <a:spcPct val="0"/>
-              </a:spcBef>
-              <a:spcAft>
-                <a:spcPct val="0"/>
-              </a:spcAft>
-              <a:buFontTx/>
-              <a:buChar char="•"/>
-            </a:pPr>
-            <a:r>
-              <a:rPr lang="en-AT" altLang="en-AT" sz="1200" dirty="0">
-                <a:latin typeface="-apple-system"/>
-              </a:rPr>
-              <a:t>Indrajit Kurmi, David C. Schedl, and Oliver Bimber, Pose Error Reduction for Focus Enhancement in Thermal Synthetic Aperture Visualization, IEEE Geoscience and Remote Sensing Letters, DOI: </a:t>
-            </a:r>
-            <a:r>
-              <a:rPr lang="en-AT" altLang="en-AT" sz="1200" dirty="0">
-                <a:latin typeface="-apple-system"/>
-                <a:hlinkClick r:id="rId6">
-                  <a:extLst>
-                    <a:ext uri="{A12FA001-AC4F-418D-AE19-62706E023703}">
-                      <ahyp:hlinkClr xmlns:ahyp="http://schemas.microsoft.com/office/drawing/2018/hyperlinkcolor" val="tx"/>
-                    </a:ext>
-                  </a:extLst>
-                </a:hlinkClick>
-              </a:rPr>
-              <a:t>https://doi.org/10.1109/LGRS.2021.3051718</a:t>
-            </a:r>
-            <a:r>
-              <a:rPr lang="en-AT" altLang="en-AT" sz="1200" dirty="0">
-                <a:latin typeface="-apple-system"/>
-              </a:rPr>
-              <a:t> (2021).</a:t>
-            </a:r>
-          </a:p>
-          <a:p>
-            <a:pPr marL="0" lvl="0" indent="0" eaLnBrk="0" fontAlgn="base" hangingPunct="0">
-              <a:lnSpc>
-                <a:spcPct val="100000"/>
-              </a:lnSpc>
-              <a:spcBef>
-                <a:spcPct val="0"/>
-              </a:spcBef>
-              <a:spcAft>
-                <a:spcPct val="0"/>
-              </a:spcAft>
-              <a:buFontTx/>
-              <a:buChar char="•"/>
-            </a:pPr>
-            <a:r>
-              <a:rPr lang="en-AT" altLang="en-AT" sz="1200" dirty="0">
-                <a:latin typeface="-apple-system"/>
-              </a:rPr>
-              <a:t>Indrajit Kurmi, David C. Schedl, and Oliver Bimber, Fast automatic visibility optimization for thermal synthetic aperture visualization, IEEE Geosci. Remote Sens. Lett. </a:t>
-            </a:r>
-            <a:r>
-              <a:rPr lang="en-AT" altLang="en-AT" sz="1200" dirty="0">
-                <a:latin typeface="-apple-system"/>
-                <a:hlinkClick r:id="rId7">
-                  <a:extLst>
-                    <a:ext uri="{A12FA001-AC4F-418D-AE19-62706E023703}">
-                      <ahyp:hlinkClr xmlns:ahyp="http://schemas.microsoft.com/office/drawing/2018/hyperlinkcolor" val="tx"/>
-                    </a:ext>
-                  </a:extLst>
-                </a:hlinkClick>
-              </a:rPr>
-              <a:t>https://doi.org/10.1109/LGRS.2020.2987471</a:t>
-            </a:r>
-            <a:r>
-              <a:rPr lang="en-AT" altLang="en-AT" sz="1200" dirty="0">
-                <a:latin typeface="-apple-system"/>
-              </a:rPr>
-              <a:t> (2020).</a:t>
-            </a:r>
-          </a:p>
-          <a:p>
-            <a:pPr marL="0" lvl="0" indent="0" eaLnBrk="0" fontAlgn="base" hangingPunct="0">
-              <a:lnSpc>
-                <a:spcPct val="100000"/>
-              </a:lnSpc>
-              <a:spcBef>
-                <a:spcPct val="0"/>
-              </a:spcBef>
-              <a:spcAft>
-                <a:spcPct val="0"/>
-              </a:spcAft>
-              <a:buFontTx/>
-              <a:buChar char="•"/>
-            </a:pPr>
-            <a:r>
-              <a:rPr lang="en-AT" altLang="en-AT" sz="1200" dirty="0">
-                <a:latin typeface="-apple-system"/>
-              </a:rPr>
-              <a:t>David C. Schedl, Indrajit Kurmi, and Oliver Bimber, Airborne Optical Sectioning for Nesting Observation. Sci Rep 10, 7254, </a:t>
-            </a:r>
-            <a:r>
-              <a:rPr lang="en-AT" altLang="en-AT" sz="1200" dirty="0">
-                <a:latin typeface="-apple-system"/>
-                <a:hlinkClick r:id="rId8">
-                  <a:extLst>
-                    <a:ext uri="{A12FA001-AC4F-418D-AE19-62706E023703}">
-                      <ahyp:hlinkClr xmlns:ahyp="http://schemas.microsoft.com/office/drawing/2018/hyperlinkcolor" val="tx"/>
-                    </a:ext>
-                  </a:extLst>
-                </a:hlinkClick>
-              </a:rPr>
-              <a:t>https://doi.org/10.1038/s41598-020-63317-9</a:t>
-            </a:r>
-            <a:r>
-              <a:rPr lang="en-AT" altLang="en-AT" sz="1200" dirty="0">
-                <a:latin typeface="-apple-system"/>
-              </a:rPr>
-              <a:t> (2020).</a:t>
-            </a:r>
-          </a:p>
-          <a:p>
-            <a:pPr marL="0" lvl="0" indent="0" eaLnBrk="0" fontAlgn="base" hangingPunct="0">
-              <a:lnSpc>
-                <a:spcPct val="100000"/>
-              </a:lnSpc>
-              <a:spcBef>
-                <a:spcPct val="0"/>
-              </a:spcBef>
-              <a:spcAft>
-                <a:spcPct val="0"/>
-              </a:spcAft>
-              <a:buFontTx/>
-              <a:buChar char="•"/>
-            </a:pPr>
-            <a:r>
-              <a:rPr lang="en-AT" altLang="en-AT" sz="1200" dirty="0">
-                <a:latin typeface="-apple-system"/>
-              </a:rPr>
-              <a:t>Indrajit Kurmi, David C. Schedl, and Oliver Bimber, Thermal airborne optical sectioning. Remote Sensing. 11, 1668, </a:t>
-            </a:r>
-            <a:r>
-              <a:rPr lang="en-AT" altLang="en-AT" sz="1200" dirty="0">
-                <a:latin typeface="-apple-system"/>
-                <a:hlinkClick r:id="rId9">
-                  <a:extLst>
-                    <a:ext uri="{A12FA001-AC4F-418D-AE19-62706E023703}">
-                      <ahyp:hlinkClr xmlns:ahyp="http://schemas.microsoft.com/office/drawing/2018/hyperlinkcolor" val="tx"/>
-                    </a:ext>
-                  </a:extLst>
-                </a:hlinkClick>
-              </a:rPr>
-              <a:t>https://doi.org/10.3390/rs11141668</a:t>
-            </a:r>
-            <a:r>
-              <a:rPr lang="en-AT" altLang="en-AT" sz="1200" dirty="0">
-                <a:latin typeface="-apple-system"/>
-              </a:rPr>
-              <a:t>, (2019).</a:t>
-            </a:r>
-          </a:p>
-          <a:p>
-            <a:pPr lvl="1"/>
-            <a:endParaRPr lang="en-GB" sz="1400" dirty="0"/>
-          </a:p>
-        </p:txBody>
-      </p:sp>
-      <p:sp>
-        <p:nvSpPr>
-          <p:cNvPr id="10" name="AutoShape 7" descr="DOI">
-            <a:hlinkClick r:id="rId10"/>
-            <a:extLst>
-              <a:ext uri="{FF2B5EF4-FFF2-40B4-BE49-F238E27FC236}">
-                <a16:creationId xmlns:a16="http://schemas.microsoft.com/office/drawing/2014/main" id="{55E6C380-2A9A-0C40-B963-0E57BB24D1D0}"/>
-              </a:ext>
-            </a:extLst>
-          </p:cNvPr>
-          <p:cNvSpPr>
-            <a:spLocks noChangeAspect="1" noChangeArrowheads="1"/>
-          </p:cNvSpPr>
-          <p:nvPr/>
-        </p:nvSpPr>
-        <p:spPr bwMode="auto">
+      <p:sp useBgFill="1">
+        <p:nvSpPr>
+          <p:cNvPr id="36" name="Rectangle 35">
+            <a:extLst>
+              <a:ext uri="{FF2B5EF4-FFF2-40B4-BE49-F238E27FC236}">
+                <a16:creationId xmlns:a16="http://schemas.microsoft.com/office/drawing/2014/main" id="{1B15ED52-F352-441B-82BF-E0EA34836D08}"/>
+              </a:ext>
+              <a:ext uri="{C183D7F6-B498-43B3-948B-1728B52AA6E4}">
+                <adec:decorative xmlns:adec="http://schemas.microsoft.com/office/drawing/2017/decorative" val="1"/>
+              </a:ext>
+            </a:extLst>
+          </p:cNvPr>
+          <p:cNvSpPr>
+            <a:spLocks noGrp="1" noRot="1" noChangeAspect="1" noMove="1" noResize="1" noEditPoints="1" noAdjustHandles="1" noChangeArrowheads="1" noChangeShapeType="1" noTextEdit="1"/>
+          </p:cNvSpPr>
+          <p:nvPr>
+            <p:extLst>
+              <p:ext uri="{386F3935-93C4-4BCD-93E2-E3B085C9AB24}">
+                <p16:designElem xmlns:p16="http://schemas.microsoft.com/office/powerpoint/2015/main" val="1"/>
+              </p:ext>
+            </p:extLst>
+          </p:nvPr>
+        </p:nvSpPr>
+        <p:spPr>
           <a:xfrm>
-            <a:off x="969963" y="-2498725"/>
-            <a:ext cx="304800" cy="304800"/>
+            <a:off x="0" y="0"/>
+            <a:ext cx="12192000" cy="6858000"/>
           </a:xfrm>
           <a:prstGeom prst="rect">
             <a:avLst/>
           </a:prstGeom>
-          <a:noFill/>
+          <a:ln w="12700" cap="flat" cmpd="sng" algn="ctr">
+            <a:noFill/>
+            <a:prstDash val="solid"/>
+            <a:miter lim="800000"/>
+          </a:ln>
+          <a:effectLst/>
           <a:extLst>
-            <a:ext uri="{909E8E84-426E-40DD-AFC4-6F175D3DCCD1}">
-              <a14:hiddenFill xmlns:a14="http://schemas.microsoft.com/office/drawing/2010/main">
+            <a:ext uri="{91240B29-F687-4F45-9708-019B960494DF}">
+              <a14:hiddenLine xmlns:a14="http://schemas.microsoft.com/office/drawing/2010/main" w="12700" cap="flat" cmpd="sng" algn="ctr">
                 <a:solidFill>
-                  <a:srgbClr val="FFFFFF"/>
+                  <a:schemeClr val="accent1">
+                    <a:shade val="50000"/>
+                  </a:schemeClr>
                 </a:solidFill>
-              </a14:hiddenFill>
+                <a:prstDash val="solid"/>
+                <a:miter lim="800000"/>
+              </a14:hiddenLine>
             </a:ext>
           </a:extLst>
         </p:spPr>
-        <p:txBody>
-          <a:bodyPr vert="horz" wrap="square" lIns="91440" tIns="45720" rIns="91440" bIns="45720" numCol="1" anchor="t" anchorCtr="0" compatLnSpc="1">
-            <a:prstTxWarp prst="textNoShape">
-              <a:avLst/>
-            </a:prstTxWarp>
-          </a:bodyPr>
-          <a:lstStyle/>
-          <a:p>
-            <a:endParaRPr lang="en-GB"/>
-          </a:p>
-        </p:txBody>
-      </p:sp>
-      <p:sp>
-        <p:nvSpPr>
-          <p:cNvPr id="11" name="AutoShape 8" descr="DOI">
-            <a:hlinkClick r:id="rId11"/>
-            <a:extLst>
-              <a:ext uri="{FF2B5EF4-FFF2-40B4-BE49-F238E27FC236}">
-                <a16:creationId xmlns:a16="http://schemas.microsoft.com/office/drawing/2014/main" id="{FC3CA384-9A84-0643-8FF4-3A6BCE04A63B}"/>
-              </a:ext>
-            </a:extLst>
-          </p:cNvPr>
-          <p:cNvSpPr>
-            <a:spLocks noChangeAspect="1" noChangeArrowheads="1"/>
-          </p:cNvSpPr>
-          <p:nvPr/>
-        </p:nvSpPr>
-        <p:spPr bwMode="auto">
-          <a:xfrm>
-            <a:off x="969963" y="-1477963"/>
-            <a:ext cx="304800" cy="304800"/>
+        <p:style>
+          <a:lnRef idx="2">
+            <a:schemeClr val="accent1">
+              <a:shade val="50000"/>
+            </a:schemeClr>
+          </a:lnRef>
+          <a:fillRef idx="1">
+            <a:schemeClr val="accent1"/>
+          </a:fillRef>
+          <a:effectRef idx="0">
+            <a:schemeClr val="accent1"/>
+          </a:effectRef>
+          <a:fontRef idx="minor">
+            <a:schemeClr val="lt1"/>
+          </a:fontRef>
+        </p:style>
+        <p:txBody>
+          <a:bodyPr rtlCol="0" anchor="ctr"/>
+          <a:lstStyle/>
+          <a:p>
+            <a:pPr algn="ctr"/>
+            <a:endParaRPr lang="en-US"/>
+          </a:p>
+        </p:txBody>
+      </p:sp>
+      <p:sp>
+        <p:nvSpPr>
+          <p:cNvPr id="38" name="Rectangle 37">
+            <a:extLst>
+              <a:ext uri="{FF2B5EF4-FFF2-40B4-BE49-F238E27FC236}">
+                <a16:creationId xmlns:a16="http://schemas.microsoft.com/office/drawing/2014/main" id="{3B2E3793-BFE6-45A2-9B7B-E18844431C99}"/>
+              </a:ext>
+              <a:ext uri="{C183D7F6-B498-43B3-948B-1728B52AA6E4}">
+                <adec:decorative xmlns:adec="http://schemas.microsoft.com/office/drawing/2017/decorative" val="1"/>
+              </a:ext>
+            </a:extLst>
+          </p:cNvPr>
+          <p:cNvSpPr>
+            <a:spLocks noGrp="1" noRot="1" noChangeAspect="1" noMove="1" noResize="1" noEditPoints="1" noAdjustHandles="1" noChangeArrowheads="1" noChangeShapeType="1" noTextEdit="1"/>
+          </p:cNvSpPr>
+          <p:nvPr>
+            <p:extLst>
+              <p:ext uri="{386F3935-93C4-4BCD-93E2-E3B085C9AB24}">
+                <p16:designElem xmlns:p16="http://schemas.microsoft.com/office/powerpoint/2015/main" val="1"/>
+              </p:ext>
+            </p:extLst>
+          </p:nvPr>
+        </p:nvSpPr>
+        <p:spPr>
+          <a:xfrm flipH="1">
+            <a:off x="-1" y="-1"/>
+            <a:ext cx="12191998" cy="1590742"/>
           </a:xfrm>
           <a:prstGeom prst="rect">
             <a:avLst/>
           </a:prstGeom>
-          <a:noFill/>
-          <a:extLst>
-            <a:ext uri="{909E8E84-426E-40DD-AFC4-6F175D3DCCD1}">
-              <a14:hiddenFill xmlns:a14="http://schemas.microsoft.com/office/drawing/2010/main">
-                <a:solidFill>
-                  <a:srgbClr val="FFFFFF"/>
-                </a:solidFill>
-              </a14:hiddenFill>
-            </a:ext>
-          </a:extLst>
+          <a:gradFill>
+            <a:gsLst>
+              <a:gs pos="0">
+                <a:srgbClr val="000000"/>
+              </a:gs>
+              <a:gs pos="100000">
+                <a:schemeClr val="accent1">
+                  <a:lumMod val="75000"/>
+                </a:schemeClr>
+              </a:gs>
+            </a:gsLst>
+            <a:lin ang="8400000" scaled="0"/>
+          </a:gradFill>
+          <a:ln>
+            <a:noFill/>
+          </a:ln>
         </p:spPr>
-        <p:txBody>
-          <a:bodyPr vert="horz" wrap="square" lIns="91440" tIns="45720" rIns="91440" bIns="45720" numCol="1" anchor="t" anchorCtr="0" compatLnSpc="1">
-            <a:prstTxWarp prst="textNoShape">
-              <a:avLst/>
-            </a:prstTxWarp>
-          </a:bodyPr>
-          <a:lstStyle/>
-          <a:p>
-            <a:endParaRPr lang="en-GB"/>
-          </a:p>
-        </p:txBody>
-      </p:sp>
-      <p:sp>
-        <p:nvSpPr>
-          <p:cNvPr id="12" name="AutoShape 9" descr="DOI">
-            <a:hlinkClick r:id="rId12"/>
-            <a:extLst>
-              <a:ext uri="{FF2B5EF4-FFF2-40B4-BE49-F238E27FC236}">
-                <a16:creationId xmlns:a16="http://schemas.microsoft.com/office/drawing/2014/main" id="{C3B7690D-ED36-9C4B-961A-0FA1666B3A24}"/>
-              </a:ext>
-            </a:extLst>
-          </p:cNvPr>
-          <p:cNvSpPr>
-            <a:spLocks noChangeAspect="1" noChangeArrowheads="1"/>
-          </p:cNvSpPr>
-          <p:nvPr/>
-        </p:nvSpPr>
-        <p:spPr bwMode="auto">
-          <a:xfrm>
-            <a:off x="969963" y="-639763"/>
-            <a:ext cx="304800" cy="304800"/>
+        <p:style>
+          <a:lnRef idx="2">
+            <a:schemeClr val="accent1">
+              <a:shade val="50000"/>
+            </a:schemeClr>
+          </a:lnRef>
+          <a:fillRef idx="1">
+            <a:schemeClr val="accent1"/>
+          </a:fillRef>
+          <a:effectRef idx="0">
+            <a:schemeClr val="accent1"/>
+          </a:effectRef>
+          <a:fontRef idx="minor">
+            <a:schemeClr val="lt1"/>
+          </a:fontRef>
+        </p:style>
+        <p:txBody>
+          <a:bodyPr rtlCol="0" anchor="ctr"/>
+          <a:lstStyle/>
+          <a:p>
+            <a:pPr algn="ctr"/>
+            <a:endParaRPr lang="en-US"/>
+          </a:p>
+        </p:txBody>
+      </p:sp>
+      <p:sp>
+        <p:nvSpPr>
+          <p:cNvPr id="40" name="Rectangle 39">
+            <a:extLst>
+              <a:ext uri="{FF2B5EF4-FFF2-40B4-BE49-F238E27FC236}">
+                <a16:creationId xmlns:a16="http://schemas.microsoft.com/office/drawing/2014/main" id="{BC4C4868-CB8F-4AF9-9CDB-8108F2C19B67}"/>
+              </a:ext>
+              <a:ext uri="{C183D7F6-B498-43B3-948B-1728B52AA6E4}">
+                <adec:decorative xmlns:adec="http://schemas.microsoft.com/office/drawing/2017/decorative" val="1"/>
+              </a:ext>
+            </a:extLst>
+          </p:cNvPr>
+          <p:cNvSpPr>
+            <a:spLocks noGrp="1" noRot="1" noChangeAspect="1" noMove="1" noResize="1" noEditPoints="1" noAdjustHandles="1" noChangeArrowheads="1" noChangeShapeType="1" noTextEdit="1"/>
+          </p:cNvSpPr>
+          <p:nvPr>
+            <p:extLst>
+              <p:ext uri="{386F3935-93C4-4BCD-93E2-E3B085C9AB24}">
+                <p16:designElem xmlns:p16="http://schemas.microsoft.com/office/powerpoint/2015/main" val="1"/>
+              </p:ext>
+            </p:extLst>
+          </p:nvPr>
+        </p:nvSpPr>
+        <p:spPr>
+          <a:xfrm rot="10800000" flipH="1">
+            <a:off x="-3" y="0"/>
+            <a:ext cx="8115306" cy="1590742"/>
           </a:xfrm>
           <a:prstGeom prst="rect">
             <a:avLst/>
           </a:prstGeom>
-          <a:noFill/>
-          <a:extLst>
-            <a:ext uri="{909E8E84-426E-40DD-AFC4-6F175D3DCCD1}">
-              <a14:hiddenFill xmlns:a14="http://schemas.microsoft.com/office/drawing/2010/main">
-                <a:solidFill>
-                  <a:srgbClr val="FFFFFF"/>
-                </a:solidFill>
-              </a14:hiddenFill>
-            </a:ext>
-          </a:extLst>
+          <a:gradFill>
+            <a:gsLst>
+              <a:gs pos="20000">
+                <a:schemeClr val="accent1">
+                  <a:alpha val="0"/>
+                </a:schemeClr>
+              </a:gs>
+              <a:gs pos="100000">
+                <a:schemeClr val="accent1">
+                  <a:lumMod val="50000"/>
+                  <a:alpha val="55000"/>
+                </a:schemeClr>
+              </a:gs>
+            </a:gsLst>
+            <a:lin ang="13800000" scaled="0"/>
+          </a:gradFill>
+          <a:ln>
+            <a:noFill/>
+          </a:ln>
         </p:spPr>
-        <p:txBody>
-          <a:bodyPr vert="horz" wrap="square" lIns="91440" tIns="45720" rIns="91440" bIns="45720" numCol="1" anchor="t" anchorCtr="0" compatLnSpc="1">
-            <a:prstTxWarp prst="textNoShape">
-              <a:avLst/>
-            </a:prstTxWarp>
-          </a:bodyPr>
-          <a:lstStyle/>
-          <a:p>
-            <a:endParaRPr lang="en-GB"/>
-          </a:p>
-        </p:txBody>
-      </p:sp>
-      <p:sp>
-        <p:nvSpPr>
-          <p:cNvPr id="13" name="AutoShape 10" descr="DOI">
-            <a:hlinkClick r:id="rId13"/>
-            <a:extLst>
-              <a:ext uri="{FF2B5EF4-FFF2-40B4-BE49-F238E27FC236}">
-                <a16:creationId xmlns:a16="http://schemas.microsoft.com/office/drawing/2014/main" id="{5D190095-8636-484D-8D7F-127547216529}"/>
-              </a:ext>
-            </a:extLst>
-          </p:cNvPr>
-          <p:cNvSpPr>
-            <a:spLocks noChangeAspect="1" noChangeArrowheads="1"/>
-          </p:cNvSpPr>
-          <p:nvPr/>
-        </p:nvSpPr>
-        <p:spPr bwMode="auto">
-          <a:xfrm>
-            <a:off x="969963" y="381000"/>
-            <a:ext cx="304800" cy="304800"/>
+        <p:style>
+          <a:lnRef idx="2">
+            <a:schemeClr val="accent1">
+              <a:shade val="50000"/>
+            </a:schemeClr>
+          </a:lnRef>
+          <a:fillRef idx="1">
+            <a:schemeClr val="accent1"/>
+          </a:fillRef>
+          <a:effectRef idx="0">
+            <a:schemeClr val="accent1"/>
+          </a:effectRef>
+          <a:fontRef idx="minor">
+            <a:schemeClr val="lt1"/>
+          </a:fontRef>
+        </p:style>
+        <p:txBody>
+          <a:bodyPr rtlCol="0" anchor="ctr"/>
+          <a:lstStyle/>
+          <a:p>
+            <a:pPr algn="ctr"/>
+            <a:endParaRPr lang="en-US"/>
+          </a:p>
+        </p:txBody>
+      </p:sp>
+      <p:sp>
+        <p:nvSpPr>
+          <p:cNvPr id="42" name="Rectangle 41">
+            <a:extLst>
+              <a:ext uri="{FF2B5EF4-FFF2-40B4-BE49-F238E27FC236}">
+                <a16:creationId xmlns:a16="http://schemas.microsoft.com/office/drawing/2014/main" id="{375E0459-6403-40CD-989D-56A4407CA12E}"/>
+              </a:ext>
+              <a:ext uri="{C183D7F6-B498-43B3-948B-1728B52AA6E4}">
+                <adec:decorative xmlns:adec="http://schemas.microsoft.com/office/drawing/2017/decorative" val="1"/>
+              </a:ext>
+            </a:extLst>
+          </p:cNvPr>
+          <p:cNvSpPr>
+            <a:spLocks noGrp="1" noRot="1" noChangeAspect="1" noMove="1" noResize="1" noEditPoints="1" noAdjustHandles="1" noChangeArrowheads="1" noChangeShapeType="1" noTextEdit="1"/>
+          </p:cNvSpPr>
+          <p:nvPr>
+            <p:extLst>
+              <p:ext uri="{386F3935-93C4-4BCD-93E2-E3B085C9AB24}">
+                <p16:designElem xmlns:p16="http://schemas.microsoft.com/office/powerpoint/2015/main" val="1"/>
+              </p:ext>
+            </p:extLst>
+          </p:nvPr>
+        </p:nvSpPr>
+        <p:spPr>
+          <a:xfrm flipH="1">
+            <a:off x="8115299" y="-1"/>
+            <a:ext cx="4076698" cy="1590742"/>
           </a:xfrm>
           <a:prstGeom prst="rect">
             <a:avLst/>
           </a:prstGeom>
-          <a:noFill/>
-          <a:extLst>
-            <a:ext uri="{909E8E84-426E-40DD-AFC4-6F175D3DCCD1}">
-              <a14:hiddenFill xmlns:a14="http://schemas.microsoft.com/office/drawing/2010/main">
+          <a:gradFill>
+            <a:gsLst>
+              <a:gs pos="0">
+                <a:schemeClr val="accent1">
+                  <a:alpha val="66000"/>
+                </a:schemeClr>
+              </a:gs>
+              <a:gs pos="100000">
+                <a:srgbClr val="000000">
+                  <a:alpha val="30000"/>
+                </a:srgbClr>
+              </a:gs>
+            </a:gsLst>
+            <a:lin ang="13200000" scaled="0"/>
+          </a:gradFill>
+          <a:ln>
+            <a:noFill/>
+          </a:ln>
+        </p:spPr>
+        <p:style>
+          <a:lnRef idx="2">
+            <a:schemeClr val="accent1">
+              <a:shade val="50000"/>
+            </a:schemeClr>
+          </a:lnRef>
+          <a:fillRef idx="1">
+            <a:schemeClr val="accent1"/>
+          </a:fillRef>
+          <a:effectRef idx="0">
+            <a:schemeClr val="accent1"/>
+          </a:effectRef>
+          <a:fontRef idx="minor">
+            <a:schemeClr val="lt1"/>
+          </a:fontRef>
+        </p:style>
+        <p:txBody>
+          <a:bodyPr rtlCol="0" anchor="ctr"/>
+          <a:lstStyle/>
+          <a:p>
+            <a:pPr algn="ctr"/>
+            <a:endParaRPr lang="en-US"/>
+          </a:p>
+        </p:txBody>
+      </p:sp>
+      <p:sp>
+        <p:nvSpPr>
+          <p:cNvPr id="44" name="Rectangle 43">
+            <a:extLst>
+              <a:ext uri="{FF2B5EF4-FFF2-40B4-BE49-F238E27FC236}">
+                <a16:creationId xmlns:a16="http://schemas.microsoft.com/office/drawing/2014/main" id="{53E5B1A8-3AC9-4BD1-9BBC-78CA94F2D1BA}"/>
+              </a:ext>
+              <a:ext uri="{C183D7F6-B498-43B3-948B-1728B52AA6E4}">
+                <adec:decorative xmlns:adec="http://schemas.microsoft.com/office/drawing/2017/decorative" val="1"/>
+              </a:ext>
+            </a:extLst>
+          </p:cNvPr>
+          <p:cNvSpPr>
+            <a:spLocks noGrp="1" noRot="1" noChangeAspect="1" noMove="1" noResize="1" noEditPoints="1" noAdjustHandles="1" noChangeArrowheads="1" noChangeShapeType="1" noTextEdit="1"/>
+          </p:cNvSpPr>
+          <p:nvPr>
+            <p:extLst>
+              <p:ext uri="{386F3935-93C4-4BCD-93E2-E3B085C9AB24}">
+                <p16:designElem xmlns:p16="http://schemas.microsoft.com/office/powerpoint/2015/main" val="1"/>
+              </p:ext>
+            </p:extLst>
+          </p:nvPr>
+        </p:nvSpPr>
+        <p:spPr>
+          <a:xfrm>
+            <a:off x="459350" y="-1"/>
+            <a:ext cx="11732646" cy="1597433"/>
+          </a:xfrm>
+          <a:prstGeom prst="rect">
+            <a:avLst/>
+          </a:prstGeom>
+          <a:gradFill>
+            <a:gsLst>
+              <a:gs pos="50000">
+                <a:srgbClr val="000000">
+                  <a:alpha val="0"/>
+                </a:srgbClr>
+              </a:gs>
+              <a:gs pos="99000">
+                <a:schemeClr val="accent1">
+                  <a:lumMod val="50000"/>
+                  <a:alpha val="52000"/>
+                </a:schemeClr>
+              </a:gs>
+            </a:gsLst>
+            <a:lin ang="16800000" scaled="0"/>
+          </a:gradFill>
+          <a:ln>
+            <a:noFill/>
+          </a:ln>
+        </p:spPr>
+        <p:style>
+          <a:lnRef idx="2">
+            <a:schemeClr val="accent1">
+              <a:shade val="50000"/>
+            </a:schemeClr>
+          </a:lnRef>
+          <a:fillRef idx="1">
+            <a:schemeClr val="accent1"/>
+          </a:fillRef>
+          <a:effectRef idx="0">
+            <a:schemeClr val="accent1"/>
+          </a:effectRef>
+          <a:fontRef idx="minor">
+            <a:schemeClr val="lt1"/>
+          </a:fontRef>
+        </p:style>
+        <p:txBody>
+          <a:bodyPr rtlCol="0" anchor="ctr"/>
+          <a:lstStyle/>
+          <a:p>
+            <a:pPr algn="ctr"/>
+            <a:endParaRPr lang="en-US"/>
+          </a:p>
+        </p:txBody>
+      </p:sp>
+      <p:sp>
+        <p:nvSpPr>
+          <p:cNvPr id="2" name="Title 1">
+            <a:extLst>
+              <a:ext uri="{FF2B5EF4-FFF2-40B4-BE49-F238E27FC236}">
+                <a16:creationId xmlns:a16="http://schemas.microsoft.com/office/drawing/2014/main" id="{A0DD301A-450D-594E-96E3-EB9F39E7691F}"/>
+              </a:ext>
+            </a:extLst>
+          </p:cNvPr>
+          <p:cNvSpPr>
+            <a:spLocks noGrp="1"/>
+          </p:cNvSpPr>
+          <p:nvPr>
+            <p:ph type="title"/>
+          </p:nvPr>
+        </p:nvSpPr>
+        <p:spPr>
+          <a:xfrm>
+            <a:off x="1371599" y="294538"/>
+            <a:ext cx="9895951" cy="1033669"/>
+          </a:xfrm>
+        </p:spPr>
+        <p:txBody>
+          <a:bodyPr>
+            <a:normAutofit/>
+          </a:bodyPr>
+          <a:lstStyle/>
+          <a:p>
+            <a:r>
+              <a:rPr lang="en-GB" sz="4000">
                 <a:solidFill>
                   <a:srgbClr val="FFFFFF"/>
                 </a:solidFill>
-              </a14:hiddenFill>
-            </a:ext>
-          </a:extLst>
+              </a:rPr>
+              <a:t>Overview scientific papers</a:t>
+            </a:r>
+          </a:p>
+        </p:txBody>
+      </p:sp>
+      <p:sp>
+        <p:nvSpPr>
+          <p:cNvPr id="3" name="Content Placeholder 2">
+            <a:extLst>
+              <a:ext uri="{FF2B5EF4-FFF2-40B4-BE49-F238E27FC236}">
+                <a16:creationId xmlns:a16="http://schemas.microsoft.com/office/drawing/2014/main" id="{049DD2FC-FAFA-C94C-A960-34A207F06461}"/>
+              </a:ext>
+            </a:extLst>
+          </p:cNvPr>
+          <p:cNvSpPr>
+            <a:spLocks noGrp="1"/>
+          </p:cNvSpPr>
+          <p:nvPr>
+            <p:ph idx="1"/>
+          </p:nvPr>
+        </p:nvSpPr>
+        <p:spPr>
+          <a:xfrm>
+            <a:off x="1371599" y="2318197"/>
+            <a:ext cx="9724031" cy="3683358"/>
+          </a:xfrm>
         </p:spPr>
         <p:txBody>
-          <a:bodyPr vert="horz" wrap="square" lIns="91440" tIns="45720" rIns="91440" bIns="45720" numCol="1" anchor="t" anchorCtr="0" compatLnSpc="1">
-            <a:prstTxWarp prst="textNoShape">
-              <a:avLst/>
-            </a:prstTxWarp>
+          <a:bodyPr anchor="ctr">
+            <a:normAutofit/>
           </a:bodyPr>
           <a:lstStyle/>
           <a:p>
-            <a:endParaRPr lang="en-GB"/>
+            <a:r>
+              <a:rPr lang="en-GB" sz="2000" b="1" dirty="0"/>
+              <a:t>Normality-Calibrated Autoencoder for Unsupervised Anomaly Detection on Data Contamination -</a:t>
+            </a:r>
+            <a:r>
+              <a:rPr lang="en-GB" sz="2000" b="1" dirty="0">
+                <a:hlinkClick r:id="rId2"/>
+              </a:rPr>
+              <a:t>https://arxiv.org/abs/2110.14825v1</a:t>
+            </a:r>
+            <a:endParaRPr lang="en-GB" sz="2000" b="1" dirty="0"/>
+          </a:p>
+          <a:p>
+            <a:pPr lvl="1"/>
+            <a:r>
+              <a:rPr lang="en-GB" sz="2000" dirty="0"/>
+              <a:t>In this paper a Normality-Calibrated Autoencoder (NCAE) was proposed, which can boost anomaly detection performance on the contaminated datasets without any prior information or explicit abnormal samples in the training phase. </a:t>
+            </a:r>
+          </a:p>
+          <a:p>
+            <a:pPr lvl="1"/>
+            <a:r>
+              <a:rPr lang="en-GB" sz="2000" dirty="0"/>
+              <a:t>The NCAE </a:t>
+            </a:r>
+            <a:r>
+              <a:rPr lang="en-GB" sz="2000" dirty="0" err="1"/>
+              <a:t>adversarially</a:t>
+            </a:r>
+            <a:r>
+              <a:rPr lang="en-GB" sz="2000" dirty="0"/>
+              <a:t> generates high confident normal samples from a latent space having low entropy and leverages them to predict abnormal samples in a training dataset</a:t>
+            </a:r>
+          </a:p>
+          <a:p>
+            <a:pPr lvl="1"/>
+            <a:endParaRPr lang="en-GB" sz="2000" dirty="0"/>
+          </a:p>
+          <a:p>
+            <a:endParaRPr lang="en-GB" sz="2000" dirty="0"/>
           </a:p>
         </p:txBody>
       </p:sp>
     </p:spTree>
     <p:extLst>
       <p:ext uri="{BB962C8B-B14F-4D97-AF65-F5344CB8AC3E}">
-        <p14:creationId xmlns:p14="http://schemas.microsoft.com/office/powerpoint/2010/main" val="541507533"/>
+        <p14:creationId xmlns:p14="http://schemas.microsoft.com/office/powerpoint/2010/main" val="200582788"/>
       </p:ext>
     </p:extLst>
   </p:cSld>
@@ -4537,6 +7174,627 @@
 </file>
 
 <file path=ppt/slides/slide6.xml><?xml version="1.0" encoding="utf-8"?>
+<p:sld xmlns:a="http://schemas.openxmlformats.org/drawingml/2006/main" xmlns:r="http://schemas.openxmlformats.org/officeDocument/2006/relationships" xmlns:p="http://schemas.openxmlformats.org/presentationml/2006/main">
+  <p:cSld>
+    <p:bg>
+      <p:bgPr>
+        <a:solidFill>
+          <a:schemeClr val="bg1"/>
+        </a:solidFill>
+        <a:effectLst/>
+      </p:bgPr>
+    </p:bg>
+    <p:spTree>
+      <p:nvGrpSpPr>
+        <p:cNvPr id="1" name=""/>
+        <p:cNvGrpSpPr/>
+        <p:nvPr/>
+      </p:nvGrpSpPr>
+      <p:grpSpPr>
+        <a:xfrm>
+          <a:off x="0" y="0"/>
+          <a:ext cx="0" cy="0"/>
+          <a:chOff x="0" y="0"/>
+          <a:chExt cx="0" cy="0"/>
+        </a:xfrm>
+      </p:grpSpPr>
+      <p:sp useBgFill="1">
+        <p:nvSpPr>
+          <p:cNvPr id="38" name="Rectangle 20">
+            <a:extLst>
+              <a:ext uri="{FF2B5EF4-FFF2-40B4-BE49-F238E27FC236}">
+                <a16:creationId xmlns:a16="http://schemas.microsoft.com/office/drawing/2014/main" id="{1B15ED52-F352-441B-82BF-E0EA34836D08}"/>
+              </a:ext>
+              <a:ext uri="{C183D7F6-B498-43B3-948B-1728B52AA6E4}">
+                <adec:decorative xmlns:adec="http://schemas.microsoft.com/office/drawing/2017/decorative" val="1"/>
+              </a:ext>
+            </a:extLst>
+          </p:cNvPr>
+          <p:cNvSpPr>
+            <a:spLocks noGrp="1" noRot="1" noChangeAspect="1" noMove="1" noResize="1" noEditPoints="1" noAdjustHandles="1" noChangeArrowheads="1" noChangeShapeType="1" noTextEdit="1"/>
+          </p:cNvSpPr>
+          <p:nvPr>
+            <p:extLst>
+              <p:ext uri="{386F3935-93C4-4BCD-93E2-E3B085C9AB24}">
+                <p16:designElem xmlns:p16="http://schemas.microsoft.com/office/powerpoint/2015/main" val="1"/>
+              </p:ext>
+            </p:extLst>
+          </p:nvPr>
+        </p:nvSpPr>
+        <p:spPr>
+          <a:xfrm>
+            <a:off x="0" y="0"/>
+            <a:ext cx="12192000" cy="6858000"/>
+          </a:xfrm>
+          <a:prstGeom prst="rect">
+            <a:avLst/>
+          </a:prstGeom>
+          <a:ln w="12700" cap="flat" cmpd="sng" algn="ctr">
+            <a:noFill/>
+            <a:prstDash val="solid"/>
+            <a:miter lim="800000"/>
+          </a:ln>
+          <a:effectLst/>
+          <a:extLst>
+            <a:ext uri="{91240B29-F687-4F45-9708-019B960494DF}">
+              <a14:hiddenLine xmlns:a14="http://schemas.microsoft.com/office/drawing/2010/main" w="12700" cap="flat" cmpd="sng" algn="ctr">
+                <a:solidFill>
+                  <a:schemeClr val="accent1">
+                    <a:shade val="50000"/>
+                  </a:schemeClr>
+                </a:solidFill>
+                <a:prstDash val="solid"/>
+                <a:miter lim="800000"/>
+              </a14:hiddenLine>
+            </a:ext>
+          </a:extLst>
+        </p:spPr>
+        <p:style>
+          <a:lnRef idx="2">
+            <a:schemeClr val="accent1">
+              <a:shade val="50000"/>
+            </a:schemeClr>
+          </a:lnRef>
+          <a:fillRef idx="1">
+            <a:schemeClr val="accent1"/>
+          </a:fillRef>
+          <a:effectRef idx="0">
+            <a:schemeClr val="accent1"/>
+          </a:effectRef>
+          <a:fontRef idx="minor">
+            <a:schemeClr val="lt1"/>
+          </a:fontRef>
+        </p:style>
+        <p:txBody>
+          <a:bodyPr rtlCol="0" anchor="ctr"/>
+          <a:lstStyle/>
+          <a:p>
+            <a:pPr algn="ctr"/>
+            <a:endParaRPr lang="en-US"/>
+          </a:p>
+        </p:txBody>
+      </p:sp>
+      <p:sp>
+        <p:nvSpPr>
+          <p:cNvPr id="39" name="Rectangle 22">
+            <a:extLst>
+              <a:ext uri="{FF2B5EF4-FFF2-40B4-BE49-F238E27FC236}">
+                <a16:creationId xmlns:a16="http://schemas.microsoft.com/office/drawing/2014/main" id="{3B2E3793-BFE6-45A2-9B7B-E18844431C99}"/>
+              </a:ext>
+              <a:ext uri="{C183D7F6-B498-43B3-948B-1728B52AA6E4}">
+                <adec:decorative xmlns:adec="http://schemas.microsoft.com/office/drawing/2017/decorative" val="1"/>
+              </a:ext>
+            </a:extLst>
+          </p:cNvPr>
+          <p:cNvSpPr>
+            <a:spLocks noGrp="1" noRot="1" noChangeAspect="1" noMove="1" noResize="1" noEditPoints="1" noAdjustHandles="1" noChangeArrowheads="1" noChangeShapeType="1" noTextEdit="1"/>
+          </p:cNvSpPr>
+          <p:nvPr>
+            <p:extLst>
+              <p:ext uri="{386F3935-93C4-4BCD-93E2-E3B085C9AB24}">
+                <p16:designElem xmlns:p16="http://schemas.microsoft.com/office/powerpoint/2015/main" val="1"/>
+              </p:ext>
+            </p:extLst>
+          </p:nvPr>
+        </p:nvSpPr>
+        <p:spPr>
+          <a:xfrm flipH="1">
+            <a:off x="-1" y="-1"/>
+            <a:ext cx="12191998" cy="1590742"/>
+          </a:xfrm>
+          <a:prstGeom prst="rect">
+            <a:avLst/>
+          </a:prstGeom>
+          <a:gradFill>
+            <a:gsLst>
+              <a:gs pos="0">
+                <a:srgbClr val="000000"/>
+              </a:gs>
+              <a:gs pos="100000">
+                <a:schemeClr val="accent1">
+                  <a:lumMod val="75000"/>
+                </a:schemeClr>
+              </a:gs>
+            </a:gsLst>
+            <a:lin ang="8400000" scaled="0"/>
+          </a:gradFill>
+          <a:ln>
+            <a:noFill/>
+          </a:ln>
+        </p:spPr>
+        <p:style>
+          <a:lnRef idx="2">
+            <a:schemeClr val="accent1">
+              <a:shade val="50000"/>
+            </a:schemeClr>
+          </a:lnRef>
+          <a:fillRef idx="1">
+            <a:schemeClr val="accent1"/>
+          </a:fillRef>
+          <a:effectRef idx="0">
+            <a:schemeClr val="accent1"/>
+          </a:effectRef>
+          <a:fontRef idx="minor">
+            <a:schemeClr val="lt1"/>
+          </a:fontRef>
+        </p:style>
+        <p:txBody>
+          <a:bodyPr rtlCol="0" anchor="ctr"/>
+          <a:lstStyle/>
+          <a:p>
+            <a:pPr algn="ctr"/>
+            <a:endParaRPr lang="en-US"/>
+          </a:p>
+        </p:txBody>
+      </p:sp>
+      <p:sp>
+        <p:nvSpPr>
+          <p:cNvPr id="40" name="Rectangle 24">
+            <a:extLst>
+              <a:ext uri="{FF2B5EF4-FFF2-40B4-BE49-F238E27FC236}">
+                <a16:creationId xmlns:a16="http://schemas.microsoft.com/office/drawing/2014/main" id="{BC4C4868-CB8F-4AF9-9CDB-8108F2C19B67}"/>
+              </a:ext>
+              <a:ext uri="{C183D7F6-B498-43B3-948B-1728B52AA6E4}">
+                <adec:decorative xmlns:adec="http://schemas.microsoft.com/office/drawing/2017/decorative" val="1"/>
+              </a:ext>
+            </a:extLst>
+          </p:cNvPr>
+          <p:cNvSpPr>
+            <a:spLocks noGrp="1" noRot="1" noChangeAspect="1" noMove="1" noResize="1" noEditPoints="1" noAdjustHandles="1" noChangeArrowheads="1" noChangeShapeType="1" noTextEdit="1"/>
+          </p:cNvSpPr>
+          <p:nvPr>
+            <p:extLst>
+              <p:ext uri="{386F3935-93C4-4BCD-93E2-E3B085C9AB24}">
+                <p16:designElem xmlns:p16="http://schemas.microsoft.com/office/powerpoint/2015/main" val="1"/>
+              </p:ext>
+            </p:extLst>
+          </p:nvPr>
+        </p:nvSpPr>
+        <p:spPr>
+          <a:xfrm rot="10800000" flipH="1">
+            <a:off x="-3" y="0"/>
+            <a:ext cx="8115306" cy="1590742"/>
+          </a:xfrm>
+          <a:prstGeom prst="rect">
+            <a:avLst/>
+          </a:prstGeom>
+          <a:gradFill>
+            <a:gsLst>
+              <a:gs pos="20000">
+                <a:schemeClr val="accent1">
+                  <a:alpha val="0"/>
+                </a:schemeClr>
+              </a:gs>
+              <a:gs pos="100000">
+                <a:schemeClr val="accent1">
+                  <a:lumMod val="50000"/>
+                  <a:alpha val="55000"/>
+                </a:schemeClr>
+              </a:gs>
+            </a:gsLst>
+            <a:lin ang="13800000" scaled="0"/>
+          </a:gradFill>
+          <a:ln>
+            <a:noFill/>
+          </a:ln>
+        </p:spPr>
+        <p:style>
+          <a:lnRef idx="2">
+            <a:schemeClr val="accent1">
+              <a:shade val="50000"/>
+            </a:schemeClr>
+          </a:lnRef>
+          <a:fillRef idx="1">
+            <a:schemeClr val="accent1"/>
+          </a:fillRef>
+          <a:effectRef idx="0">
+            <a:schemeClr val="accent1"/>
+          </a:effectRef>
+          <a:fontRef idx="minor">
+            <a:schemeClr val="lt1"/>
+          </a:fontRef>
+        </p:style>
+        <p:txBody>
+          <a:bodyPr rtlCol="0" anchor="ctr"/>
+          <a:lstStyle/>
+          <a:p>
+            <a:pPr algn="ctr"/>
+            <a:endParaRPr lang="en-US"/>
+          </a:p>
+        </p:txBody>
+      </p:sp>
+      <p:sp>
+        <p:nvSpPr>
+          <p:cNvPr id="41" name="Rectangle 26">
+            <a:extLst>
+              <a:ext uri="{FF2B5EF4-FFF2-40B4-BE49-F238E27FC236}">
+                <a16:creationId xmlns:a16="http://schemas.microsoft.com/office/drawing/2014/main" id="{375E0459-6403-40CD-989D-56A4407CA12E}"/>
+              </a:ext>
+              <a:ext uri="{C183D7F6-B498-43B3-948B-1728B52AA6E4}">
+                <adec:decorative xmlns:adec="http://schemas.microsoft.com/office/drawing/2017/decorative" val="1"/>
+              </a:ext>
+            </a:extLst>
+          </p:cNvPr>
+          <p:cNvSpPr>
+            <a:spLocks noGrp="1" noRot="1" noChangeAspect="1" noMove="1" noResize="1" noEditPoints="1" noAdjustHandles="1" noChangeArrowheads="1" noChangeShapeType="1" noTextEdit="1"/>
+          </p:cNvSpPr>
+          <p:nvPr>
+            <p:extLst>
+              <p:ext uri="{386F3935-93C4-4BCD-93E2-E3B085C9AB24}">
+                <p16:designElem xmlns:p16="http://schemas.microsoft.com/office/powerpoint/2015/main" val="1"/>
+              </p:ext>
+            </p:extLst>
+          </p:nvPr>
+        </p:nvSpPr>
+        <p:spPr>
+          <a:xfrm flipH="1">
+            <a:off x="8115299" y="-1"/>
+            <a:ext cx="4076698" cy="1590742"/>
+          </a:xfrm>
+          <a:prstGeom prst="rect">
+            <a:avLst/>
+          </a:prstGeom>
+          <a:gradFill>
+            <a:gsLst>
+              <a:gs pos="0">
+                <a:schemeClr val="accent1">
+                  <a:alpha val="66000"/>
+                </a:schemeClr>
+              </a:gs>
+              <a:gs pos="100000">
+                <a:srgbClr val="000000">
+                  <a:alpha val="30000"/>
+                </a:srgbClr>
+              </a:gs>
+            </a:gsLst>
+            <a:lin ang="13200000" scaled="0"/>
+          </a:gradFill>
+          <a:ln>
+            <a:noFill/>
+          </a:ln>
+        </p:spPr>
+        <p:style>
+          <a:lnRef idx="2">
+            <a:schemeClr val="accent1">
+              <a:shade val="50000"/>
+            </a:schemeClr>
+          </a:lnRef>
+          <a:fillRef idx="1">
+            <a:schemeClr val="accent1"/>
+          </a:fillRef>
+          <a:effectRef idx="0">
+            <a:schemeClr val="accent1"/>
+          </a:effectRef>
+          <a:fontRef idx="minor">
+            <a:schemeClr val="lt1"/>
+          </a:fontRef>
+        </p:style>
+        <p:txBody>
+          <a:bodyPr rtlCol="0" anchor="ctr"/>
+          <a:lstStyle/>
+          <a:p>
+            <a:pPr algn="ctr"/>
+            <a:endParaRPr lang="en-US"/>
+          </a:p>
+        </p:txBody>
+      </p:sp>
+      <p:sp>
+        <p:nvSpPr>
+          <p:cNvPr id="42" name="Rectangle 28">
+            <a:extLst>
+              <a:ext uri="{FF2B5EF4-FFF2-40B4-BE49-F238E27FC236}">
+                <a16:creationId xmlns:a16="http://schemas.microsoft.com/office/drawing/2014/main" id="{53E5B1A8-3AC9-4BD1-9BBC-78CA94F2D1BA}"/>
+              </a:ext>
+              <a:ext uri="{C183D7F6-B498-43B3-948B-1728B52AA6E4}">
+                <adec:decorative xmlns:adec="http://schemas.microsoft.com/office/drawing/2017/decorative" val="1"/>
+              </a:ext>
+            </a:extLst>
+          </p:cNvPr>
+          <p:cNvSpPr>
+            <a:spLocks noGrp="1" noRot="1" noChangeAspect="1" noMove="1" noResize="1" noEditPoints="1" noAdjustHandles="1" noChangeArrowheads="1" noChangeShapeType="1" noTextEdit="1"/>
+          </p:cNvSpPr>
+          <p:nvPr>
+            <p:extLst>
+              <p:ext uri="{386F3935-93C4-4BCD-93E2-E3B085C9AB24}">
+                <p16:designElem xmlns:p16="http://schemas.microsoft.com/office/powerpoint/2015/main" val="1"/>
+              </p:ext>
+            </p:extLst>
+          </p:nvPr>
+        </p:nvSpPr>
+        <p:spPr>
+          <a:xfrm>
+            <a:off x="459350" y="-1"/>
+            <a:ext cx="11732646" cy="1597433"/>
+          </a:xfrm>
+          <a:prstGeom prst="rect">
+            <a:avLst/>
+          </a:prstGeom>
+          <a:gradFill>
+            <a:gsLst>
+              <a:gs pos="50000">
+                <a:srgbClr val="000000">
+                  <a:alpha val="0"/>
+                </a:srgbClr>
+              </a:gs>
+              <a:gs pos="99000">
+                <a:schemeClr val="accent1">
+                  <a:lumMod val="50000"/>
+                  <a:alpha val="52000"/>
+                </a:schemeClr>
+              </a:gs>
+            </a:gsLst>
+            <a:lin ang="16800000" scaled="0"/>
+          </a:gradFill>
+          <a:ln>
+            <a:noFill/>
+          </a:ln>
+        </p:spPr>
+        <p:style>
+          <a:lnRef idx="2">
+            <a:schemeClr val="accent1">
+              <a:shade val="50000"/>
+            </a:schemeClr>
+          </a:lnRef>
+          <a:fillRef idx="1">
+            <a:schemeClr val="accent1"/>
+          </a:fillRef>
+          <a:effectRef idx="0">
+            <a:schemeClr val="accent1"/>
+          </a:effectRef>
+          <a:fontRef idx="minor">
+            <a:schemeClr val="lt1"/>
+          </a:fontRef>
+        </p:style>
+        <p:txBody>
+          <a:bodyPr rtlCol="0" anchor="ctr"/>
+          <a:lstStyle/>
+          <a:p>
+            <a:pPr algn="ctr"/>
+            <a:endParaRPr lang="en-US"/>
+          </a:p>
+        </p:txBody>
+      </p:sp>
+      <p:sp>
+        <p:nvSpPr>
+          <p:cNvPr id="2" name="Title 1">
+            <a:extLst>
+              <a:ext uri="{FF2B5EF4-FFF2-40B4-BE49-F238E27FC236}">
+                <a16:creationId xmlns:a16="http://schemas.microsoft.com/office/drawing/2014/main" id="{A0DD301A-450D-594E-96E3-EB9F39E7691F}"/>
+              </a:ext>
+            </a:extLst>
+          </p:cNvPr>
+          <p:cNvSpPr>
+            <a:spLocks noGrp="1"/>
+          </p:cNvSpPr>
+          <p:nvPr>
+            <p:ph type="title"/>
+          </p:nvPr>
+        </p:nvSpPr>
+        <p:spPr>
+          <a:xfrm>
+            <a:off x="1371599" y="294538"/>
+            <a:ext cx="9895951" cy="1033669"/>
+          </a:xfrm>
+        </p:spPr>
+        <p:txBody>
+          <a:bodyPr>
+            <a:normAutofit/>
+          </a:bodyPr>
+          <a:lstStyle/>
+          <a:p>
+            <a:r>
+              <a:rPr lang="en-GB" sz="4000">
+                <a:solidFill>
+                  <a:srgbClr val="FFFFFF"/>
+                </a:solidFill>
+              </a:rPr>
+              <a:t>Overview scientific papers</a:t>
+            </a:r>
+          </a:p>
+        </p:txBody>
+      </p:sp>
+      <p:sp>
+        <p:nvSpPr>
+          <p:cNvPr id="3" name="Content Placeholder 2">
+            <a:extLst>
+              <a:ext uri="{FF2B5EF4-FFF2-40B4-BE49-F238E27FC236}">
+                <a16:creationId xmlns:a16="http://schemas.microsoft.com/office/drawing/2014/main" id="{049DD2FC-FAFA-C94C-A960-34A207F06461}"/>
+              </a:ext>
+            </a:extLst>
+          </p:cNvPr>
+          <p:cNvSpPr>
+            <a:spLocks noGrp="1"/>
+          </p:cNvSpPr>
+          <p:nvPr>
+            <p:ph idx="1"/>
+          </p:nvPr>
+        </p:nvSpPr>
+        <p:spPr>
+          <a:xfrm>
+            <a:off x="923363" y="2694714"/>
+            <a:ext cx="9724031" cy="3683358"/>
+          </a:xfrm>
+        </p:spPr>
+        <p:txBody>
+          <a:bodyPr anchor="ctr">
+            <a:normAutofit fontScale="25000" lnSpcReduction="20000"/>
+          </a:bodyPr>
+          <a:lstStyle/>
+          <a:p>
+            <a:r>
+              <a:rPr lang="en-GB" sz="6400" b="1" dirty="0" err="1"/>
+              <a:t>SaRNet</a:t>
+            </a:r>
+            <a:r>
+              <a:rPr lang="en-GB" sz="6400" b="1" dirty="0"/>
+              <a:t>: A Dataset for Deep Learning Assisted Search and Rescue with Satellite Imagery - </a:t>
+            </a:r>
+            <a:r>
+              <a:rPr lang="en-GB" sz="6400" b="1" dirty="0">
+                <a:hlinkClick r:id="rId2"/>
+              </a:rPr>
+              <a:t>https://arxiv.org/abs/2107.12469</a:t>
+            </a:r>
+            <a:r>
+              <a:rPr lang="en-GB" sz="6400" b="1" dirty="0"/>
+              <a:t> </a:t>
+            </a:r>
+          </a:p>
+          <a:p>
+            <a:pPr lvl="1"/>
+            <a:r>
+              <a:rPr lang="en-GB" sz="6400" dirty="0"/>
+              <a:t>Exploring similar dataset and its usage</a:t>
+            </a:r>
+          </a:p>
+          <a:p>
+            <a:pPr lvl="1"/>
+            <a:endParaRPr lang="en-GB" sz="4800" dirty="0"/>
+          </a:p>
+          <a:p>
+            <a:r>
+              <a:rPr lang="en-GB" sz="6400" b="1" dirty="0"/>
+              <a:t>Small Target Detection for Search and Rescue Operations using Distributed Deep Learning and Synthetic Data Generation - </a:t>
+            </a:r>
+            <a:r>
+              <a:rPr lang="en-GB" sz="6400" b="1" dirty="0">
+                <a:hlinkClick r:id="rId3"/>
+              </a:rPr>
+              <a:t>https://arxiv.org/pdf/1904.11619.pdf</a:t>
+            </a:r>
+            <a:r>
+              <a:rPr lang="en-GB" sz="6400" b="1" dirty="0"/>
+              <a:t> </a:t>
+            </a:r>
+          </a:p>
+          <a:p>
+            <a:pPr lvl="1"/>
+            <a:r>
+              <a:rPr lang="en-GB" sz="6400" dirty="0"/>
+              <a:t>“We combined image segmentation, enhancement, and convolution neural networks to reduce detection time to detect small targets. We compared the performance between the auto-detection system and the human eye. Our system detected the target within 8 seconds, but the human eye detected the target within 25 seconds. Our systems also used synthetic data generation and data augmentation techniques to improve target detection accuracy”</a:t>
+            </a:r>
+          </a:p>
+          <a:p>
+            <a:pPr lvl="1"/>
+            <a:endParaRPr lang="en-GB" sz="4800" dirty="0"/>
+          </a:p>
+          <a:p>
+            <a:r>
+              <a:rPr lang="en-GB" sz="6400" b="1" dirty="0"/>
+              <a:t>Automatic Person Detection in Search and Rescue Operations Using Deep CNN Detectors - </a:t>
+            </a:r>
+            <a:r>
+              <a:rPr lang="en-GB" sz="6400" b="1" dirty="0">
+                <a:hlinkClick r:id="rId4"/>
+              </a:rPr>
+              <a:t>https://ieeexplore.ieee.org/document/9369386/algorithms</a:t>
+            </a:r>
+            <a:r>
+              <a:rPr lang="en-GB" sz="6400" b="1" dirty="0"/>
+              <a:t>  </a:t>
+            </a:r>
+          </a:p>
+          <a:p>
+            <a:pPr lvl="1"/>
+            <a:r>
+              <a:rPr lang="en-GB" sz="6400" dirty="0"/>
+              <a:t> In this paper, the reliability of existing state-of-the-art detectors such as Faster R-CNN, YOLOv4, </a:t>
+            </a:r>
+            <a:r>
+              <a:rPr lang="en-GB" sz="6400" dirty="0" err="1"/>
+              <a:t>RetinaNet</a:t>
+            </a:r>
+            <a:r>
+              <a:rPr lang="en-GB" sz="6400" dirty="0"/>
+              <a:t>, and Cascade R-CNN on a </a:t>
+            </a:r>
+            <a:r>
+              <a:rPr lang="en-GB" sz="6400" dirty="0" err="1"/>
+              <a:t>VisDrone</a:t>
+            </a:r>
+            <a:r>
+              <a:rPr lang="en-GB" sz="6400" dirty="0"/>
+              <a:t> benchmark and custom-made dataset SARD build to simulate rescue scenes was investigated. After training the models on selected datasets, detection results were compared. Because of the high speed and accuracy and the small number of false detections, the YOLOv4 detector was chosen for further examination. […] YOLOv4 has achieved the best detection performances </a:t>
+            </a:r>
+          </a:p>
+          <a:p>
+            <a:pPr lvl="1"/>
+            <a:endParaRPr lang="en-GB" sz="4800" dirty="0"/>
+          </a:p>
+          <a:p>
+            <a:r>
+              <a:rPr lang="en-GB" sz="6400" b="1" dirty="0"/>
+              <a:t>Deep Reinforcement Learning for Autonomous Search and Rescue - </a:t>
+            </a:r>
+            <a:r>
+              <a:rPr lang="en-GB" sz="6400" b="1" dirty="0">
+                <a:hlinkClick r:id="rId5"/>
+              </a:rPr>
+              <a:t>https://ieeexplore.ieee.org/document/8556642</a:t>
+            </a:r>
+            <a:r>
+              <a:rPr lang="en-GB" sz="6400" b="1" dirty="0"/>
+              <a:t> </a:t>
+            </a:r>
+          </a:p>
+          <a:p>
+            <a:pPr lvl="1"/>
+            <a:r>
+              <a:rPr lang="en-GB" sz="6400" dirty="0"/>
+              <a:t>The prototype successfully demonstrated the feasibility of using an artificial intelligence to direct unmanned aerial vehicles to search. […] However, given the real-time, real-physics nature of a single simulated run, training time simply takes too long, inhibiting the success rate of the intelligent system</a:t>
+            </a:r>
+          </a:p>
+          <a:p>
+            <a:pPr lvl="1"/>
+            <a:endParaRPr lang="en-GB" sz="1100" b="1" dirty="0"/>
+          </a:p>
+          <a:p>
+            <a:endParaRPr lang="en-GB" sz="1100" dirty="0"/>
+          </a:p>
+          <a:p>
+            <a:pPr lvl="1"/>
+            <a:endParaRPr lang="en-GB" sz="1100" dirty="0"/>
+          </a:p>
+          <a:p>
+            <a:pPr lvl="1"/>
+            <a:endParaRPr lang="en-GB" sz="1100" dirty="0"/>
+          </a:p>
+        </p:txBody>
+      </p:sp>
+    </p:spTree>
+    <p:extLst>
+      <p:ext uri="{BB962C8B-B14F-4D97-AF65-F5344CB8AC3E}">
+        <p14:creationId xmlns:p14="http://schemas.microsoft.com/office/powerpoint/2010/main" val="3317506561"/>
+      </p:ext>
+    </p:extLst>
+  </p:cSld>
+  <p:clrMapOvr>
+    <a:masterClrMapping/>
+  </p:clrMapOvr>
+</p:sld>
+</file>
+
+<file path=ppt/slides/slide7.xml><?xml version="1.0" encoding="utf-8"?>
 <p:sld xmlns:a="http://schemas.openxmlformats.org/drawingml/2006/main" xmlns:r="http://schemas.openxmlformats.org/officeDocument/2006/relationships" xmlns:p="http://schemas.openxmlformats.org/presentationml/2006/main">
   <p:cSld>
     <p:spTree>

--- a/present1.pptx
+++ b/present1.pptx
@@ -5,7 +5,7 @@
     <p:sldMasterId id="2147483648" r:id="rId1"/>
   </p:sldMasterIdLst>
   <p:notesMasterIdLst>
-    <p:notesMasterId r:id="rId12"/>
+    <p:notesMasterId r:id="rId13"/>
   </p:notesMasterIdLst>
   <p:sldIdLst>
     <p:sldId id="256" r:id="rId2"/>
@@ -17,7 +17,8 @@
     <p:sldId id="265" r:id="rId8"/>
     <p:sldId id="266" r:id="rId9"/>
     <p:sldId id="267" r:id="rId10"/>
-    <p:sldId id="259" r:id="rId11"/>
+    <p:sldId id="269" r:id="rId11"/>
+    <p:sldId id="259" r:id="rId12"/>
   </p:sldIdLst>
   <p:sldSz cx="12192000" cy="6858000"/>
   <p:notesSz cx="6858000" cy="9144000"/>
@@ -364,7 +365,7 @@
           <a:p>
             <a:fld id="{7F465381-BC61-482C-A649-8BFEF9EA85C7}" type="slidenum">
               <a:rPr lang="de-DE" smtClean="0"/>
-              <a:t>‹Nr.›</a:t>
+              <a:t>‹#›</a:t>
             </a:fld>
             <a:endParaRPr lang="de-DE"/>
           </a:p>
@@ -674,7 +675,7 @@
           <a:p>
             <a:fld id="{4CF8EA77-4542-B444-B907-EE0796A4E1B9}" type="slidenum">
               <a:rPr lang="en-GB" smtClean="0"/>
-              <a:t>‹Nr.›</a:t>
+              <a:t>‹#›</a:t>
             </a:fld>
             <a:endParaRPr lang="en-GB"/>
           </a:p>
@@ -872,7 +873,7 @@
           <a:p>
             <a:fld id="{4CF8EA77-4542-B444-B907-EE0796A4E1B9}" type="slidenum">
               <a:rPr lang="en-GB" smtClean="0"/>
-              <a:t>‹Nr.›</a:t>
+              <a:t>‹#›</a:t>
             </a:fld>
             <a:endParaRPr lang="en-GB"/>
           </a:p>
@@ -1080,7 +1081,7 @@
           <a:p>
             <a:fld id="{4CF8EA77-4542-B444-B907-EE0796A4E1B9}" type="slidenum">
               <a:rPr lang="en-GB" smtClean="0"/>
-              <a:t>‹Nr.›</a:t>
+              <a:t>‹#›</a:t>
             </a:fld>
             <a:endParaRPr lang="en-GB"/>
           </a:p>
@@ -1278,7 +1279,7 @@
           <a:p>
             <a:fld id="{4CF8EA77-4542-B444-B907-EE0796A4E1B9}" type="slidenum">
               <a:rPr lang="en-GB" smtClean="0"/>
-              <a:t>‹Nr.›</a:t>
+              <a:t>‹#›</a:t>
             </a:fld>
             <a:endParaRPr lang="en-GB"/>
           </a:p>
@@ -1553,7 +1554,7 @@
           <a:p>
             <a:fld id="{4CF8EA77-4542-B444-B907-EE0796A4E1B9}" type="slidenum">
               <a:rPr lang="en-GB" smtClean="0"/>
-              <a:t>‹Nr.›</a:t>
+              <a:t>‹#›</a:t>
             </a:fld>
             <a:endParaRPr lang="en-GB"/>
           </a:p>
@@ -1818,7 +1819,7 @@
           <a:p>
             <a:fld id="{4CF8EA77-4542-B444-B907-EE0796A4E1B9}" type="slidenum">
               <a:rPr lang="en-GB" smtClean="0"/>
-              <a:t>‹Nr.›</a:t>
+              <a:t>‹#›</a:t>
             </a:fld>
             <a:endParaRPr lang="en-GB"/>
           </a:p>
@@ -2230,7 +2231,7 @@
           <a:p>
             <a:fld id="{4CF8EA77-4542-B444-B907-EE0796A4E1B9}" type="slidenum">
               <a:rPr lang="en-GB" smtClean="0"/>
-              <a:t>‹Nr.›</a:t>
+              <a:t>‹#›</a:t>
             </a:fld>
             <a:endParaRPr lang="en-GB"/>
           </a:p>
@@ -2371,7 +2372,7 @@
           <a:p>
             <a:fld id="{4CF8EA77-4542-B444-B907-EE0796A4E1B9}" type="slidenum">
               <a:rPr lang="en-GB" smtClean="0"/>
-              <a:t>‹Nr.›</a:t>
+              <a:t>‹#›</a:t>
             </a:fld>
             <a:endParaRPr lang="en-GB"/>
           </a:p>
@@ -2484,7 +2485,7 @@
           <a:p>
             <a:fld id="{4CF8EA77-4542-B444-B907-EE0796A4E1B9}" type="slidenum">
               <a:rPr lang="en-GB" smtClean="0"/>
-              <a:t>‹Nr.›</a:t>
+              <a:t>‹#›</a:t>
             </a:fld>
             <a:endParaRPr lang="en-GB"/>
           </a:p>
@@ -2795,7 +2796,7 @@
           <a:p>
             <a:fld id="{4CF8EA77-4542-B444-B907-EE0796A4E1B9}" type="slidenum">
               <a:rPr lang="en-GB" smtClean="0"/>
-              <a:t>‹Nr.›</a:t>
+              <a:t>‹#›</a:t>
             </a:fld>
             <a:endParaRPr lang="en-GB"/>
           </a:p>
@@ -3083,7 +3084,7 @@
           <a:p>
             <a:fld id="{4CF8EA77-4542-B444-B907-EE0796A4E1B9}" type="slidenum">
               <a:rPr lang="en-GB" smtClean="0"/>
-              <a:t>‹Nr.›</a:t>
+              <a:t>‹#›</a:t>
             </a:fld>
             <a:endParaRPr lang="en-GB"/>
           </a:p>
@@ -3360,7 +3361,7 @@
           <a:p>
             <a:fld id="{4CF8EA77-4542-B444-B907-EE0796A4E1B9}" type="slidenum">
               <a:rPr lang="en-GB" smtClean="0"/>
-              <a:t>‹Nr.›</a:t>
+              <a:t>‹#›</a:t>
             </a:fld>
             <a:endParaRPr lang="en-GB"/>
           </a:p>
@@ -4918,6 +4919,115 @@
           <p:cNvPr id="2" name="Title 1">
             <a:extLst>
               <a:ext uri="{FF2B5EF4-FFF2-40B4-BE49-F238E27FC236}">
+                <a16:creationId xmlns:a16="http://schemas.microsoft.com/office/drawing/2014/main" id="{19EECC34-F12B-47B3-BBCF-9A929144F3D0}"/>
+              </a:ext>
+            </a:extLst>
+          </p:cNvPr>
+          <p:cNvSpPr>
+            <a:spLocks noGrp="1"/>
+          </p:cNvSpPr>
+          <p:nvPr>
+            <p:ph type="title"/>
+          </p:nvPr>
+        </p:nvSpPr>
+        <p:spPr/>
+        <p:txBody>
+          <a:bodyPr/>
+          <a:lstStyle/>
+          <a:p>
+            <a:endParaRPr lang="de-AT"/>
+          </a:p>
+        </p:txBody>
+      </p:sp>
+      <p:sp>
+        <p:nvSpPr>
+          <p:cNvPr id="3" name="Content Placeholder 2">
+            <a:extLst>
+              <a:ext uri="{FF2B5EF4-FFF2-40B4-BE49-F238E27FC236}">
+                <a16:creationId xmlns:a16="http://schemas.microsoft.com/office/drawing/2014/main" id="{D8B20590-8A22-4A3D-927B-7B4450101F50}"/>
+              </a:ext>
+            </a:extLst>
+          </p:cNvPr>
+          <p:cNvSpPr>
+            <a:spLocks noGrp="1"/>
+          </p:cNvSpPr>
+          <p:nvPr>
+            <p:ph idx="1"/>
+          </p:nvPr>
+        </p:nvSpPr>
+        <p:spPr/>
+        <p:txBody>
+          <a:bodyPr/>
+          <a:lstStyle/>
+          <a:p>
+            <a:endParaRPr lang="de-AT"/>
+          </a:p>
+        </p:txBody>
+      </p:sp>
+      <p:sp>
+        <p:nvSpPr>
+          <p:cNvPr id="4" name="Slide Number Placeholder 3">
+            <a:extLst>
+              <a:ext uri="{FF2B5EF4-FFF2-40B4-BE49-F238E27FC236}">
+                <a16:creationId xmlns:a16="http://schemas.microsoft.com/office/drawing/2014/main" id="{14C27088-A932-412C-953B-062A5F33CEA8}"/>
+              </a:ext>
+            </a:extLst>
+          </p:cNvPr>
+          <p:cNvSpPr>
+            <a:spLocks noGrp="1"/>
+          </p:cNvSpPr>
+          <p:nvPr>
+            <p:ph type="sldNum" sz="quarter" idx="12"/>
+          </p:nvPr>
+        </p:nvSpPr>
+        <p:spPr/>
+        <p:txBody>
+          <a:bodyPr/>
+          <a:lstStyle/>
+          <a:p>
+            <a:fld id="{4CF8EA77-4542-B444-B907-EE0796A4E1B9}" type="slidenum">
+              <a:rPr lang="en-GB" smtClean="0"/>
+              <a:t>10</a:t>
+            </a:fld>
+            <a:endParaRPr lang="en-GB"/>
+          </a:p>
+        </p:txBody>
+      </p:sp>
+    </p:spTree>
+    <p:extLst>
+      <p:ext uri="{BB962C8B-B14F-4D97-AF65-F5344CB8AC3E}">
+        <p14:creationId xmlns:p14="http://schemas.microsoft.com/office/powerpoint/2010/main" val="4018004136"/>
+      </p:ext>
+    </p:extLst>
+  </p:cSld>
+  <p:clrMapOvr>
+    <a:masterClrMapping/>
+  </p:clrMapOvr>
+</p:sld>
+</file>
+
+<file path=ppt/slides/slide11.xml><?xml version="1.0" encoding="utf-8"?>
+<p:sld xmlns:a="http://schemas.openxmlformats.org/drawingml/2006/main" xmlns:r="http://schemas.openxmlformats.org/officeDocument/2006/relationships" xmlns:p="http://schemas.openxmlformats.org/presentationml/2006/main">
+  <p:cSld>
+    <p:spTree>
+      <p:nvGrpSpPr>
+        <p:cNvPr id="1" name=""/>
+        <p:cNvGrpSpPr/>
+        <p:nvPr/>
+      </p:nvGrpSpPr>
+      <p:grpSpPr>
+        <a:xfrm>
+          <a:off x="0" y="0"/>
+          <a:ext cx="0" cy="0"/>
+          <a:chOff x="0" y="0"/>
+          <a:chExt cx="0" cy="0"/>
+        </a:xfrm>
+      </p:grpSpPr>
+      <p:sp>
+        <p:nvSpPr>
+          <p:cNvPr id="2" name="Title 1">
+            <a:extLst>
+              <a:ext uri="{FF2B5EF4-FFF2-40B4-BE49-F238E27FC236}">
                 <a16:creationId xmlns:a16="http://schemas.microsoft.com/office/drawing/2014/main" id="{352E7183-CA7F-E647-B585-80382C600342}"/>
               </a:ext>
             </a:extLst>
@@ -5025,7 +5135,7 @@
           <a:p>
             <a:fld id="{4CF8EA77-4542-B444-B907-EE0796A4E1B9}" type="slidenum">
               <a:rPr lang="en-GB" smtClean="0"/>
-              <a:t>10</a:t>
+              <a:t>11</a:t>
             </a:fld>
             <a:endParaRPr lang="en-GB"/>
           </a:p>
